--- a/doc/demo/about_FUNts.pptx
+++ b/doc/demo/about_FUNts.pptx
@@ -2,15 +2,22 @@
 <file path=ppt/presentation.xml><?xml version="1.0" encoding="utf-8"?>
 <p:presentation xmlns:a="http://schemas.openxmlformats.org/drawingml/2006/main" xmlns:r="http://schemas.openxmlformats.org/officeDocument/2006/relationships" xmlns:p="http://schemas.openxmlformats.org/presentationml/2006/main" saveSubsetFonts="1">
   <p:sldMasterIdLst>
-    <p:sldMasterId id="2147483648" r:id="rId1"/>
+    <p:sldMasterId id="2147483672" r:id="rId1"/>
   </p:sldMasterIdLst>
+  <p:handoutMasterIdLst>
+    <p:handoutMasterId r:id="rId12"/>
+  </p:handoutMasterIdLst>
   <p:sldIdLst>
     <p:sldId id="256" r:id="rId2"/>
     <p:sldId id="257" r:id="rId3"/>
     <p:sldId id="259" r:id="rId4"/>
     <p:sldId id="258" r:id="rId5"/>
     <p:sldId id="260" r:id="rId6"/>
-    <p:sldId id="261" r:id="rId7"/>
+    <p:sldId id="262" r:id="rId7"/>
+    <p:sldId id="263" r:id="rId8"/>
+    <p:sldId id="264" r:id="rId9"/>
+    <p:sldId id="261" r:id="rId10"/>
+    <p:sldId id="265" r:id="rId11"/>
   </p:sldIdLst>
   <p:sldSz cx="12192000" cy="6858000"/>
   <p:notesSz cx="6858000" cy="9144000"/>
@@ -109,12 +116,22 @@
       </a:defRPr>
     </a:lvl9pPr>
   </p:defaultTextStyle>
+  <p:extLst>
+    <p:ext uri="{EFAFB233-063F-42B5-8137-9DF3F51BA10A}">
+      <p15:sldGuideLst xmlns:p15="http://schemas.microsoft.com/office/powerpoint/2012/main"/>
+    </p:ext>
+  </p:extLst>
 </p:presentation>
 </file>
 
-<file path=ppt/slideLayouts/slideLayout1.xml><?xml version="1.0" encoding="utf-8"?>
-<p:sldLayout xmlns:a="http://schemas.openxmlformats.org/drawingml/2006/main" xmlns:r="http://schemas.openxmlformats.org/officeDocument/2006/relationships" xmlns:p="http://schemas.openxmlformats.org/presentationml/2006/main" type="title" preserve="1">
-  <p:cSld name="Title Slide">
+<file path=ppt/handoutMasters/handoutMaster1.xml><?xml version="1.0" encoding="utf-8"?>
+<p:handoutMaster xmlns:a="http://schemas.openxmlformats.org/drawingml/2006/main" xmlns:r="http://schemas.openxmlformats.org/officeDocument/2006/relationships" xmlns:p="http://schemas.openxmlformats.org/presentationml/2006/main">
+  <p:cSld>
+    <p:bg>
+      <p:bgRef idx="1001">
+        <a:schemeClr val="bg1"/>
+      </p:bgRef>
+    </p:bg>
     <p:spTree>
       <p:nvGrpSpPr>
         <p:cNvPr id="1" name=""/>
@@ -131,10 +148,199 @@
       </p:grpSpPr>
       <p:sp>
         <p:nvSpPr>
+          <p:cNvPr id="2" name="Header Placeholder 1">
+            <a:extLst>
+              <a:ext uri="{FF2B5EF4-FFF2-40B4-BE49-F238E27FC236}">
+                <a16:creationId xmlns:a16="http://schemas.microsoft.com/office/drawing/2014/main" id="{65A72B08-B687-44A6-A1AB-20D061539FA0}"/>
+              </a:ext>
+            </a:extLst>
+          </p:cNvPr>
+          <p:cNvSpPr>
+            <a:spLocks noGrp="1"/>
+          </p:cNvSpPr>
+          <p:nvPr>
+            <p:ph type="hdr" sz="quarter"/>
+          </p:nvPr>
+        </p:nvSpPr>
+        <p:spPr>
+          <a:xfrm>
+            <a:off x="0" y="0"/>
+            <a:ext cx="2971800" cy="458788"/>
+          </a:xfrm>
+          <a:prstGeom prst="rect">
+            <a:avLst/>
+          </a:prstGeom>
+        </p:spPr>
+        <p:txBody>
+          <a:bodyPr vert="horz" lIns="91440" tIns="45720" rIns="91440" bIns="45720" rtlCol="0"/>
+          <a:lstStyle>
+            <a:lvl1pPr algn="l">
+              <a:defRPr sz="1200"/>
+            </a:lvl1pPr>
+          </a:lstStyle>
+          <a:p>
+            <a:endParaRPr lang="en-US"/>
+          </a:p>
+        </p:txBody>
+      </p:sp>
+      <p:sp>
+        <p:nvSpPr>
+          <p:cNvPr id="3" name="Date Placeholder 2">
+            <a:extLst>
+              <a:ext uri="{FF2B5EF4-FFF2-40B4-BE49-F238E27FC236}">
+                <a16:creationId xmlns:a16="http://schemas.microsoft.com/office/drawing/2014/main" id="{88580780-FBE2-4B84-999B-1C49DEB4B9CB}"/>
+              </a:ext>
+            </a:extLst>
+          </p:cNvPr>
+          <p:cNvSpPr>
+            <a:spLocks noGrp="1"/>
+          </p:cNvSpPr>
+          <p:nvPr>
+            <p:ph type="dt" sz="quarter" idx="1"/>
+          </p:nvPr>
+        </p:nvSpPr>
+        <p:spPr>
+          <a:xfrm>
+            <a:off x="3884613" y="0"/>
+            <a:ext cx="2971800" cy="458788"/>
+          </a:xfrm>
+          <a:prstGeom prst="rect">
+            <a:avLst/>
+          </a:prstGeom>
+        </p:spPr>
+        <p:txBody>
+          <a:bodyPr vert="horz" lIns="91440" tIns="45720" rIns="91440" bIns="45720" rtlCol="0"/>
+          <a:lstStyle>
+            <a:lvl1pPr algn="r">
+              <a:defRPr sz="1200"/>
+            </a:lvl1pPr>
+          </a:lstStyle>
+          <a:p>
+            <a:fld id="{E3475A24-5253-45FE-BA55-D3CA6C7B5C2A}" type="datetimeFigureOut">
+              <a:rPr lang="en-US" smtClean="0"/>
+              <a:t>7/24/2019</a:t>
+            </a:fld>
+            <a:endParaRPr lang="en-US"/>
+          </a:p>
+        </p:txBody>
+      </p:sp>
+      <p:sp>
+        <p:nvSpPr>
+          <p:cNvPr id="4" name="Footer Placeholder 3">
+            <a:extLst>
+              <a:ext uri="{FF2B5EF4-FFF2-40B4-BE49-F238E27FC236}">
+                <a16:creationId xmlns:a16="http://schemas.microsoft.com/office/drawing/2014/main" id="{E5378723-8BE8-48EF-8CB0-62BA50CCB9A4}"/>
+              </a:ext>
+            </a:extLst>
+          </p:cNvPr>
+          <p:cNvSpPr>
+            <a:spLocks noGrp="1"/>
+          </p:cNvSpPr>
+          <p:nvPr>
+            <p:ph type="ftr" sz="quarter" idx="2"/>
+          </p:nvPr>
+        </p:nvSpPr>
+        <p:spPr>
+          <a:xfrm>
+            <a:off x="0" y="8685213"/>
+            <a:ext cx="2971800" cy="458787"/>
+          </a:xfrm>
+          <a:prstGeom prst="rect">
+            <a:avLst/>
+          </a:prstGeom>
+        </p:spPr>
+        <p:txBody>
+          <a:bodyPr vert="horz" lIns="91440" tIns="45720" rIns="91440" bIns="45720" rtlCol="0" anchor="b"/>
+          <a:lstStyle>
+            <a:lvl1pPr algn="l">
+              <a:defRPr sz="1200"/>
+            </a:lvl1pPr>
+          </a:lstStyle>
+          <a:p>
+            <a:endParaRPr lang="en-US"/>
+          </a:p>
+        </p:txBody>
+      </p:sp>
+      <p:sp>
+        <p:nvSpPr>
+          <p:cNvPr id="5" name="Slide Number Placeholder 4">
+            <a:extLst>
+              <a:ext uri="{FF2B5EF4-FFF2-40B4-BE49-F238E27FC236}">
+                <a16:creationId xmlns:a16="http://schemas.microsoft.com/office/drawing/2014/main" id="{5B9252D2-3136-4D28-9053-4E5781D65C83}"/>
+              </a:ext>
+            </a:extLst>
+          </p:cNvPr>
+          <p:cNvSpPr>
+            <a:spLocks noGrp="1"/>
+          </p:cNvSpPr>
+          <p:nvPr>
+            <p:ph type="sldNum" sz="quarter" idx="3"/>
+          </p:nvPr>
+        </p:nvSpPr>
+        <p:spPr>
+          <a:xfrm>
+            <a:off x="3884613" y="8685213"/>
+            <a:ext cx="2971800" cy="458787"/>
+          </a:xfrm>
+          <a:prstGeom prst="rect">
+            <a:avLst/>
+          </a:prstGeom>
+        </p:spPr>
+        <p:txBody>
+          <a:bodyPr vert="horz" lIns="91440" tIns="45720" rIns="91440" bIns="45720" rtlCol="0" anchor="b"/>
+          <a:lstStyle>
+            <a:lvl1pPr algn="r">
+              <a:defRPr sz="1200"/>
+            </a:lvl1pPr>
+          </a:lstStyle>
+          <a:p>
+            <a:fld id="{283013B5-F832-4194-A1B1-ECDF432BA810}" type="slidenum">
+              <a:rPr lang="en-US" smtClean="0"/>
+              <a:t>‹#›</a:t>
+            </a:fld>
+            <a:endParaRPr lang="en-US"/>
+          </a:p>
+        </p:txBody>
+      </p:sp>
+    </p:spTree>
+    <p:extLst>
+      <p:ext uri="{BB962C8B-B14F-4D97-AF65-F5344CB8AC3E}">
+        <p14:creationId xmlns:p14="http://schemas.microsoft.com/office/powerpoint/2010/main" val="3456675256"/>
+      </p:ext>
+    </p:extLst>
+  </p:cSld>
+  <p:clrMap bg1="lt1" tx1="dk1" bg2="lt2" tx2="dk2" accent1="accent1" accent2="accent2" accent3="accent3" accent4="accent4" accent5="accent5" accent6="accent6" hlink="hlink" folHlink="folHlink"/>
+</p:handoutMaster>
+</file>
+
+<file path=ppt/slideLayouts/slideLayout1.xml><?xml version="1.0" encoding="utf-8"?>
+<p:sldLayout xmlns:a="http://schemas.openxmlformats.org/drawingml/2006/main" xmlns:r="http://schemas.openxmlformats.org/officeDocument/2006/relationships" xmlns:p="http://schemas.openxmlformats.org/presentationml/2006/main" type="title" preserve="1">
+  <p:cSld name="Title Slide">
+    <p:bg>
+      <p:bgRef idx="1002">
+        <a:schemeClr val="bg1"/>
+      </p:bgRef>
+    </p:bg>
+    <p:spTree>
+      <p:nvGrpSpPr>
+        <p:cNvPr id="1" name=""/>
+        <p:cNvGrpSpPr/>
+        <p:nvPr/>
+      </p:nvGrpSpPr>
+      <p:grpSpPr>
+        <a:xfrm>
+          <a:off x="0" y="0"/>
+          <a:ext cx="0" cy="0"/>
+          <a:chOff x="0" y="0"/>
+          <a:chExt cx="0" cy="0"/>
+        </a:xfrm>
+      </p:grpSpPr>
+      <p:sp>
+        <p:nvSpPr>
           <p:cNvPr id="2" name="Title 1">
             <a:extLst>
               <a:ext uri="{FF2B5EF4-FFF2-40B4-BE49-F238E27FC236}">
-                <a16:creationId xmlns:a16="http://schemas.microsoft.com/office/drawing/2014/main" id="{C7E512C9-F044-4E7E-B2CF-AAB8CAF4A50B}"/>
+                <a16:creationId xmlns:a16="http://schemas.microsoft.com/office/drawing/2014/main" id="{6CB98A68-589E-40AC-881D-C59665389CC8}"/>
               </a:ext>
             </a:extLst>
           </p:cNvPr>
@@ -152,15 +358,24 @@
           </a:xfrm>
         </p:spPr>
         <p:txBody>
-          <a:bodyPr anchor="b"/>
+          <a:bodyPr anchor="b">
+            <a:normAutofit/>
+          </a:bodyPr>
           <a:lstStyle>
             <a:lvl1pPr algn="ctr">
-              <a:defRPr sz="6000"/>
+              <a:defRPr sz="6000" b="1">
+                <a:solidFill>
+                  <a:schemeClr val="accent4">
+                    <a:lumMod val="40000"/>
+                    <a:lumOff val="60000"/>
+                  </a:schemeClr>
+                </a:solidFill>
+              </a:defRPr>
             </a:lvl1pPr>
           </a:lstStyle>
           <a:p>
             <a:r>
-              <a:rPr lang="en-US"/>
+              <a:rPr lang="en-US" dirty="0"/>
               <a:t>Click to edit Master title style</a:t>
             </a:r>
           </a:p>
@@ -171,7 +386,7 @@
           <p:cNvPr id="3" name="Subtitle 2">
             <a:extLst>
               <a:ext uri="{FF2B5EF4-FFF2-40B4-BE49-F238E27FC236}">
-                <a16:creationId xmlns:a16="http://schemas.microsoft.com/office/drawing/2014/main" id="{26D8B8D8-39F3-453C-AED8-536611783B52}"/>
+                <a16:creationId xmlns:a16="http://schemas.microsoft.com/office/drawing/2014/main" id="{CB3D1DCE-1CDE-4294-8594-26446AC5D4A0}"/>
               </a:ext>
             </a:extLst>
           </p:cNvPr>
@@ -241,7 +456,7 @@
           <p:cNvPr id="4" name="Date Placeholder 3">
             <a:extLst>
               <a:ext uri="{FF2B5EF4-FFF2-40B4-BE49-F238E27FC236}">
-                <a16:creationId xmlns:a16="http://schemas.microsoft.com/office/drawing/2014/main" id="{DD0C6DE6-A138-4EBD-B05A-E689F87D8572}"/>
+                <a16:creationId xmlns:a16="http://schemas.microsoft.com/office/drawing/2014/main" id="{28AAD72E-C822-41EC-ACBA-AF292CF4C4FB}"/>
               </a:ext>
             </a:extLst>
           </p:cNvPr>
@@ -270,7 +485,7 @@
           <p:cNvPr id="5" name="Footer Placeholder 4">
             <a:extLst>
               <a:ext uri="{FF2B5EF4-FFF2-40B4-BE49-F238E27FC236}">
-                <a16:creationId xmlns:a16="http://schemas.microsoft.com/office/drawing/2014/main" id="{CCBFB14F-A7FF-4CF1-8091-8DC330357AD1}"/>
+                <a16:creationId xmlns:a16="http://schemas.microsoft.com/office/drawing/2014/main" id="{E38EBF6C-58FD-46F6-BC54-B408231A2F28}"/>
               </a:ext>
             </a:extLst>
           </p:cNvPr>
@@ -295,7 +510,7 @@
           <p:cNvPr id="6" name="Slide Number Placeholder 5">
             <a:extLst>
               <a:ext uri="{FF2B5EF4-FFF2-40B4-BE49-F238E27FC236}">
-                <a16:creationId xmlns:a16="http://schemas.microsoft.com/office/drawing/2014/main" id="{96E2EC21-1E67-4D38-A083-C6E34D6B2596}"/>
+                <a16:creationId xmlns:a16="http://schemas.microsoft.com/office/drawing/2014/main" id="{837D15BE-56A8-4C54-A944-C218D50E2076}"/>
               </a:ext>
             </a:extLst>
           </p:cNvPr>
@@ -322,19 +537,29 @@
     </p:spTree>
     <p:extLst>
       <p:ext uri="{BB962C8B-B14F-4D97-AF65-F5344CB8AC3E}">
-        <p14:creationId xmlns:p14="http://schemas.microsoft.com/office/powerpoint/2010/main" val="4163998300"/>
+        <p14:creationId xmlns:p14="http://schemas.microsoft.com/office/powerpoint/2010/main" val="3198628839"/>
       </p:ext>
     </p:extLst>
   </p:cSld>
   <p:clrMapOvr>
-    <a:masterClrMapping/>
+    <a:overrideClrMapping bg1="dk1" tx1="lt1" bg2="dk2" tx2="lt2" accent1="accent1" accent2="accent2" accent3="accent3" accent4="accent4" accent5="accent5" accent6="accent6" hlink="hlink" folHlink="folHlink"/>
   </p:clrMapOvr>
+  <p:extLst>
+    <p:ext uri="{DCECCB84-F9BA-43D5-87BE-67443E8EF086}">
+      <p15:sldGuideLst xmlns:p15="http://schemas.microsoft.com/office/powerpoint/2012/main"/>
+    </p:ext>
+  </p:extLst>
 </p:sldLayout>
 </file>
 
 <file path=ppt/slideLayouts/slideLayout10.xml><?xml version="1.0" encoding="utf-8"?>
 <p:sldLayout xmlns:a="http://schemas.openxmlformats.org/drawingml/2006/main" xmlns:r="http://schemas.openxmlformats.org/officeDocument/2006/relationships" xmlns:p="http://schemas.openxmlformats.org/presentationml/2006/main" type="vertTx" preserve="1">
   <p:cSld name="Title and Vertical Text">
+    <p:bg>
+      <p:bgRef idx="1002">
+        <a:schemeClr val="bg1"/>
+      </p:bgRef>
+    </p:bg>
     <p:spTree>
       <p:nvGrpSpPr>
         <p:cNvPr id="1" name=""/>
@@ -354,7 +579,7 @@
           <p:cNvPr id="2" name="Title 1">
             <a:extLst>
               <a:ext uri="{FF2B5EF4-FFF2-40B4-BE49-F238E27FC236}">
-                <a16:creationId xmlns:a16="http://schemas.microsoft.com/office/drawing/2014/main" id="{76A29EAD-11BC-4B3B-98A5-5B3C32C11BCF}"/>
+                <a16:creationId xmlns:a16="http://schemas.microsoft.com/office/drawing/2014/main" id="{8FFB4373-95DD-4442-BE1D-4162E56C646F}"/>
               </a:ext>
             </a:extLst>
           </p:cNvPr>
@@ -382,7 +607,7 @@
           <p:cNvPr id="3" name="Vertical Text Placeholder 2">
             <a:extLst>
               <a:ext uri="{FF2B5EF4-FFF2-40B4-BE49-F238E27FC236}">
-                <a16:creationId xmlns:a16="http://schemas.microsoft.com/office/drawing/2014/main" id="{D8EEA3FD-69B1-4034-A476-B517DA717E76}"/>
+                <a16:creationId xmlns:a16="http://schemas.microsoft.com/office/drawing/2014/main" id="{777347DE-5FF2-4C93-8DC2-4E3D02DB8525}"/>
               </a:ext>
             </a:extLst>
           </p:cNvPr>
@@ -439,7 +664,7 @@
           <p:cNvPr id="4" name="Date Placeholder 3">
             <a:extLst>
               <a:ext uri="{FF2B5EF4-FFF2-40B4-BE49-F238E27FC236}">
-                <a16:creationId xmlns:a16="http://schemas.microsoft.com/office/drawing/2014/main" id="{BE9CAE14-BA9D-4382-A0A7-6273CD9AD3AC}"/>
+                <a16:creationId xmlns:a16="http://schemas.microsoft.com/office/drawing/2014/main" id="{C57BEF11-A860-441F-86B2-AA32E3663816}"/>
               </a:ext>
             </a:extLst>
           </p:cNvPr>
@@ -468,7 +693,7 @@
           <p:cNvPr id="5" name="Footer Placeholder 4">
             <a:extLst>
               <a:ext uri="{FF2B5EF4-FFF2-40B4-BE49-F238E27FC236}">
-                <a16:creationId xmlns:a16="http://schemas.microsoft.com/office/drawing/2014/main" id="{103ECB5F-8BAA-4357-AB2A-FE94B79ABA3B}"/>
+                <a16:creationId xmlns:a16="http://schemas.microsoft.com/office/drawing/2014/main" id="{E2AB0AFD-8A58-4ADF-BE9F-E3DA4F5BC33A}"/>
               </a:ext>
             </a:extLst>
           </p:cNvPr>
@@ -493,7 +718,7 @@
           <p:cNvPr id="6" name="Slide Number Placeholder 5">
             <a:extLst>
               <a:ext uri="{FF2B5EF4-FFF2-40B4-BE49-F238E27FC236}">
-                <a16:creationId xmlns:a16="http://schemas.microsoft.com/office/drawing/2014/main" id="{682058D0-6C03-4E27-A4D8-0F99D6FC101E}"/>
+                <a16:creationId xmlns:a16="http://schemas.microsoft.com/office/drawing/2014/main" id="{F3E75197-C0E4-4922-A56B-86618D13B29C}"/>
               </a:ext>
             </a:extLst>
           </p:cNvPr>
@@ -520,12 +745,12 @@
     </p:spTree>
     <p:extLst>
       <p:ext uri="{BB962C8B-B14F-4D97-AF65-F5344CB8AC3E}">
-        <p14:creationId xmlns:p14="http://schemas.microsoft.com/office/powerpoint/2010/main" val="1258491817"/>
+        <p14:creationId xmlns:p14="http://schemas.microsoft.com/office/powerpoint/2010/main" val="3549143999"/>
       </p:ext>
     </p:extLst>
   </p:cSld>
   <p:clrMapOvr>
-    <a:masterClrMapping/>
+    <a:overrideClrMapping bg1="dk1" tx1="lt1" bg2="dk2" tx2="lt2" accent1="accent1" accent2="accent2" accent3="accent3" accent4="accent4" accent5="accent5" accent6="accent6" hlink="hlink" folHlink="folHlink"/>
   </p:clrMapOvr>
 </p:sldLayout>
 </file>
@@ -533,6 +758,11 @@
 <file path=ppt/slideLayouts/slideLayout11.xml><?xml version="1.0" encoding="utf-8"?>
 <p:sldLayout xmlns:a="http://schemas.openxmlformats.org/drawingml/2006/main" xmlns:r="http://schemas.openxmlformats.org/officeDocument/2006/relationships" xmlns:p="http://schemas.openxmlformats.org/presentationml/2006/main" type="vertTitleAndTx" preserve="1">
   <p:cSld name="Vertical Title and Text">
+    <p:bg>
+      <p:bgRef idx="1002">
+        <a:schemeClr val="bg1"/>
+      </p:bgRef>
+    </p:bg>
     <p:spTree>
       <p:nvGrpSpPr>
         <p:cNvPr id="1" name=""/>
@@ -552,7 +782,7 @@
           <p:cNvPr id="2" name="Vertical Title 1">
             <a:extLst>
               <a:ext uri="{FF2B5EF4-FFF2-40B4-BE49-F238E27FC236}">
-                <a16:creationId xmlns:a16="http://schemas.microsoft.com/office/drawing/2014/main" id="{F9B51D36-1CEF-496E-BDF5-7AE18CE68049}"/>
+                <a16:creationId xmlns:a16="http://schemas.microsoft.com/office/drawing/2014/main" id="{16F5A257-61B8-447B-82C9-792822DBED69}"/>
               </a:ext>
             </a:extLst>
           </p:cNvPr>
@@ -585,7 +815,7 @@
           <p:cNvPr id="3" name="Vertical Text Placeholder 2">
             <a:extLst>
               <a:ext uri="{FF2B5EF4-FFF2-40B4-BE49-F238E27FC236}">
-                <a16:creationId xmlns:a16="http://schemas.microsoft.com/office/drawing/2014/main" id="{A3E8DE85-CCA2-4412-A726-298A3BD79D8B}"/>
+                <a16:creationId xmlns:a16="http://schemas.microsoft.com/office/drawing/2014/main" id="{79A3B0A1-5A4E-40F2-A2CA-A880105F1D6A}"/>
               </a:ext>
             </a:extLst>
           </p:cNvPr>
@@ -647,7 +877,7 @@
           <p:cNvPr id="4" name="Date Placeholder 3">
             <a:extLst>
               <a:ext uri="{FF2B5EF4-FFF2-40B4-BE49-F238E27FC236}">
-                <a16:creationId xmlns:a16="http://schemas.microsoft.com/office/drawing/2014/main" id="{B885CC2F-CA48-42A9-83BB-96B79EF1CDC1}"/>
+                <a16:creationId xmlns:a16="http://schemas.microsoft.com/office/drawing/2014/main" id="{BD90E109-8DC3-406C-9931-86F906161CF3}"/>
               </a:ext>
             </a:extLst>
           </p:cNvPr>
@@ -676,7 +906,7 @@
           <p:cNvPr id="5" name="Footer Placeholder 4">
             <a:extLst>
               <a:ext uri="{FF2B5EF4-FFF2-40B4-BE49-F238E27FC236}">
-                <a16:creationId xmlns:a16="http://schemas.microsoft.com/office/drawing/2014/main" id="{FA07F362-0960-4256-A0EE-89AB3BE07E4E}"/>
+                <a16:creationId xmlns:a16="http://schemas.microsoft.com/office/drawing/2014/main" id="{82D24809-C8AC-4945-AC3A-01F4235AA6DF}"/>
               </a:ext>
             </a:extLst>
           </p:cNvPr>
@@ -701,7 +931,7 @@
           <p:cNvPr id="6" name="Slide Number Placeholder 5">
             <a:extLst>
               <a:ext uri="{FF2B5EF4-FFF2-40B4-BE49-F238E27FC236}">
-                <a16:creationId xmlns:a16="http://schemas.microsoft.com/office/drawing/2014/main" id="{8067829E-6CAE-4FE8-B6EC-50C890F118A3}"/>
+                <a16:creationId xmlns:a16="http://schemas.microsoft.com/office/drawing/2014/main" id="{869796B1-C8B3-4818-8EEB-27FFB564914C}"/>
               </a:ext>
             </a:extLst>
           </p:cNvPr>
@@ -728,19 +958,29 @@
     </p:spTree>
     <p:extLst>
       <p:ext uri="{BB962C8B-B14F-4D97-AF65-F5344CB8AC3E}">
-        <p14:creationId xmlns:p14="http://schemas.microsoft.com/office/powerpoint/2010/main" val="2688167337"/>
+        <p14:creationId xmlns:p14="http://schemas.microsoft.com/office/powerpoint/2010/main" val="1039109388"/>
       </p:ext>
     </p:extLst>
   </p:cSld>
   <p:clrMapOvr>
-    <a:masterClrMapping/>
+    <a:overrideClrMapping bg1="dk1" tx1="lt1" bg2="dk2" tx2="lt2" accent1="accent1" accent2="accent2" accent3="accent3" accent4="accent4" accent5="accent5" accent6="accent6" hlink="hlink" folHlink="folHlink"/>
   </p:clrMapOvr>
+  <p:extLst>
+    <p:ext uri="{DCECCB84-F9BA-43D5-87BE-67443E8EF086}">
+      <p15:sldGuideLst xmlns:p15="http://schemas.microsoft.com/office/powerpoint/2012/main"/>
+    </p:ext>
+  </p:extLst>
 </p:sldLayout>
 </file>
 
 <file path=ppt/slideLayouts/slideLayout2.xml><?xml version="1.0" encoding="utf-8"?>
 <p:sldLayout xmlns:a="http://schemas.openxmlformats.org/drawingml/2006/main" xmlns:r="http://schemas.openxmlformats.org/officeDocument/2006/relationships" xmlns:p="http://schemas.openxmlformats.org/presentationml/2006/main" type="obj" preserve="1">
   <p:cSld name="Title and Content">
+    <p:bg>
+      <p:bgRef idx="1002">
+        <a:schemeClr val="bg1"/>
+      </p:bgRef>
+    </p:bg>
     <p:spTree>
       <p:nvGrpSpPr>
         <p:cNvPr id="1" name=""/>
@@ -760,7 +1000,7 @@
           <p:cNvPr id="2" name="Title 1">
             <a:extLst>
               <a:ext uri="{FF2B5EF4-FFF2-40B4-BE49-F238E27FC236}">
-                <a16:creationId xmlns:a16="http://schemas.microsoft.com/office/drawing/2014/main" id="{55EDBAB0-D742-4F58-8E8D-E67A9B2480E7}"/>
+                <a16:creationId xmlns:a16="http://schemas.microsoft.com/office/drawing/2014/main" id="{79034328-CED7-4F03-97FB-A9A93A8A446D}"/>
               </a:ext>
             </a:extLst>
           </p:cNvPr>
@@ -774,10 +1014,21 @@
         <p:spPr/>
         <p:txBody>
           <a:bodyPr/>
-          <a:lstStyle/>
-          <a:p>
-            <a:r>
-              <a:rPr lang="en-US"/>
+          <a:lstStyle>
+            <a:lvl1pPr>
+              <a:defRPr b="1">
+                <a:solidFill>
+                  <a:schemeClr val="accent4">
+                    <a:lumMod val="40000"/>
+                    <a:lumOff val="60000"/>
+                  </a:schemeClr>
+                </a:solidFill>
+              </a:defRPr>
+            </a:lvl1pPr>
+          </a:lstStyle>
+          <a:p>
+            <a:r>
+              <a:rPr lang="en-US" dirty="0"/>
               <a:t>Click to edit Master title style</a:t>
             </a:r>
           </a:p>
@@ -788,7 +1039,7 @@
           <p:cNvPr id="3" name="Content Placeholder 2">
             <a:extLst>
               <a:ext uri="{FF2B5EF4-FFF2-40B4-BE49-F238E27FC236}">
-                <a16:creationId xmlns:a16="http://schemas.microsoft.com/office/drawing/2014/main" id="{2BA7B2C9-24A4-4149-8C8A-4331185D4CA4}"/>
+                <a16:creationId xmlns:a16="http://schemas.microsoft.com/office/drawing/2014/main" id="{F57689DC-3CCF-408A-9DDA-9AA9B9934493}"/>
               </a:ext>
             </a:extLst>
           </p:cNvPr>
@@ -845,7 +1096,7 @@
           <p:cNvPr id="4" name="Date Placeholder 3">
             <a:extLst>
               <a:ext uri="{FF2B5EF4-FFF2-40B4-BE49-F238E27FC236}">
-                <a16:creationId xmlns:a16="http://schemas.microsoft.com/office/drawing/2014/main" id="{D6E345AF-5FC3-4FE6-9FEA-9AF633601D09}"/>
+                <a16:creationId xmlns:a16="http://schemas.microsoft.com/office/drawing/2014/main" id="{4B647586-F244-44D5-967B-84FEECFC644A}"/>
               </a:ext>
             </a:extLst>
           </p:cNvPr>
@@ -874,7 +1125,7 @@
           <p:cNvPr id="5" name="Footer Placeholder 4">
             <a:extLst>
               <a:ext uri="{FF2B5EF4-FFF2-40B4-BE49-F238E27FC236}">
-                <a16:creationId xmlns:a16="http://schemas.microsoft.com/office/drawing/2014/main" id="{0DAD5ED7-4A80-4CBE-8C97-A31A47F009AE}"/>
+                <a16:creationId xmlns:a16="http://schemas.microsoft.com/office/drawing/2014/main" id="{80F331DD-B262-4B65-A40B-2BFA264A5032}"/>
               </a:ext>
             </a:extLst>
           </p:cNvPr>
@@ -899,7 +1150,7 @@
           <p:cNvPr id="6" name="Slide Number Placeholder 5">
             <a:extLst>
               <a:ext uri="{FF2B5EF4-FFF2-40B4-BE49-F238E27FC236}">
-                <a16:creationId xmlns:a16="http://schemas.microsoft.com/office/drawing/2014/main" id="{137C09D8-8B3A-4A73-992C-85FBF7328D69}"/>
+                <a16:creationId xmlns:a16="http://schemas.microsoft.com/office/drawing/2014/main" id="{42DA0E0C-B7DE-48D4-816C-51C4EFD2A003}"/>
               </a:ext>
             </a:extLst>
           </p:cNvPr>
@@ -926,12 +1177,12 @@
     </p:spTree>
     <p:extLst>
       <p:ext uri="{BB962C8B-B14F-4D97-AF65-F5344CB8AC3E}">
-        <p14:creationId xmlns:p14="http://schemas.microsoft.com/office/powerpoint/2010/main" val="2577560378"/>
+        <p14:creationId xmlns:p14="http://schemas.microsoft.com/office/powerpoint/2010/main" val="3027474898"/>
       </p:ext>
     </p:extLst>
   </p:cSld>
   <p:clrMapOvr>
-    <a:masterClrMapping/>
+    <a:overrideClrMapping bg1="dk1" tx1="lt1" bg2="dk2" tx2="lt2" accent1="accent1" accent2="accent2" accent3="accent3" accent4="accent4" accent5="accent5" accent6="accent6" hlink="hlink" folHlink="folHlink"/>
   </p:clrMapOvr>
 </p:sldLayout>
 </file>
@@ -939,6 +1190,11 @@
 <file path=ppt/slideLayouts/slideLayout3.xml><?xml version="1.0" encoding="utf-8"?>
 <p:sldLayout xmlns:a="http://schemas.openxmlformats.org/drawingml/2006/main" xmlns:r="http://schemas.openxmlformats.org/officeDocument/2006/relationships" xmlns:p="http://schemas.openxmlformats.org/presentationml/2006/main" type="secHead" preserve="1">
   <p:cSld name="Section Header">
+    <p:bg>
+      <p:bgRef idx="1002">
+        <a:schemeClr val="bg1"/>
+      </p:bgRef>
+    </p:bg>
     <p:spTree>
       <p:nvGrpSpPr>
         <p:cNvPr id="1" name=""/>
@@ -958,7 +1214,7 @@
           <p:cNvPr id="2" name="Title 1">
             <a:extLst>
               <a:ext uri="{FF2B5EF4-FFF2-40B4-BE49-F238E27FC236}">
-                <a16:creationId xmlns:a16="http://schemas.microsoft.com/office/drawing/2014/main" id="{C1678ACE-32F0-4F13-8B57-F3961C321CD5}"/>
+                <a16:creationId xmlns:a16="http://schemas.microsoft.com/office/drawing/2014/main" id="{FFBF5158-DFA7-49B6-8CCD-17212E3991B6}"/>
               </a:ext>
             </a:extLst>
           </p:cNvPr>
@@ -995,7 +1251,7 @@
           <p:cNvPr id="3" name="Text Placeholder 2">
             <a:extLst>
               <a:ext uri="{FF2B5EF4-FFF2-40B4-BE49-F238E27FC236}">
-                <a16:creationId xmlns:a16="http://schemas.microsoft.com/office/drawing/2014/main" id="{73211F9D-345D-4437-A035-CC45CCD4AE5E}"/>
+                <a16:creationId xmlns:a16="http://schemas.microsoft.com/office/drawing/2014/main" id="{BF150042-83C6-4725-A195-5E9A1721D43A}"/>
               </a:ext>
             </a:extLst>
           </p:cNvPr>
@@ -1120,7 +1376,7 @@
           <p:cNvPr id="4" name="Date Placeholder 3">
             <a:extLst>
               <a:ext uri="{FF2B5EF4-FFF2-40B4-BE49-F238E27FC236}">
-                <a16:creationId xmlns:a16="http://schemas.microsoft.com/office/drawing/2014/main" id="{D83069C7-2623-4FE7-80AB-A6BC337E6578}"/>
+                <a16:creationId xmlns:a16="http://schemas.microsoft.com/office/drawing/2014/main" id="{9A7D2393-8A35-4080-B009-BEB329328F66}"/>
               </a:ext>
             </a:extLst>
           </p:cNvPr>
@@ -1149,7 +1405,7 @@
           <p:cNvPr id="5" name="Footer Placeholder 4">
             <a:extLst>
               <a:ext uri="{FF2B5EF4-FFF2-40B4-BE49-F238E27FC236}">
-                <a16:creationId xmlns:a16="http://schemas.microsoft.com/office/drawing/2014/main" id="{585847DF-C136-4F01-BFF3-45EA61B520F6}"/>
+                <a16:creationId xmlns:a16="http://schemas.microsoft.com/office/drawing/2014/main" id="{2C6A6BDB-85A9-4645-943F-8A0069C14D66}"/>
               </a:ext>
             </a:extLst>
           </p:cNvPr>
@@ -1174,7 +1430,7 @@
           <p:cNvPr id="6" name="Slide Number Placeholder 5">
             <a:extLst>
               <a:ext uri="{FF2B5EF4-FFF2-40B4-BE49-F238E27FC236}">
-                <a16:creationId xmlns:a16="http://schemas.microsoft.com/office/drawing/2014/main" id="{877F46E0-E34E-4FA1-B721-BBF72D551517}"/>
+                <a16:creationId xmlns:a16="http://schemas.microsoft.com/office/drawing/2014/main" id="{09674F1D-0775-4CFB-A1A2-67E2CF222B3E}"/>
               </a:ext>
             </a:extLst>
           </p:cNvPr>
@@ -1201,19 +1457,29 @@
     </p:spTree>
     <p:extLst>
       <p:ext uri="{BB962C8B-B14F-4D97-AF65-F5344CB8AC3E}">
-        <p14:creationId xmlns:p14="http://schemas.microsoft.com/office/powerpoint/2010/main" val="868474244"/>
+        <p14:creationId xmlns:p14="http://schemas.microsoft.com/office/powerpoint/2010/main" val="507434256"/>
       </p:ext>
     </p:extLst>
   </p:cSld>
   <p:clrMapOvr>
-    <a:masterClrMapping/>
+    <a:overrideClrMapping bg1="dk1" tx1="lt1" bg2="dk2" tx2="lt2" accent1="accent1" accent2="accent2" accent3="accent3" accent4="accent4" accent5="accent5" accent6="accent6" hlink="hlink" folHlink="folHlink"/>
   </p:clrMapOvr>
+  <p:extLst>
+    <p:ext uri="{DCECCB84-F9BA-43D5-87BE-67443E8EF086}">
+      <p15:sldGuideLst xmlns:p15="http://schemas.microsoft.com/office/powerpoint/2012/main"/>
+    </p:ext>
+  </p:extLst>
 </p:sldLayout>
 </file>
 
 <file path=ppt/slideLayouts/slideLayout4.xml><?xml version="1.0" encoding="utf-8"?>
 <p:sldLayout xmlns:a="http://schemas.openxmlformats.org/drawingml/2006/main" xmlns:r="http://schemas.openxmlformats.org/officeDocument/2006/relationships" xmlns:p="http://schemas.openxmlformats.org/presentationml/2006/main" type="twoObj" preserve="1">
   <p:cSld name="Two Content">
+    <p:bg>
+      <p:bgRef idx="1002">
+        <a:schemeClr val="bg1"/>
+      </p:bgRef>
+    </p:bg>
     <p:spTree>
       <p:nvGrpSpPr>
         <p:cNvPr id="1" name=""/>
@@ -1233,7 +1499,7 @@
           <p:cNvPr id="2" name="Title 1">
             <a:extLst>
               <a:ext uri="{FF2B5EF4-FFF2-40B4-BE49-F238E27FC236}">
-                <a16:creationId xmlns:a16="http://schemas.microsoft.com/office/drawing/2014/main" id="{2A526DB8-5078-426C-ADDB-E5C457D8C35D}"/>
+                <a16:creationId xmlns:a16="http://schemas.microsoft.com/office/drawing/2014/main" id="{8CB1B02A-58E3-47FF-9AAF-CC735D662667}"/>
               </a:ext>
             </a:extLst>
           </p:cNvPr>
@@ -1261,7 +1527,7 @@
           <p:cNvPr id="3" name="Content Placeholder 2">
             <a:extLst>
               <a:ext uri="{FF2B5EF4-FFF2-40B4-BE49-F238E27FC236}">
-                <a16:creationId xmlns:a16="http://schemas.microsoft.com/office/drawing/2014/main" id="{E9BA1507-252D-48D9-A71A-A1A9EE6C5764}"/>
+                <a16:creationId xmlns:a16="http://schemas.microsoft.com/office/drawing/2014/main" id="{C07676E5-24B5-4763-8434-798B4EBB598B}"/>
               </a:ext>
             </a:extLst>
           </p:cNvPr>
@@ -1323,7 +1589,7 @@
           <p:cNvPr id="4" name="Content Placeholder 3">
             <a:extLst>
               <a:ext uri="{FF2B5EF4-FFF2-40B4-BE49-F238E27FC236}">
-                <a16:creationId xmlns:a16="http://schemas.microsoft.com/office/drawing/2014/main" id="{DD37B672-A7A7-4417-AB47-63BC79284081}"/>
+                <a16:creationId xmlns:a16="http://schemas.microsoft.com/office/drawing/2014/main" id="{6830A18D-135A-4818-899B-63A77D54CAFF}"/>
               </a:ext>
             </a:extLst>
           </p:cNvPr>
@@ -1385,7 +1651,7 @@
           <p:cNvPr id="5" name="Date Placeholder 4">
             <a:extLst>
               <a:ext uri="{FF2B5EF4-FFF2-40B4-BE49-F238E27FC236}">
-                <a16:creationId xmlns:a16="http://schemas.microsoft.com/office/drawing/2014/main" id="{8B8D17BF-C026-4840-A40F-5CA5640CF457}"/>
+                <a16:creationId xmlns:a16="http://schemas.microsoft.com/office/drawing/2014/main" id="{7A384068-D3BE-435D-B75B-EE019C9E647D}"/>
               </a:ext>
             </a:extLst>
           </p:cNvPr>
@@ -1414,7 +1680,7 @@
           <p:cNvPr id="6" name="Footer Placeholder 5">
             <a:extLst>
               <a:ext uri="{FF2B5EF4-FFF2-40B4-BE49-F238E27FC236}">
-                <a16:creationId xmlns:a16="http://schemas.microsoft.com/office/drawing/2014/main" id="{F58DC763-5912-419A-BB10-B54D5EF83F83}"/>
+                <a16:creationId xmlns:a16="http://schemas.microsoft.com/office/drawing/2014/main" id="{7BE3B3DF-09B5-4EF3-8AEB-AF27A07EFF5D}"/>
               </a:ext>
             </a:extLst>
           </p:cNvPr>
@@ -1439,7 +1705,7 @@
           <p:cNvPr id="7" name="Slide Number Placeholder 6">
             <a:extLst>
               <a:ext uri="{FF2B5EF4-FFF2-40B4-BE49-F238E27FC236}">
-                <a16:creationId xmlns:a16="http://schemas.microsoft.com/office/drawing/2014/main" id="{7FD72705-B0E6-4D8E-BDB6-109CF4B4612E}"/>
+                <a16:creationId xmlns:a16="http://schemas.microsoft.com/office/drawing/2014/main" id="{9A7FA8EE-FBB4-46B3-B7A4-B03263735336}"/>
               </a:ext>
             </a:extLst>
           </p:cNvPr>
@@ -1466,12 +1732,12 @@
     </p:spTree>
     <p:extLst>
       <p:ext uri="{BB962C8B-B14F-4D97-AF65-F5344CB8AC3E}">
-        <p14:creationId xmlns:p14="http://schemas.microsoft.com/office/powerpoint/2010/main" val="839165055"/>
+        <p14:creationId xmlns:p14="http://schemas.microsoft.com/office/powerpoint/2010/main" val="721697235"/>
       </p:ext>
     </p:extLst>
   </p:cSld>
   <p:clrMapOvr>
-    <a:masterClrMapping/>
+    <a:overrideClrMapping bg1="dk1" tx1="lt1" bg2="dk2" tx2="lt2" accent1="accent1" accent2="accent2" accent3="accent3" accent4="accent4" accent5="accent5" accent6="accent6" hlink="hlink" folHlink="folHlink"/>
   </p:clrMapOvr>
 </p:sldLayout>
 </file>
@@ -1479,6 +1745,11 @@
 <file path=ppt/slideLayouts/slideLayout5.xml><?xml version="1.0" encoding="utf-8"?>
 <p:sldLayout xmlns:a="http://schemas.openxmlformats.org/drawingml/2006/main" xmlns:r="http://schemas.openxmlformats.org/officeDocument/2006/relationships" xmlns:p="http://schemas.openxmlformats.org/presentationml/2006/main" type="twoTxTwoObj" preserve="1">
   <p:cSld name="Comparison">
+    <p:bg>
+      <p:bgRef idx="1002">
+        <a:schemeClr val="bg1"/>
+      </p:bgRef>
+    </p:bg>
     <p:spTree>
       <p:nvGrpSpPr>
         <p:cNvPr id="1" name=""/>
@@ -1498,7 +1769,7 @@
           <p:cNvPr id="2" name="Title 1">
             <a:extLst>
               <a:ext uri="{FF2B5EF4-FFF2-40B4-BE49-F238E27FC236}">
-                <a16:creationId xmlns:a16="http://schemas.microsoft.com/office/drawing/2014/main" id="{FE1D9770-2D25-42BF-B8A3-F83018185CF4}"/>
+                <a16:creationId xmlns:a16="http://schemas.microsoft.com/office/drawing/2014/main" id="{95057799-2887-4501-B390-AF3D1D926A65}"/>
               </a:ext>
             </a:extLst>
           </p:cNvPr>
@@ -1531,7 +1802,7 @@
           <p:cNvPr id="3" name="Text Placeholder 2">
             <a:extLst>
               <a:ext uri="{FF2B5EF4-FFF2-40B4-BE49-F238E27FC236}">
-                <a16:creationId xmlns:a16="http://schemas.microsoft.com/office/drawing/2014/main" id="{14964B82-ED3A-4676-B74A-8CDC55638B4D}"/>
+                <a16:creationId xmlns:a16="http://schemas.microsoft.com/office/drawing/2014/main" id="{33508F83-FC13-4995-A1C8-7A0085ADEDA9}"/>
               </a:ext>
             </a:extLst>
           </p:cNvPr>
@@ -1602,7 +1873,7 @@
           <p:cNvPr id="4" name="Content Placeholder 3">
             <a:extLst>
               <a:ext uri="{FF2B5EF4-FFF2-40B4-BE49-F238E27FC236}">
-                <a16:creationId xmlns:a16="http://schemas.microsoft.com/office/drawing/2014/main" id="{555F3CEC-7100-49B0-9DC4-3122739273D6}"/>
+                <a16:creationId xmlns:a16="http://schemas.microsoft.com/office/drawing/2014/main" id="{11B011B4-0CD6-4122-ACA0-241A0EE4C3CF}"/>
               </a:ext>
             </a:extLst>
           </p:cNvPr>
@@ -1664,7 +1935,7 @@
           <p:cNvPr id="5" name="Text Placeholder 4">
             <a:extLst>
               <a:ext uri="{FF2B5EF4-FFF2-40B4-BE49-F238E27FC236}">
-                <a16:creationId xmlns:a16="http://schemas.microsoft.com/office/drawing/2014/main" id="{F0E6E625-46C2-4027-8477-197F1709008A}"/>
+                <a16:creationId xmlns:a16="http://schemas.microsoft.com/office/drawing/2014/main" id="{BC0125BE-68D2-42B2-8CFE-79C5EB669A41}"/>
               </a:ext>
             </a:extLst>
           </p:cNvPr>
@@ -1735,7 +2006,7 @@
           <p:cNvPr id="6" name="Content Placeholder 5">
             <a:extLst>
               <a:ext uri="{FF2B5EF4-FFF2-40B4-BE49-F238E27FC236}">
-                <a16:creationId xmlns:a16="http://schemas.microsoft.com/office/drawing/2014/main" id="{909CF516-3A06-450F-B946-43D60B6C3F2F}"/>
+                <a16:creationId xmlns:a16="http://schemas.microsoft.com/office/drawing/2014/main" id="{3B89C0EC-D39F-43DD-AE4E-CCCD4062FEEE}"/>
               </a:ext>
             </a:extLst>
           </p:cNvPr>
@@ -1797,7 +2068,7 @@
           <p:cNvPr id="7" name="Date Placeholder 6">
             <a:extLst>
               <a:ext uri="{FF2B5EF4-FFF2-40B4-BE49-F238E27FC236}">
-                <a16:creationId xmlns:a16="http://schemas.microsoft.com/office/drawing/2014/main" id="{4DB828A6-F611-4CB2-BD90-99A2399B9D9C}"/>
+                <a16:creationId xmlns:a16="http://schemas.microsoft.com/office/drawing/2014/main" id="{7F471447-2A5A-40E8-9175-47214630A89A}"/>
               </a:ext>
             </a:extLst>
           </p:cNvPr>
@@ -1826,7 +2097,7 @@
           <p:cNvPr id="8" name="Footer Placeholder 7">
             <a:extLst>
               <a:ext uri="{FF2B5EF4-FFF2-40B4-BE49-F238E27FC236}">
-                <a16:creationId xmlns:a16="http://schemas.microsoft.com/office/drawing/2014/main" id="{F7132D86-83A6-40DD-A2CB-2F433D5C8080}"/>
+                <a16:creationId xmlns:a16="http://schemas.microsoft.com/office/drawing/2014/main" id="{DF982C39-A2C9-4194-AFA3-6222B9109962}"/>
               </a:ext>
             </a:extLst>
           </p:cNvPr>
@@ -1851,7 +2122,7 @@
           <p:cNvPr id="9" name="Slide Number Placeholder 8">
             <a:extLst>
               <a:ext uri="{FF2B5EF4-FFF2-40B4-BE49-F238E27FC236}">
-                <a16:creationId xmlns:a16="http://schemas.microsoft.com/office/drawing/2014/main" id="{017A934A-D92B-4FE3-A2C0-D2170FF0B37C}"/>
+                <a16:creationId xmlns:a16="http://schemas.microsoft.com/office/drawing/2014/main" id="{616C574F-5093-477E-80C9-C640C0778BD9}"/>
               </a:ext>
             </a:extLst>
           </p:cNvPr>
@@ -1878,12 +2149,12 @@
     </p:spTree>
     <p:extLst>
       <p:ext uri="{BB962C8B-B14F-4D97-AF65-F5344CB8AC3E}">
-        <p14:creationId xmlns:p14="http://schemas.microsoft.com/office/powerpoint/2010/main" val="600058866"/>
+        <p14:creationId xmlns:p14="http://schemas.microsoft.com/office/powerpoint/2010/main" val="3862477371"/>
       </p:ext>
     </p:extLst>
   </p:cSld>
   <p:clrMapOvr>
-    <a:masterClrMapping/>
+    <a:overrideClrMapping bg1="dk1" tx1="lt1" bg2="dk2" tx2="lt2" accent1="accent1" accent2="accent2" accent3="accent3" accent4="accent4" accent5="accent5" accent6="accent6" hlink="hlink" folHlink="folHlink"/>
   </p:clrMapOvr>
 </p:sldLayout>
 </file>
@@ -1891,6 +2162,11 @@
 <file path=ppt/slideLayouts/slideLayout6.xml><?xml version="1.0" encoding="utf-8"?>
 <p:sldLayout xmlns:a="http://schemas.openxmlformats.org/drawingml/2006/main" xmlns:r="http://schemas.openxmlformats.org/officeDocument/2006/relationships" xmlns:p="http://schemas.openxmlformats.org/presentationml/2006/main" type="titleOnly" preserve="1">
   <p:cSld name="Title Only">
+    <p:bg>
+      <p:bgRef idx="1002">
+        <a:schemeClr val="bg1"/>
+      </p:bgRef>
+    </p:bg>
     <p:spTree>
       <p:nvGrpSpPr>
         <p:cNvPr id="1" name=""/>
@@ -1910,7 +2186,7 @@
           <p:cNvPr id="2" name="Title 1">
             <a:extLst>
               <a:ext uri="{FF2B5EF4-FFF2-40B4-BE49-F238E27FC236}">
-                <a16:creationId xmlns:a16="http://schemas.microsoft.com/office/drawing/2014/main" id="{94E5DA6D-0528-4852-BBCA-8B2D74922809}"/>
+                <a16:creationId xmlns:a16="http://schemas.microsoft.com/office/drawing/2014/main" id="{532639E4-AE71-4916-904A-FB3728858C96}"/>
               </a:ext>
             </a:extLst>
           </p:cNvPr>
@@ -1938,7 +2214,7 @@
           <p:cNvPr id="3" name="Date Placeholder 2">
             <a:extLst>
               <a:ext uri="{FF2B5EF4-FFF2-40B4-BE49-F238E27FC236}">
-                <a16:creationId xmlns:a16="http://schemas.microsoft.com/office/drawing/2014/main" id="{2C66B223-EFAE-48EF-9AB8-CE7A69F766FD}"/>
+                <a16:creationId xmlns:a16="http://schemas.microsoft.com/office/drawing/2014/main" id="{AB0D1F72-96E9-4BBD-8AB0-14F254ED873C}"/>
               </a:ext>
             </a:extLst>
           </p:cNvPr>
@@ -1967,7 +2243,7 @@
           <p:cNvPr id="4" name="Footer Placeholder 3">
             <a:extLst>
               <a:ext uri="{FF2B5EF4-FFF2-40B4-BE49-F238E27FC236}">
-                <a16:creationId xmlns:a16="http://schemas.microsoft.com/office/drawing/2014/main" id="{F45907FB-E742-42DD-BCBB-F8FD73B3FE0A}"/>
+                <a16:creationId xmlns:a16="http://schemas.microsoft.com/office/drawing/2014/main" id="{5CC107E1-182A-4F26-A9C0-9124D45FABC5}"/>
               </a:ext>
             </a:extLst>
           </p:cNvPr>
@@ -1992,7 +2268,7 @@
           <p:cNvPr id="5" name="Slide Number Placeholder 4">
             <a:extLst>
               <a:ext uri="{FF2B5EF4-FFF2-40B4-BE49-F238E27FC236}">
-                <a16:creationId xmlns:a16="http://schemas.microsoft.com/office/drawing/2014/main" id="{25F72669-70FC-4325-ABD2-C698C1F060D7}"/>
+                <a16:creationId xmlns:a16="http://schemas.microsoft.com/office/drawing/2014/main" id="{26D9640C-74D4-4B40-8711-33A5E6D46C5F}"/>
               </a:ext>
             </a:extLst>
           </p:cNvPr>
@@ -2019,12 +2295,12 @@
     </p:spTree>
     <p:extLst>
       <p:ext uri="{BB962C8B-B14F-4D97-AF65-F5344CB8AC3E}">
-        <p14:creationId xmlns:p14="http://schemas.microsoft.com/office/powerpoint/2010/main" val="2179225156"/>
+        <p14:creationId xmlns:p14="http://schemas.microsoft.com/office/powerpoint/2010/main" val="2666477834"/>
       </p:ext>
     </p:extLst>
   </p:cSld>
   <p:clrMapOvr>
-    <a:masterClrMapping/>
+    <a:overrideClrMapping bg1="dk1" tx1="lt1" bg2="dk2" tx2="lt2" accent1="accent1" accent2="accent2" accent3="accent3" accent4="accent4" accent5="accent5" accent6="accent6" hlink="hlink" folHlink="folHlink"/>
   </p:clrMapOvr>
 </p:sldLayout>
 </file>
@@ -2032,6 +2308,11 @@
 <file path=ppt/slideLayouts/slideLayout7.xml><?xml version="1.0" encoding="utf-8"?>
 <p:sldLayout xmlns:a="http://schemas.openxmlformats.org/drawingml/2006/main" xmlns:r="http://schemas.openxmlformats.org/officeDocument/2006/relationships" xmlns:p="http://schemas.openxmlformats.org/presentationml/2006/main" type="blank" preserve="1">
   <p:cSld name="Blank">
+    <p:bg>
+      <p:bgRef idx="1002">
+        <a:schemeClr val="bg1"/>
+      </p:bgRef>
+    </p:bg>
     <p:spTree>
       <p:nvGrpSpPr>
         <p:cNvPr id="1" name=""/>
@@ -2051,7 +2332,7 @@
           <p:cNvPr id="2" name="Date Placeholder 1">
             <a:extLst>
               <a:ext uri="{FF2B5EF4-FFF2-40B4-BE49-F238E27FC236}">
-                <a16:creationId xmlns:a16="http://schemas.microsoft.com/office/drawing/2014/main" id="{236E28F1-C6E5-408C-ACC6-0A22748B16EB}"/>
+                <a16:creationId xmlns:a16="http://schemas.microsoft.com/office/drawing/2014/main" id="{D2E9219C-2D52-4560-9F46-4DC2DA879424}"/>
               </a:ext>
             </a:extLst>
           </p:cNvPr>
@@ -2080,7 +2361,7 @@
           <p:cNvPr id="3" name="Footer Placeholder 2">
             <a:extLst>
               <a:ext uri="{FF2B5EF4-FFF2-40B4-BE49-F238E27FC236}">
-                <a16:creationId xmlns:a16="http://schemas.microsoft.com/office/drawing/2014/main" id="{6EA32BAF-A765-496D-A6D7-8701A10FC72B}"/>
+                <a16:creationId xmlns:a16="http://schemas.microsoft.com/office/drawing/2014/main" id="{0370B8B4-8158-437E-B95D-B05485386E35}"/>
               </a:ext>
             </a:extLst>
           </p:cNvPr>
@@ -2105,7 +2386,7 @@
           <p:cNvPr id="4" name="Slide Number Placeholder 3">
             <a:extLst>
               <a:ext uri="{FF2B5EF4-FFF2-40B4-BE49-F238E27FC236}">
-                <a16:creationId xmlns:a16="http://schemas.microsoft.com/office/drawing/2014/main" id="{3FB88DE4-1A29-4CED-BF20-C6922D6874E3}"/>
+                <a16:creationId xmlns:a16="http://schemas.microsoft.com/office/drawing/2014/main" id="{B4BEC062-2017-40C1-83E7-47B59530814F}"/>
               </a:ext>
             </a:extLst>
           </p:cNvPr>
@@ -2132,12 +2413,12 @@
     </p:spTree>
     <p:extLst>
       <p:ext uri="{BB962C8B-B14F-4D97-AF65-F5344CB8AC3E}">
-        <p14:creationId xmlns:p14="http://schemas.microsoft.com/office/powerpoint/2010/main" val="1343276121"/>
+        <p14:creationId xmlns:p14="http://schemas.microsoft.com/office/powerpoint/2010/main" val="2994412805"/>
       </p:ext>
     </p:extLst>
   </p:cSld>
   <p:clrMapOvr>
-    <a:masterClrMapping/>
+    <a:overrideClrMapping bg1="dk1" tx1="lt1" bg2="dk2" tx2="lt2" accent1="accent1" accent2="accent2" accent3="accent3" accent4="accent4" accent5="accent5" accent6="accent6" hlink="hlink" folHlink="folHlink"/>
   </p:clrMapOvr>
 </p:sldLayout>
 </file>
@@ -2145,6 +2426,11 @@
 <file path=ppt/slideLayouts/slideLayout8.xml><?xml version="1.0" encoding="utf-8"?>
 <p:sldLayout xmlns:a="http://schemas.openxmlformats.org/drawingml/2006/main" xmlns:r="http://schemas.openxmlformats.org/officeDocument/2006/relationships" xmlns:p="http://schemas.openxmlformats.org/presentationml/2006/main" type="objTx" preserve="1">
   <p:cSld name="Content with Caption">
+    <p:bg>
+      <p:bgRef idx="1002">
+        <a:schemeClr val="bg1"/>
+      </p:bgRef>
+    </p:bg>
     <p:spTree>
       <p:nvGrpSpPr>
         <p:cNvPr id="1" name=""/>
@@ -2164,7 +2450,7 @@
           <p:cNvPr id="2" name="Title 1">
             <a:extLst>
               <a:ext uri="{FF2B5EF4-FFF2-40B4-BE49-F238E27FC236}">
-                <a16:creationId xmlns:a16="http://schemas.microsoft.com/office/drawing/2014/main" id="{D36F0027-894E-4508-8E7F-246BCBDE3650}"/>
+                <a16:creationId xmlns:a16="http://schemas.microsoft.com/office/drawing/2014/main" id="{CA1FB0F6-560C-4998-98C8-233BC1357C5C}"/>
               </a:ext>
             </a:extLst>
           </p:cNvPr>
@@ -2201,7 +2487,7 @@
           <p:cNvPr id="3" name="Content Placeholder 2">
             <a:extLst>
               <a:ext uri="{FF2B5EF4-FFF2-40B4-BE49-F238E27FC236}">
-                <a16:creationId xmlns:a16="http://schemas.microsoft.com/office/drawing/2014/main" id="{397BB0F6-B659-47D5-AAD7-F257E9F60992}"/>
+                <a16:creationId xmlns:a16="http://schemas.microsoft.com/office/drawing/2014/main" id="{33D08986-8DB9-4BBD-8602-BB902A7F54FA}"/>
               </a:ext>
             </a:extLst>
           </p:cNvPr>
@@ -2291,7 +2577,7 @@
           <p:cNvPr id="4" name="Text Placeholder 3">
             <a:extLst>
               <a:ext uri="{FF2B5EF4-FFF2-40B4-BE49-F238E27FC236}">
-                <a16:creationId xmlns:a16="http://schemas.microsoft.com/office/drawing/2014/main" id="{DCE101B0-F8F0-4D01-9860-F2178EC1FD88}"/>
+                <a16:creationId xmlns:a16="http://schemas.microsoft.com/office/drawing/2014/main" id="{376BCB69-53C0-4E47-8E2F-D68B52DCF523}"/>
               </a:ext>
             </a:extLst>
           </p:cNvPr>
@@ -2362,7 +2648,7 @@
           <p:cNvPr id="5" name="Date Placeholder 4">
             <a:extLst>
               <a:ext uri="{FF2B5EF4-FFF2-40B4-BE49-F238E27FC236}">
-                <a16:creationId xmlns:a16="http://schemas.microsoft.com/office/drawing/2014/main" id="{CFAC2161-E918-4D12-B55E-DB9281C86A5F}"/>
+                <a16:creationId xmlns:a16="http://schemas.microsoft.com/office/drawing/2014/main" id="{BE32F1CD-0A06-4E46-A447-6B3B433A7877}"/>
               </a:ext>
             </a:extLst>
           </p:cNvPr>
@@ -2391,7 +2677,7 @@
           <p:cNvPr id="6" name="Footer Placeholder 5">
             <a:extLst>
               <a:ext uri="{FF2B5EF4-FFF2-40B4-BE49-F238E27FC236}">
-                <a16:creationId xmlns:a16="http://schemas.microsoft.com/office/drawing/2014/main" id="{E3547CF1-41E2-4055-9ECE-8B3EB2A57514}"/>
+                <a16:creationId xmlns:a16="http://schemas.microsoft.com/office/drawing/2014/main" id="{8E51684F-A1F9-4ABE-9DA6-FE9D99AC0C9D}"/>
               </a:ext>
             </a:extLst>
           </p:cNvPr>
@@ -2416,7 +2702,7 @@
           <p:cNvPr id="7" name="Slide Number Placeholder 6">
             <a:extLst>
               <a:ext uri="{FF2B5EF4-FFF2-40B4-BE49-F238E27FC236}">
-                <a16:creationId xmlns:a16="http://schemas.microsoft.com/office/drawing/2014/main" id="{37B366F4-CDF8-4FD8-B94F-1727DE8DDA5F}"/>
+                <a16:creationId xmlns:a16="http://schemas.microsoft.com/office/drawing/2014/main" id="{57E4A1DF-8001-4F94-958A-62E631FE76C8}"/>
               </a:ext>
             </a:extLst>
           </p:cNvPr>
@@ -2443,12 +2729,12 @@
     </p:spTree>
     <p:extLst>
       <p:ext uri="{BB962C8B-B14F-4D97-AF65-F5344CB8AC3E}">
-        <p14:creationId xmlns:p14="http://schemas.microsoft.com/office/powerpoint/2010/main" val="672657044"/>
+        <p14:creationId xmlns:p14="http://schemas.microsoft.com/office/powerpoint/2010/main" val="3667446659"/>
       </p:ext>
     </p:extLst>
   </p:cSld>
   <p:clrMapOvr>
-    <a:masterClrMapping/>
+    <a:overrideClrMapping bg1="dk1" tx1="lt1" bg2="dk2" tx2="lt2" accent1="accent1" accent2="accent2" accent3="accent3" accent4="accent4" accent5="accent5" accent6="accent6" hlink="hlink" folHlink="folHlink"/>
   </p:clrMapOvr>
 </p:sldLayout>
 </file>
@@ -2456,6 +2742,11 @@
 <file path=ppt/slideLayouts/slideLayout9.xml><?xml version="1.0" encoding="utf-8"?>
 <p:sldLayout xmlns:a="http://schemas.openxmlformats.org/drawingml/2006/main" xmlns:r="http://schemas.openxmlformats.org/officeDocument/2006/relationships" xmlns:p="http://schemas.openxmlformats.org/presentationml/2006/main" type="picTx" preserve="1">
   <p:cSld name="Picture with Caption">
+    <p:bg>
+      <p:bgRef idx="1002">
+        <a:schemeClr val="bg1"/>
+      </p:bgRef>
+    </p:bg>
     <p:spTree>
       <p:nvGrpSpPr>
         <p:cNvPr id="1" name=""/>
@@ -2475,7 +2766,7 @@
           <p:cNvPr id="2" name="Title 1">
             <a:extLst>
               <a:ext uri="{FF2B5EF4-FFF2-40B4-BE49-F238E27FC236}">
-                <a16:creationId xmlns:a16="http://schemas.microsoft.com/office/drawing/2014/main" id="{2595D494-4CB6-44AB-B683-7E1CE32AE342}"/>
+                <a16:creationId xmlns:a16="http://schemas.microsoft.com/office/drawing/2014/main" id="{8C36FFA4-6E8E-4622-B92A-620F78BEAFBC}"/>
               </a:ext>
             </a:extLst>
           </p:cNvPr>
@@ -2512,7 +2803,7 @@
           <p:cNvPr id="3" name="Picture Placeholder 2">
             <a:extLst>
               <a:ext uri="{FF2B5EF4-FFF2-40B4-BE49-F238E27FC236}">
-                <a16:creationId xmlns:a16="http://schemas.microsoft.com/office/drawing/2014/main" id="{93A353F2-4C91-4685-A9ED-3795049BF4B8}"/>
+                <a16:creationId xmlns:a16="http://schemas.microsoft.com/office/drawing/2014/main" id="{078D14E0-8B12-4A08-A3F5-B61A861E4D4C}"/>
               </a:ext>
             </a:extLst>
           </p:cNvPr>
@@ -2579,7 +2870,7 @@
           <p:cNvPr id="4" name="Text Placeholder 3">
             <a:extLst>
               <a:ext uri="{FF2B5EF4-FFF2-40B4-BE49-F238E27FC236}">
-                <a16:creationId xmlns:a16="http://schemas.microsoft.com/office/drawing/2014/main" id="{29E7077F-ACE4-49DB-A58D-FC2738CFD7FD}"/>
+                <a16:creationId xmlns:a16="http://schemas.microsoft.com/office/drawing/2014/main" id="{324A4853-564E-4413-B24F-654C275A33A6}"/>
               </a:ext>
             </a:extLst>
           </p:cNvPr>
@@ -2650,7 +2941,7 @@
           <p:cNvPr id="5" name="Date Placeholder 4">
             <a:extLst>
               <a:ext uri="{FF2B5EF4-FFF2-40B4-BE49-F238E27FC236}">
-                <a16:creationId xmlns:a16="http://schemas.microsoft.com/office/drawing/2014/main" id="{90699FA5-10AC-44AA-A95C-EA7019F5EB5D}"/>
+                <a16:creationId xmlns:a16="http://schemas.microsoft.com/office/drawing/2014/main" id="{9FD7D985-7025-401B-8BFA-D43839F73A36}"/>
               </a:ext>
             </a:extLst>
           </p:cNvPr>
@@ -2679,7 +2970,7 @@
           <p:cNvPr id="6" name="Footer Placeholder 5">
             <a:extLst>
               <a:ext uri="{FF2B5EF4-FFF2-40B4-BE49-F238E27FC236}">
-                <a16:creationId xmlns:a16="http://schemas.microsoft.com/office/drawing/2014/main" id="{AFC509AD-939E-4020-9707-13D6896B08B0}"/>
+                <a16:creationId xmlns:a16="http://schemas.microsoft.com/office/drawing/2014/main" id="{B330C0CE-C35B-4328-9464-69558647ECC7}"/>
               </a:ext>
             </a:extLst>
           </p:cNvPr>
@@ -2704,7 +2995,7 @@
           <p:cNvPr id="7" name="Slide Number Placeholder 6">
             <a:extLst>
               <a:ext uri="{FF2B5EF4-FFF2-40B4-BE49-F238E27FC236}">
-                <a16:creationId xmlns:a16="http://schemas.microsoft.com/office/drawing/2014/main" id="{5643D280-9992-4844-8CF9-E234867B5458}"/>
+                <a16:creationId xmlns:a16="http://schemas.microsoft.com/office/drawing/2014/main" id="{5BDE83EA-7640-4D19-B325-351935D700F8}"/>
               </a:ext>
             </a:extLst>
           </p:cNvPr>
@@ -2731,12 +3022,12 @@
     </p:spTree>
     <p:extLst>
       <p:ext uri="{BB962C8B-B14F-4D97-AF65-F5344CB8AC3E}">
-        <p14:creationId xmlns:p14="http://schemas.microsoft.com/office/powerpoint/2010/main" val="2452252414"/>
+        <p14:creationId xmlns:p14="http://schemas.microsoft.com/office/powerpoint/2010/main" val="2876732241"/>
       </p:ext>
     </p:extLst>
   </p:cSld>
   <p:clrMapOvr>
-    <a:masterClrMapping/>
+    <a:overrideClrMapping bg1="dk1" tx1="lt1" bg2="dk2" tx2="lt2" accent1="accent1" accent2="accent2" accent3="accent3" accent4="accent4" accent5="accent5" accent6="accent6" hlink="hlink" folHlink="folHlink"/>
   </p:clrMapOvr>
 </p:sldLayout>
 </file>
@@ -2768,7 +3059,7 @@
           <p:cNvPr id="2" name="Title Placeholder 1">
             <a:extLst>
               <a:ext uri="{FF2B5EF4-FFF2-40B4-BE49-F238E27FC236}">
-                <a16:creationId xmlns:a16="http://schemas.microsoft.com/office/drawing/2014/main" id="{7DA06D89-86DD-4FFC-AB6C-5F040BB5A08A}"/>
+                <a16:creationId xmlns:a16="http://schemas.microsoft.com/office/drawing/2014/main" id="{4685F03C-A05D-40AB-B129-8BB5D7B8C5E8}"/>
               </a:ext>
             </a:extLst>
           </p:cNvPr>
@@ -2806,7 +3097,7 @@
           <p:cNvPr id="3" name="Text Placeholder 2">
             <a:extLst>
               <a:ext uri="{FF2B5EF4-FFF2-40B4-BE49-F238E27FC236}">
-                <a16:creationId xmlns:a16="http://schemas.microsoft.com/office/drawing/2014/main" id="{CDBEB2CC-9FAB-4A3B-9F38-D27AA47DE839}"/>
+                <a16:creationId xmlns:a16="http://schemas.microsoft.com/office/drawing/2014/main" id="{1D1A5C1A-000C-455D-983E-E302CBE009CE}"/>
               </a:ext>
             </a:extLst>
           </p:cNvPr>
@@ -2873,7 +3164,7 @@
           <p:cNvPr id="4" name="Date Placeholder 3">
             <a:extLst>
               <a:ext uri="{FF2B5EF4-FFF2-40B4-BE49-F238E27FC236}">
-                <a16:creationId xmlns:a16="http://schemas.microsoft.com/office/drawing/2014/main" id="{B59E5957-6A25-4C5F-B030-76EEC39FA289}"/>
+                <a16:creationId xmlns:a16="http://schemas.microsoft.com/office/drawing/2014/main" id="{54EB554A-CD71-492C-9A7C-BAAB230C78B3}"/>
               </a:ext>
             </a:extLst>
           </p:cNvPr>
@@ -2920,7 +3211,7 @@
           <p:cNvPr id="5" name="Footer Placeholder 4">
             <a:extLst>
               <a:ext uri="{FF2B5EF4-FFF2-40B4-BE49-F238E27FC236}">
-                <a16:creationId xmlns:a16="http://schemas.microsoft.com/office/drawing/2014/main" id="{39AC24E0-2EB6-4707-ABED-83C5452D5953}"/>
+                <a16:creationId xmlns:a16="http://schemas.microsoft.com/office/drawing/2014/main" id="{16086EE8-E6EE-4B79-8B38-7E5729A601AB}"/>
               </a:ext>
             </a:extLst>
           </p:cNvPr>
@@ -2963,7 +3254,7 @@
           <p:cNvPr id="6" name="Slide Number Placeholder 5">
             <a:extLst>
               <a:ext uri="{FF2B5EF4-FFF2-40B4-BE49-F238E27FC236}">
-                <a16:creationId xmlns:a16="http://schemas.microsoft.com/office/drawing/2014/main" id="{9E5DBEE9-CF2E-404E-8A00-5572E2E6AA0B}"/>
+                <a16:creationId xmlns:a16="http://schemas.microsoft.com/office/drawing/2014/main" id="{7D320AE0-D2BB-447B-AD90-AC2CCAF700D6}"/>
               </a:ext>
             </a:extLst>
           </p:cNvPr>
@@ -3008,23 +3299,23 @@
     </p:spTree>
     <p:extLst>
       <p:ext uri="{BB962C8B-B14F-4D97-AF65-F5344CB8AC3E}">
-        <p14:creationId xmlns:p14="http://schemas.microsoft.com/office/powerpoint/2010/main" val="446653742"/>
+        <p14:creationId xmlns:p14="http://schemas.microsoft.com/office/powerpoint/2010/main" val="1573332850"/>
       </p:ext>
     </p:extLst>
   </p:cSld>
   <p:clrMap bg1="lt1" tx1="dk1" bg2="lt2" tx2="dk2" accent1="accent1" accent2="accent2" accent3="accent3" accent4="accent4" accent5="accent5" accent6="accent6" hlink="hlink" folHlink="folHlink"/>
   <p:sldLayoutIdLst>
-    <p:sldLayoutId id="2147483649" r:id="rId1"/>
-    <p:sldLayoutId id="2147483650" r:id="rId2"/>
-    <p:sldLayoutId id="2147483651" r:id="rId3"/>
-    <p:sldLayoutId id="2147483652" r:id="rId4"/>
-    <p:sldLayoutId id="2147483653" r:id="rId5"/>
-    <p:sldLayoutId id="2147483654" r:id="rId6"/>
-    <p:sldLayoutId id="2147483655" r:id="rId7"/>
-    <p:sldLayoutId id="2147483656" r:id="rId8"/>
-    <p:sldLayoutId id="2147483657" r:id="rId9"/>
-    <p:sldLayoutId id="2147483658" r:id="rId10"/>
-    <p:sldLayoutId id="2147483659" r:id="rId11"/>
+    <p:sldLayoutId id="2147483673" r:id="rId1"/>
+    <p:sldLayoutId id="2147483674" r:id="rId2"/>
+    <p:sldLayoutId id="2147483675" r:id="rId3"/>
+    <p:sldLayoutId id="2147483676" r:id="rId4"/>
+    <p:sldLayoutId id="2147483677" r:id="rId5"/>
+    <p:sldLayoutId id="2147483678" r:id="rId6"/>
+    <p:sldLayoutId id="2147483679" r:id="rId7"/>
+    <p:sldLayoutId id="2147483680" r:id="rId8"/>
+    <p:sldLayoutId id="2147483681" r:id="rId9"/>
+    <p:sldLayoutId id="2147483682" r:id="rId10"/>
+    <p:sldLayoutId id="2147483683" r:id="rId11"/>
   </p:sldLayoutIdLst>
   <p:txStyles>
     <p:titleStyle>
@@ -3306,6 +3597,11 @@
       </a:lvl9pPr>
     </p:otherStyle>
   </p:txStyles>
+  <p:extLst>
+    <p:ext uri="{27BBF7A9-308A-43DC-89C8-2F10F3537804}">
+      <p15:sldGuideLst xmlns:p15="http://schemas.microsoft.com/office/powerpoint/2012/main"/>
+    </p:ext>
+  </p:extLst>
 </p:sldMaster>
 </file>
 
@@ -3344,11 +3640,13 @@
         </p:nvSpPr>
         <p:spPr/>
         <p:txBody>
-          <a:bodyPr/>
+          <a:bodyPr>
+            <a:normAutofit/>
+          </a:bodyPr>
           <a:lstStyle/>
           <a:p>
             <a:r>
-              <a:rPr lang="en-US" dirty="0"/>
+              <a:rPr lang="en-US" sz="9600" dirty="0"/>
               <a:t>FUN.TS</a:t>
             </a:r>
           </a:p>
@@ -3372,11 +3670,13 @@
         </p:nvSpPr>
         <p:spPr/>
         <p:txBody>
-          <a:bodyPr/>
+          <a:bodyPr>
+            <a:normAutofit/>
+          </a:bodyPr>
           <a:lstStyle/>
           <a:p>
             <a:r>
-              <a:rPr lang="en-US" dirty="0"/>
+              <a:rPr lang="en-US" sz="4400" dirty="0"/>
               <a:t>A purely functional subset of JavaScript</a:t>
             </a:r>
           </a:p>
@@ -3386,6 +3686,215 @@
     <p:extLst>
       <p:ext uri="{BB962C8B-B14F-4D97-AF65-F5344CB8AC3E}">
         <p14:creationId xmlns:p14="http://schemas.microsoft.com/office/powerpoint/2010/main" val="2049723090"/>
+      </p:ext>
+    </p:extLst>
+  </p:cSld>
+  <p:clrMapOvr>
+    <a:masterClrMapping/>
+  </p:clrMapOvr>
+</p:sld>
+</file>
+
+<file path=ppt/slides/slide10.xml><?xml version="1.0" encoding="utf-8"?>
+<p:sld xmlns:a="http://schemas.openxmlformats.org/drawingml/2006/main" xmlns:r="http://schemas.openxmlformats.org/officeDocument/2006/relationships" xmlns:p="http://schemas.openxmlformats.org/presentationml/2006/main">
+  <p:cSld>
+    <p:spTree>
+      <p:nvGrpSpPr>
+        <p:cNvPr id="1" name=""/>
+        <p:cNvGrpSpPr/>
+        <p:nvPr/>
+      </p:nvGrpSpPr>
+      <p:grpSpPr>
+        <a:xfrm>
+          <a:off x="0" y="0"/>
+          <a:ext cx="0" cy="0"/>
+          <a:chOff x="0" y="0"/>
+          <a:chExt cx="0" cy="0"/>
+        </a:xfrm>
+      </p:grpSpPr>
+      <p:sp>
+        <p:nvSpPr>
+          <p:cNvPr id="2" name="Title 1">
+            <a:extLst>
+              <a:ext uri="{FF2B5EF4-FFF2-40B4-BE49-F238E27FC236}">
+                <a16:creationId xmlns:a16="http://schemas.microsoft.com/office/drawing/2014/main" id="{BCC0E57C-D6FF-41A1-9DD5-2CA18949158C}"/>
+              </a:ext>
+            </a:extLst>
+          </p:cNvPr>
+          <p:cNvSpPr>
+            <a:spLocks noGrp="1"/>
+          </p:cNvSpPr>
+          <p:nvPr>
+            <p:ph type="title"/>
+          </p:nvPr>
+        </p:nvSpPr>
+        <p:spPr/>
+        <p:txBody>
+          <a:bodyPr/>
+          <a:lstStyle/>
+          <a:p>
+            <a:r>
+              <a:rPr lang="en-US" dirty="0"/>
+              <a:t>Project info and resources</a:t>
+            </a:r>
+          </a:p>
+        </p:txBody>
+      </p:sp>
+      <p:sp>
+        <p:nvSpPr>
+          <p:cNvPr id="3" name="Content Placeholder 2">
+            <a:extLst>
+              <a:ext uri="{FF2B5EF4-FFF2-40B4-BE49-F238E27FC236}">
+                <a16:creationId xmlns:a16="http://schemas.microsoft.com/office/drawing/2014/main" id="{03A59A6D-B24C-47F4-ACC9-6053DF9FF529}"/>
+              </a:ext>
+            </a:extLst>
+          </p:cNvPr>
+          <p:cNvSpPr>
+            <a:spLocks noGrp="1"/>
+          </p:cNvSpPr>
+          <p:nvPr>
+            <p:ph idx="1"/>
+          </p:nvPr>
+        </p:nvSpPr>
+        <p:spPr/>
+        <p:txBody>
+          <a:bodyPr/>
+          <a:lstStyle/>
+          <a:p>
+            <a:r>
+              <a:rPr lang="en-US" sz="3600" dirty="0"/>
+              <a:t>Hackathon project</a:t>
+            </a:r>
+            <a:endParaRPr lang="en-US" dirty="0"/>
+          </a:p>
+          <a:p>
+            <a:pPr lvl="1"/>
+            <a:r>
+              <a:rPr lang="en-US" dirty="0">
+                <a:solidFill>
+                  <a:schemeClr val="accent5">
+                    <a:lumMod val="60000"/>
+                    <a:lumOff val="40000"/>
+                  </a:schemeClr>
+                </a:solidFill>
+                <a:hlinkClick r:id="rId2">
+                  <a:extLst>
+                    <a:ext uri="{A12FA001-AC4F-418D-AE19-62706E023703}">
+                      <ahyp:hlinkClr xmlns:ahyp="http://schemas.microsoft.com/office/drawing/2018/hyperlinkcolor" val="tx"/>
+                    </a:ext>
+                  </a:extLst>
+                </a:hlinkClick>
+              </a:rPr>
+              <a:t>https://garagehackbox.azurewebsites.net/hackathons/1857/projects/79318</a:t>
+            </a:r>
+            <a:endParaRPr lang="en-US" dirty="0">
+              <a:solidFill>
+                <a:schemeClr val="accent5">
+                  <a:lumMod val="60000"/>
+                  <a:lumOff val="40000"/>
+                </a:schemeClr>
+              </a:solidFill>
+            </a:endParaRPr>
+          </a:p>
+          <a:p>
+            <a:endParaRPr lang="en-US" dirty="0"/>
+          </a:p>
+          <a:p>
+            <a:r>
+              <a:rPr lang="en-US" sz="3600" dirty="0" err="1"/>
+              <a:t>Github</a:t>
+            </a:r>
+            <a:r>
+              <a:rPr lang="en-US" sz="3600" dirty="0"/>
+              <a:t> repo</a:t>
+            </a:r>
+            <a:endParaRPr lang="en-US" dirty="0"/>
+          </a:p>
+          <a:p>
+            <a:pPr lvl="1"/>
+            <a:r>
+              <a:rPr lang="en-US" dirty="0">
+                <a:solidFill>
+                  <a:schemeClr val="accent5">
+                    <a:lumMod val="60000"/>
+                    <a:lumOff val="40000"/>
+                  </a:schemeClr>
+                </a:solidFill>
+                <a:hlinkClick r:id="rId3">
+                  <a:extLst>
+                    <a:ext uri="{A12FA001-AC4F-418D-AE19-62706E023703}">
+                      <ahyp:hlinkClr xmlns:ahyp="http://schemas.microsoft.com/office/drawing/2018/hyperlinkcolor" val="tx"/>
+                    </a:ext>
+                  </a:extLst>
+                </a:hlinkClick>
+              </a:rPr>
+              <a:t>https://github.com/ts-common/fun.ts</a:t>
+            </a:r>
+            <a:endParaRPr lang="en-US" dirty="0">
+              <a:solidFill>
+                <a:schemeClr val="accent5">
+                  <a:lumMod val="60000"/>
+                  <a:lumOff val="40000"/>
+                </a:schemeClr>
+              </a:solidFill>
+            </a:endParaRPr>
+          </a:p>
+          <a:p>
+            <a:pPr lvl="1"/>
+            <a:endParaRPr lang="en-US" dirty="0">
+              <a:solidFill>
+                <a:schemeClr val="accent5">
+                  <a:lumMod val="60000"/>
+                  <a:lumOff val="40000"/>
+                </a:schemeClr>
+              </a:solidFill>
+            </a:endParaRPr>
+          </a:p>
+          <a:p>
+            <a:r>
+              <a:rPr lang="en-US" sz="3600" dirty="0"/>
+              <a:t>Working prototype</a:t>
+            </a:r>
+            <a:endParaRPr lang="en-US" dirty="0"/>
+          </a:p>
+          <a:p>
+            <a:pPr lvl="1"/>
+            <a:r>
+              <a:rPr lang="en-US" dirty="0">
+                <a:solidFill>
+                  <a:schemeClr val="accent5">
+                    <a:lumMod val="60000"/>
+                    <a:lumOff val="40000"/>
+                  </a:schemeClr>
+                </a:solidFill>
+                <a:hlinkClick r:id="rId4">
+                  <a:extLst>
+                    <a:ext uri="{A12FA001-AC4F-418D-AE19-62706E023703}">
+                      <ahyp:hlinkClr xmlns:ahyp="http://schemas.microsoft.com/office/drawing/2018/hyperlinkcolor" val="tx"/>
+                    </a:ext>
+                  </a:extLst>
+                </a:hlinkClick>
+              </a:rPr>
+              <a:t>https://www.npmjs.com/package/@ts-common/fun.ts</a:t>
+            </a:r>
+            <a:r>
+              <a:rPr lang="en-US" dirty="0">
+                <a:solidFill>
+                  <a:schemeClr val="accent5">
+                    <a:lumMod val="60000"/>
+                    <a:lumOff val="40000"/>
+                  </a:schemeClr>
+                </a:solidFill>
+              </a:rPr>
+              <a:t> </a:t>
+            </a:r>
+          </a:p>
+        </p:txBody>
+      </p:sp>
+    </p:spTree>
+    <p:extLst>
+      <p:ext uri="{BB962C8B-B14F-4D97-AF65-F5344CB8AC3E}">
+        <p14:creationId xmlns:p14="http://schemas.microsoft.com/office/powerpoint/2010/main" val="2090588354"/>
       </p:ext>
     </p:extLst>
   </p:cSld>
@@ -3458,46 +3967,62 @@
         </p:nvSpPr>
         <p:spPr/>
         <p:txBody>
-          <a:bodyPr/>
+          <a:bodyPr>
+            <a:normAutofit/>
+          </a:bodyPr>
           <a:lstStyle/>
           <a:p>
             <a:pPr fontAlgn="t"/>
             <a:r>
-              <a:rPr lang="en-US" dirty="0"/>
-              <a:t>JavaScript is assembly language for the Web: it can be used almost on any platform</a:t>
+              <a:rPr lang="en-US" sz="3200" dirty="0"/>
+              <a:t>JavaScript is the assembly of the Web</a:t>
+            </a:r>
+          </a:p>
+          <a:p>
+            <a:pPr lvl="1" fontAlgn="t"/>
+            <a:r>
+              <a:rPr lang="en-US" sz="2800" dirty="0"/>
+              <a:t>it can be used almost on any platform</a:t>
             </a:r>
           </a:p>
           <a:p>
             <a:pPr fontAlgn="t"/>
-            <a:r>
-              <a:rPr lang="en-US" dirty="0"/>
-              <a:t>One of the big problems of this language is its imperative nature.</a:t>
-            </a:r>
+            <a:endParaRPr lang="en-US" sz="3200" dirty="0"/>
           </a:p>
           <a:p>
             <a:pPr fontAlgn="t"/>
             <a:r>
-              <a:rPr lang="en-US" dirty="0"/>
-              <a:t>Imperative features, like side-effects and mutable objects </a:t>
-            </a:r>
-            <a:r>
-              <a:rPr lang="en-US" b="1" dirty="0"/>
+              <a:rPr lang="en-US" sz="3200" dirty="0"/>
+              <a:t>One of the big problems of this language is its imperative nature</a:t>
+            </a:r>
+          </a:p>
+          <a:p>
+            <a:pPr lvl="1" fontAlgn="t"/>
+            <a:r>
+              <a:rPr lang="en-US" sz="2800" dirty="0"/>
+              <a:t>Features like side-effects and mutable objects </a:t>
+            </a:r>
+            <a:r>
+              <a:rPr lang="en-US" sz="2800" b="1" dirty="0">
+                <a:solidFill>
+                  <a:schemeClr val="accent2">
+                    <a:lumMod val="60000"/>
+                    <a:lumOff val="40000"/>
+                  </a:schemeClr>
+                </a:solidFill>
+              </a:rPr>
               <a:t>don't allow to safely use the language</a:t>
             </a:r>
             <a:r>
-              <a:rPr lang="en-US" dirty="0"/>
-              <a:t> in distributed systems and </a:t>
-            </a:r>
-            <a:r>
-              <a:rPr lang="en-US" b="1" dirty="0"/>
-              <a:t>limit possibilities for program optimization</a:t>
-            </a:r>
-          </a:p>
-          <a:p>
-            <a:pPr fontAlgn="t"/>
-            <a:r>
-              <a:rPr lang="en-US" dirty="0"/>
-              <a:t>The project is trying to solve this problem.</a:t>
+              <a:rPr lang="en-US" sz="2800" dirty="0"/>
+              <a:t> in distributed systems</a:t>
+            </a:r>
+          </a:p>
+          <a:p>
+            <a:pPr lvl="1" fontAlgn="t"/>
+            <a:r>
+              <a:rPr lang="en-US" sz="2800" dirty="0"/>
+              <a:t>It also limits possibilities for program optimization</a:t>
             </a:r>
           </a:p>
         </p:txBody>
@@ -3578,24 +4103,41 @@
         </p:nvSpPr>
         <p:spPr/>
         <p:txBody>
-          <a:bodyPr/>
+          <a:bodyPr>
+            <a:normAutofit/>
+          </a:bodyPr>
           <a:lstStyle/>
           <a:p>
             <a:r>
-              <a:rPr lang="en-US" dirty="0"/>
+              <a:rPr lang="en-US" sz="3600" dirty="0"/>
               <a:t>There are a lot of pure functional languages that can be compiled to JavaScript</a:t>
             </a:r>
           </a:p>
           <a:p>
-            <a:r>
-              <a:rPr lang="en-US" dirty="0"/>
-              <a:t>Usually, the biggest problem with these libraries is interoperability.</a:t>
-            </a:r>
-          </a:p>
-          <a:p>
-            <a:r>
-              <a:rPr lang="en-US" dirty="0"/>
-              <a:t>For example, if you have a big project written on JavaScript, it's very challenging to rewrite parts of this project step-by-step using another language.</a:t>
+            <a:endParaRPr lang="en-US" sz="3600" dirty="0"/>
+          </a:p>
+          <a:p>
+            <a:r>
+              <a:rPr lang="en-US" sz="3600" dirty="0"/>
+              <a:t>Usually, the biggest problem with these libraries is </a:t>
+            </a:r>
+            <a:r>
+              <a:rPr lang="en-US" sz="3600" b="1" dirty="0">
+                <a:solidFill>
+                  <a:schemeClr val="accent2">
+                    <a:lumMod val="60000"/>
+                    <a:lumOff val="40000"/>
+                  </a:schemeClr>
+                </a:solidFill>
+              </a:rPr>
+              <a:t>interoperability</a:t>
+            </a:r>
+          </a:p>
+          <a:p>
+            <a:pPr lvl="1"/>
+            <a:r>
+              <a:rPr lang="en-US" sz="3200" dirty="0"/>
+              <a:t>If you have a big project written on JavaScript, it's very challenging to rewrite parts using another language</a:t>
             </a:r>
           </a:p>
         </p:txBody>
@@ -3676,46 +4218,101 @@
         </p:nvSpPr>
         <p:spPr/>
         <p:txBody>
-          <a:bodyPr/>
+          <a:bodyPr>
+            <a:normAutofit fontScale="92500" lnSpcReduction="10000"/>
+          </a:bodyPr>
           <a:lstStyle/>
           <a:p>
             <a:r>
-              <a:rPr lang="en-US" dirty="0"/>
-              <a:t>The idea is to create a purely functional subset of </a:t>
-            </a:r>
-            <a:r>
-              <a:rPr lang="en-US" dirty="0" err="1"/>
-              <a:t>JavaScripts</a:t>
-            </a:r>
-            <a:r>
-              <a:rPr lang="en-US" dirty="0"/>
-              <a:t>/TypeScript</a:t>
-            </a:r>
-          </a:p>
-          <a:p>
-            <a:r>
-              <a:rPr lang="en-US" dirty="0"/>
-              <a:t>The subset should be strongly typed and use structural typing</a:t>
-            </a:r>
-          </a:p>
-          <a:p>
-            <a:r>
-              <a:rPr lang="en-US" dirty="0"/>
-              <a:t>The project is </a:t>
-            </a:r>
-            <a:r>
-              <a:rPr lang="en-US" b="1" dirty="0"/>
-              <a:t>not another functional language that can be compiled into JavaScript</a:t>
-            </a:r>
-            <a:r>
-              <a:rPr lang="en-US" dirty="0"/>
-              <a:t>. The project tries to define a subset of JavaScript that can be formally verified</a:t>
-            </a:r>
-          </a:p>
-          <a:p>
-            <a:r>
-              <a:rPr lang="en-US" dirty="0"/>
-              <a:t>The subset can be used as a safe script or as a target platform for other programming languages</a:t>
+              <a:rPr lang="en-US" sz="3600" dirty="0"/>
+              <a:t>The idea: create a purely functional subset of JavaScript or TypeScript</a:t>
+            </a:r>
+          </a:p>
+          <a:p>
+            <a:pPr lvl="1"/>
+            <a:r>
+              <a:rPr lang="en-US" sz="3200" dirty="0"/>
+              <a:t>The subset should be </a:t>
+            </a:r>
+            <a:r>
+              <a:rPr lang="en-US" sz="3200" b="1" dirty="0">
+                <a:solidFill>
+                  <a:schemeClr val="accent2">
+                    <a:lumMod val="60000"/>
+                    <a:lumOff val="40000"/>
+                  </a:schemeClr>
+                </a:solidFill>
+              </a:rPr>
+              <a:t>strongly typed</a:t>
+            </a:r>
+            <a:r>
+              <a:rPr lang="en-US" sz="3200" dirty="0"/>
+              <a:t> and use structural typing</a:t>
+            </a:r>
+          </a:p>
+          <a:p>
+            <a:endParaRPr lang="en-US" sz="3600" dirty="0"/>
+          </a:p>
+          <a:p>
+            <a:r>
+              <a:rPr lang="en-US" sz="3600" dirty="0"/>
+              <a:t>Not another functional language that can be</a:t>
+            </a:r>
+            <a:r>
+              <a:rPr lang="en-US" sz="3600" b="1" dirty="0"/>
+              <a:t> </a:t>
+            </a:r>
+            <a:r>
+              <a:rPr lang="en-US" sz="3600" dirty="0"/>
+              <a:t>compiled into JavaScript, but define a </a:t>
+            </a:r>
+            <a:r>
+              <a:rPr lang="en-US" sz="3600" b="1" dirty="0">
+                <a:solidFill>
+                  <a:schemeClr val="accent2">
+                    <a:lumMod val="60000"/>
+                    <a:lumOff val="40000"/>
+                  </a:schemeClr>
+                </a:solidFill>
+              </a:rPr>
+              <a:t>subset of JavaScript that can be formally verified</a:t>
+            </a:r>
+          </a:p>
+          <a:p>
+            <a:pPr lvl="1"/>
+            <a:r>
+              <a:rPr lang="en-US" sz="3200" dirty="0"/>
+              <a:t>This subset can be used as a </a:t>
+            </a:r>
+            <a:r>
+              <a:rPr lang="en-US" sz="3200" b="1" dirty="0">
+                <a:solidFill>
+                  <a:schemeClr val="accent2">
+                    <a:lumMod val="60000"/>
+                    <a:lumOff val="40000"/>
+                  </a:schemeClr>
+                </a:solidFill>
+              </a:rPr>
+              <a:t>safe script</a:t>
+            </a:r>
+            <a:r>
+              <a:rPr lang="en-US" sz="3200" dirty="0"/>
+              <a:t> or as a </a:t>
+            </a:r>
+            <a:r>
+              <a:rPr lang="en-US" sz="3200" b="1" dirty="0">
+                <a:solidFill>
+                  <a:schemeClr val="accent2">
+                    <a:lumMod val="60000"/>
+                    <a:lumOff val="40000"/>
+                  </a:schemeClr>
+                </a:solidFill>
+              </a:rPr>
+              <a:t>target platform</a:t>
+            </a:r>
+            <a:r>
+              <a:rPr lang="en-US" sz="3200" dirty="0"/>
+              <a:t> for other programming languages</a:t>
             </a:r>
           </a:p>
         </p:txBody>
@@ -3796,49 +4393,130 @@
         </p:nvSpPr>
         <p:spPr/>
         <p:txBody>
-          <a:bodyPr/>
+          <a:bodyPr>
+            <a:normAutofit lnSpcReduction="10000"/>
+          </a:bodyPr>
           <a:lstStyle/>
           <a:p>
             <a:r>
-              <a:rPr lang="en-US" dirty="0"/>
-              <a:t>Markdown code that can be run in a browser</a:t>
-            </a:r>
-          </a:p>
-          <a:p>
-            <a:r>
-              <a:rPr lang="en-US" dirty="0"/>
-              <a:t>Query languages,</a:t>
-            </a:r>
-          </a:p>
-          <a:p>
-            <a:r>
-              <a:rPr lang="en-US" dirty="0"/>
-              <a:t>Distributed systems, like </a:t>
-            </a:r>
-            <a:r>
-              <a:rPr lang="en-US" dirty="0">
-                <a:hlinkClick r:id="rId2"/>
+              <a:rPr lang="en-US" sz="3200" b="1" dirty="0">
+                <a:solidFill>
+                  <a:schemeClr val="accent2">
+                    <a:lumMod val="60000"/>
+                    <a:lumOff val="40000"/>
+                  </a:schemeClr>
+                </a:solidFill>
+              </a:rPr>
+              <a:t>Azure functions, Kusto and </a:t>
+            </a:r>
+            <a:r>
+              <a:rPr lang="en-US" sz="3200" b="1" dirty="0" err="1">
+                <a:solidFill>
+                  <a:schemeClr val="accent2">
+                    <a:lumMod val="60000"/>
+                    <a:lumOff val="40000"/>
+                  </a:schemeClr>
+                </a:solidFill>
+              </a:rPr>
+              <a:t>CosmosDB</a:t>
+            </a:r>
+            <a:r>
+              <a:rPr lang="en-US" sz="3200" b="1" dirty="0">
+                <a:solidFill>
+                  <a:schemeClr val="accent2">
+                    <a:lumMod val="60000"/>
+                    <a:lumOff val="40000"/>
+                  </a:schemeClr>
+                </a:solidFill>
+              </a:rPr>
+              <a:t> queries</a:t>
+            </a:r>
+          </a:p>
+          <a:p>
+            <a:r>
+              <a:rPr lang="en-US" sz="3200" dirty="0"/>
+              <a:t>Distributed systems</a:t>
+            </a:r>
+          </a:p>
+          <a:p>
+            <a:pPr lvl="1"/>
+            <a:r>
+              <a:rPr lang="en-US" sz="2800" dirty="0"/>
+              <a:t>Hadoop, Spark</a:t>
+            </a:r>
+          </a:p>
+          <a:p>
+            <a:pPr lvl="1"/>
+            <a:r>
+              <a:rPr lang="en-US" sz="2800" dirty="0"/>
+              <a:t>like </a:t>
+            </a:r>
+            <a:r>
+              <a:rPr lang="en-US" sz="2800" dirty="0">
+                <a:solidFill>
+                  <a:schemeClr val="accent5">
+                    <a:lumMod val="60000"/>
+                    <a:lumOff val="40000"/>
+                  </a:schemeClr>
+                </a:solidFill>
+                <a:hlinkClick r:id="rId2">
+                  <a:extLst>
+                    <a:ext uri="{A12FA001-AC4F-418D-AE19-62706E023703}">
+                      <ahyp:hlinkClr xmlns:ahyp="http://schemas.microsoft.com/office/drawing/2018/hyperlinkcolor" val="tx"/>
+                    </a:ext>
+                  </a:extLst>
+                </a:hlinkClick>
               </a:rPr>
               <a:t>ALIQ</a:t>
             </a:r>
             <a:r>
-              <a:rPr lang="en-US" dirty="0"/>
+              <a:rPr lang="en-US" sz="2800" dirty="0"/>
               <a:t>, machine learning, AI</a:t>
             </a:r>
           </a:p>
           <a:p>
             <a:r>
-              <a:rPr lang="en-US" dirty="0" err="1"/>
+              <a:rPr lang="en-US" sz="3200" dirty="0"/>
+              <a:t>Code inside markdown files that can be safely run in a browser (a la </a:t>
+            </a:r>
+            <a:r>
+              <a:rPr lang="en-US" sz="3200" dirty="0" err="1"/>
+              <a:t>Jupyter</a:t>
+            </a:r>
+            <a:r>
+              <a:rPr lang="en-US" sz="3200" dirty="0"/>
+              <a:t>)</a:t>
+            </a:r>
+          </a:p>
+          <a:p>
+            <a:r>
+              <a:rPr lang="en-US" sz="3200" dirty="0" err="1"/>
               <a:t>Fun.ts</a:t>
             </a:r>
             <a:r>
-              <a:rPr lang="en-US" dirty="0"/>
-              <a:t> as a target platform for other functional languages.</a:t>
-            </a:r>
-          </a:p>
-          <a:p>
-            <a:r>
-              <a:rPr lang="en-US" dirty="0"/>
+              <a:rPr lang="en-US" sz="3200" dirty="0"/>
+              <a:t> as a </a:t>
+            </a:r>
+            <a:r>
+              <a:rPr lang="en-US" sz="3200" b="1" dirty="0">
+                <a:solidFill>
+                  <a:schemeClr val="accent2">
+                    <a:lumMod val="60000"/>
+                    <a:lumOff val="40000"/>
+                  </a:schemeClr>
+                </a:solidFill>
+              </a:rPr>
+              <a:t>target platform</a:t>
+            </a:r>
+            <a:r>
+              <a:rPr lang="en-US" sz="3200" dirty="0"/>
+              <a:t> for other functional languages</a:t>
+            </a:r>
+          </a:p>
+          <a:p>
+            <a:pPr lvl="1"/>
+            <a:r>
+              <a:rPr lang="en-US" sz="2800" dirty="0"/>
               <a:t>This subset can be recognized by browser and compiled into more optimal code (similar to asm.js)</a:t>
             </a:r>
           </a:p>
@@ -3882,7 +4560,7 @@
           <p:cNvPr id="2" name="Title 1">
             <a:extLst>
               <a:ext uri="{FF2B5EF4-FFF2-40B4-BE49-F238E27FC236}">
-                <a16:creationId xmlns:a16="http://schemas.microsoft.com/office/drawing/2014/main" id="{A435E35F-697C-4A60-B372-307172EABA82}"/>
+                <a16:creationId xmlns:a16="http://schemas.microsoft.com/office/drawing/2014/main" id="{CA28E837-C5CC-47A0-93F7-5FB4A837DABF}"/>
               </a:ext>
             </a:extLst>
           </p:cNvPr>
@@ -3900,6 +4578,3293 @@
           <a:p>
             <a:r>
               <a:rPr lang="en-US" dirty="0"/>
+              <a:t>Code examples</a:t>
+            </a:r>
+          </a:p>
+        </p:txBody>
+      </p:sp>
+      <p:sp>
+        <p:nvSpPr>
+          <p:cNvPr id="4" name="Text Placeholder 4">
+            <a:extLst>
+              <a:ext uri="{FF2B5EF4-FFF2-40B4-BE49-F238E27FC236}">
+                <a16:creationId xmlns:a16="http://schemas.microsoft.com/office/drawing/2014/main" id="{5F404FC2-9B53-4857-8CC7-C2D1C82B7377}"/>
+              </a:ext>
+            </a:extLst>
+          </p:cNvPr>
+          <p:cNvSpPr txBox="1">
+            <a:spLocks/>
+          </p:cNvSpPr>
+          <p:nvPr/>
+        </p:nvSpPr>
+        <p:spPr>
+          <a:xfrm>
+            <a:off x="839788" y="1681163"/>
+            <a:ext cx="5157787" cy="823912"/>
+          </a:xfrm>
+          <a:prstGeom prst="rect">
+            <a:avLst/>
+          </a:prstGeom>
+        </p:spPr>
+        <p:txBody>
+          <a:bodyPr vert="horz" lIns="91440" tIns="45720" rIns="91440" bIns="45720" rtlCol="0">
+            <a:normAutofit/>
+          </a:bodyPr>
+          <a:lstStyle>
+            <a:lvl1pPr marL="228600" indent="-228600" algn="l" defTabSz="914400" rtl="0" eaLnBrk="1" latinLnBrk="0" hangingPunct="1">
+              <a:lnSpc>
+                <a:spcPct val="90000"/>
+              </a:lnSpc>
+              <a:spcBef>
+                <a:spcPts val="1000"/>
+              </a:spcBef>
+              <a:buFont typeface="Arial" panose="020B0604020202020204" pitchFamily="34" charset="0"/>
+              <a:buChar char="•"/>
+              <a:defRPr sz="2800" kern="1200">
+                <a:solidFill>
+                  <a:schemeClr val="tx1"/>
+                </a:solidFill>
+                <a:latin typeface="+mn-lt"/>
+                <a:ea typeface="+mn-ea"/>
+                <a:cs typeface="+mn-cs"/>
+              </a:defRPr>
+            </a:lvl1pPr>
+            <a:lvl2pPr marL="685800" indent="-228600" algn="l" defTabSz="914400" rtl="0" eaLnBrk="1" latinLnBrk="0" hangingPunct="1">
+              <a:lnSpc>
+                <a:spcPct val="90000"/>
+              </a:lnSpc>
+              <a:spcBef>
+                <a:spcPts val="500"/>
+              </a:spcBef>
+              <a:buFont typeface="Arial" panose="020B0604020202020204" pitchFamily="34" charset="0"/>
+              <a:buChar char="•"/>
+              <a:defRPr sz="2400" kern="1200">
+                <a:solidFill>
+                  <a:schemeClr val="tx1"/>
+                </a:solidFill>
+                <a:latin typeface="+mn-lt"/>
+                <a:ea typeface="+mn-ea"/>
+                <a:cs typeface="+mn-cs"/>
+              </a:defRPr>
+            </a:lvl2pPr>
+            <a:lvl3pPr marL="1143000" indent="-228600" algn="l" defTabSz="914400" rtl="0" eaLnBrk="1" latinLnBrk="0" hangingPunct="1">
+              <a:lnSpc>
+                <a:spcPct val="90000"/>
+              </a:lnSpc>
+              <a:spcBef>
+                <a:spcPts val="500"/>
+              </a:spcBef>
+              <a:buFont typeface="Arial" panose="020B0604020202020204" pitchFamily="34" charset="0"/>
+              <a:buChar char="•"/>
+              <a:defRPr sz="2000" kern="1200">
+                <a:solidFill>
+                  <a:schemeClr val="tx1"/>
+                </a:solidFill>
+                <a:latin typeface="+mn-lt"/>
+                <a:ea typeface="+mn-ea"/>
+                <a:cs typeface="+mn-cs"/>
+              </a:defRPr>
+            </a:lvl3pPr>
+            <a:lvl4pPr marL="1600200" indent="-228600" algn="l" defTabSz="914400" rtl="0" eaLnBrk="1" latinLnBrk="0" hangingPunct="1">
+              <a:lnSpc>
+                <a:spcPct val="90000"/>
+              </a:lnSpc>
+              <a:spcBef>
+                <a:spcPts val="500"/>
+              </a:spcBef>
+              <a:buFont typeface="Arial" panose="020B0604020202020204" pitchFamily="34" charset="0"/>
+              <a:buChar char="•"/>
+              <a:defRPr sz="1800" kern="1200">
+                <a:solidFill>
+                  <a:schemeClr val="tx1"/>
+                </a:solidFill>
+                <a:latin typeface="+mn-lt"/>
+                <a:ea typeface="+mn-ea"/>
+                <a:cs typeface="+mn-cs"/>
+              </a:defRPr>
+            </a:lvl4pPr>
+            <a:lvl5pPr marL="2057400" indent="-228600" algn="l" defTabSz="914400" rtl="0" eaLnBrk="1" latinLnBrk="0" hangingPunct="1">
+              <a:lnSpc>
+                <a:spcPct val="90000"/>
+              </a:lnSpc>
+              <a:spcBef>
+                <a:spcPts val="500"/>
+              </a:spcBef>
+              <a:buFont typeface="Arial" panose="020B0604020202020204" pitchFamily="34" charset="0"/>
+              <a:buChar char="•"/>
+              <a:defRPr sz="1800" kern="1200">
+                <a:solidFill>
+                  <a:schemeClr val="tx1"/>
+                </a:solidFill>
+                <a:latin typeface="+mn-lt"/>
+                <a:ea typeface="+mn-ea"/>
+                <a:cs typeface="+mn-cs"/>
+              </a:defRPr>
+            </a:lvl5pPr>
+            <a:lvl6pPr marL="2514600" indent="-228600" algn="l" defTabSz="914400" rtl="0" eaLnBrk="1" latinLnBrk="0" hangingPunct="1">
+              <a:lnSpc>
+                <a:spcPct val="90000"/>
+              </a:lnSpc>
+              <a:spcBef>
+                <a:spcPts val="500"/>
+              </a:spcBef>
+              <a:buFont typeface="Arial" panose="020B0604020202020204" pitchFamily="34" charset="0"/>
+              <a:buChar char="•"/>
+              <a:defRPr sz="1800" kern="1200">
+                <a:solidFill>
+                  <a:schemeClr val="tx1"/>
+                </a:solidFill>
+                <a:latin typeface="+mn-lt"/>
+                <a:ea typeface="+mn-ea"/>
+                <a:cs typeface="+mn-cs"/>
+              </a:defRPr>
+            </a:lvl6pPr>
+            <a:lvl7pPr marL="2971800" indent="-228600" algn="l" defTabSz="914400" rtl="0" eaLnBrk="1" latinLnBrk="0" hangingPunct="1">
+              <a:lnSpc>
+                <a:spcPct val="90000"/>
+              </a:lnSpc>
+              <a:spcBef>
+                <a:spcPts val="500"/>
+              </a:spcBef>
+              <a:buFont typeface="Arial" panose="020B0604020202020204" pitchFamily="34" charset="0"/>
+              <a:buChar char="•"/>
+              <a:defRPr sz="1800" kern="1200">
+                <a:solidFill>
+                  <a:schemeClr val="tx1"/>
+                </a:solidFill>
+                <a:latin typeface="+mn-lt"/>
+                <a:ea typeface="+mn-ea"/>
+                <a:cs typeface="+mn-cs"/>
+              </a:defRPr>
+            </a:lvl7pPr>
+            <a:lvl8pPr marL="3429000" indent="-228600" algn="l" defTabSz="914400" rtl="0" eaLnBrk="1" latinLnBrk="0" hangingPunct="1">
+              <a:lnSpc>
+                <a:spcPct val="90000"/>
+              </a:lnSpc>
+              <a:spcBef>
+                <a:spcPts val="500"/>
+              </a:spcBef>
+              <a:buFont typeface="Arial" panose="020B0604020202020204" pitchFamily="34" charset="0"/>
+              <a:buChar char="•"/>
+              <a:defRPr sz="1800" kern="1200">
+                <a:solidFill>
+                  <a:schemeClr val="tx1"/>
+                </a:solidFill>
+                <a:latin typeface="+mn-lt"/>
+                <a:ea typeface="+mn-ea"/>
+                <a:cs typeface="+mn-cs"/>
+              </a:defRPr>
+            </a:lvl8pPr>
+            <a:lvl9pPr marL="3886200" indent="-228600" algn="l" defTabSz="914400" rtl="0" eaLnBrk="1" latinLnBrk="0" hangingPunct="1">
+              <a:lnSpc>
+                <a:spcPct val="90000"/>
+              </a:lnSpc>
+              <a:spcBef>
+                <a:spcPts val="500"/>
+              </a:spcBef>
+              <a:buFont typeface="Arial" panose="020B0604020202020204" pitchFamily="34" charset="0"/>
+              <a:buChar char="•"/>
+              <a:defRPr sz="1800" kern="1200">
+                <a:solidFill>
+                  <a:schemeClr val="tx1"/>
+                </a:solidFill>
+                <a:latin typeface="+mn-lt"/>
+                <a:ea typeface="+mn-ea"/>
+                <a:cs typeface="+mn-cs"/>
+              </a:defRPr>
+            </a:lvl9pPr>
+          </a:lstStyle>
+          <a:p>
+            <a:r>
+              <a:rPr lang="en-US" dirty="0"/>
+              <a:t>JavaScript</a:t>
+            </a:r>
+          </a:p>
+        </p:txBody>
+      </p:sp>
+      <p:sp>
+        <p:nvSpPr>
+          <p:cNvPr id="5" name="Content Placeholder 5">
+            <a:extLst>
+              <a:ext uri="{FF2B5EF4-FFF2-40B4-BE49-F238E27FC236}">
+                <a16:creationId xmlns:a16="http://schemas.microsoft.com/office/drawing/2014/main" id="{DB58A025-7F46-4883-B169-4487DDA511D8}"/>
+              </a:ext>
+            </a:extLst>
+          </p:cNvPr>
+          <p:cNvSpPr txBox="1">
+            <a:spLocks/>
+          </p:cNvSpPr>
+          <p:nvPr/>
+        </p:nvSpPr>
+        <p:spPr>
+          <a:xfrm>
+            <a:off x="839788" y="2505075"/>
+            <a:ext cx="5157787" cy="3684588"/>
+          </a:xfrm>
+          <a:prstGeom prst="rect">
+            <a:avLst/>
+          </a:prstGeom>
+        </p:spPr>
+        <p:txBody>
+          <a:bodyPr>
+            <a:normAutofit/>
+          </a:bodyPr>
+          <a:lstStyle>
+            <a:lvl1pPr marL="228600" indent="-228600" algn="l" defTabSz="914400" rtl="0" eaLnBrk="1" latinLnBrk="0" hangingPunct="1">
+              <a:lnSpc>
+                <a:spcPct val="90000"/>
+              </a:lnSpc>
+              <a:spcBef>
+                <a:spcPts val="1000"/>
+              </a:spcBef>
+              <a:buFont typeface="Arial" panose="020B0604020202020204" pitchFamily="34" charset="0"/>
+              <a:buChar char="•"/>
+              <a:defRPr sz="2800" kern="1200">
+                <a:solidFill>
+                  <a:schemeClr val="tx1"/>
+                </a:solidFill>
+                <a:latin typeface="+mn-lt"/>
+                <a:ea typeface="+mn-ea"/>
+                <a:cs typeface="+mn-cs"/>
+              </a:defRPr>
+            </a:lvl1pPr>
+            <a:lvl2pPr marL="685800" indent="-228600" algn="l" defTabSz="914400" rtl="0" eaLnBrk="1" latinLnBrk="0" hangingPunct="1">
+              <a:lnSpc>
+                <a:spcPct val="90000"/>
+              </a:lnSpc>
+              <a:spcBef>
+                <a:spcPts val="500"/>
+              </a:spcBef>
+              <a:buFont typeface="Arial" panose="020B0604020202020204" pitchFamily="34" charset="0"/>
+              <a:buChar char="•"/>
+              <a:defRPr sz="2400" kern="1200">
+                <a:solidFill>
+                  <a:schemeClr val="tx1"/>
+                </a:solidFill>
+                <a:latin typeface="+mn-lt"/>
+                <a:ea typeface="+mn-ea"/>
+                <a:cs typeface="+mn-cs"/>
+              </a:defRPr>
+            </a:lvl2pPr>
+            <a:lvl3pPr marL="1143000" indent="-228600" algn="l" defTabSz="914400" rtl="0" eaLnBrk="1" latinLnBrk="0" hangingPunct="1">
+              <a:lnSpc>
+                <a:spcPct val="90000"/>
+              </a:lnSpc>
+              <a:spcBef>
+                <a:spcPts val="500"/>
+              </a:spcBef>
+              <a:buFont typeface="Arial" panose="020B0604020202020204" pitchFamily="34" charset="0"/>
+              <a:buChar char="•"/>
+              <a:defRPr sz="2000" kern="1200">
+                <a:solidFill>
+                  <a:schemeClr val="tx1"/>
+                </a:solidFill>
+                <a:latin typeface="+mn-lt"/>
+                <a:ea typeface="+mn-ea"/>
+                <a:cs typeface="+mn-cs"/>
+              </a:defRPr>
+            </a:lvl3pPr>
+            <a:lvl4pPr marL="1600200" indent="-228600" algn="l" defTabSz="914400" rtl="0" eaLnBrk="1" latinLnBrk="0" hangingPunct="1">
+              <a:lnSpc>
+                <a:spcPct val="90000"/>
+              </a:lnSpc>
+              <a:spcBef>
+                <a:spcPts val="500"/>
+              </a:spcBef>
+              <a:buFont typeface="Arial" panose="020B0604020202020204" pitchFamily="34" charset="0"/>
+              <a:buChar char="•"/>
+              <a:defRPr sz="1800" kern="1200">
+                <a:solidFill>
+                  <a:schemeClr val="tx1"/>
+                </a:solidFill>
+                <a:latin typeface="+mn-lt"/>
+                <a:ea typeface="+mn-ea"/>
+                <a:cs typeface="+mn-cs"/>
+              </a:defRPr>
+            </a:lvl4pPr>
+            <a:lvl5pPr marL="2057400" indent="-228600" algn="l" defTabSz="914400" rtl="0" eaLnBrk="1" latinLnBrk="0" hangingPunct="1">
+              <a:lnSpc>
+                <a:spcPct val="90000"/>
+              </a:lnSpc>
+              <a:spcBef>
+                <a:spcPts val="500"/>
+              </a:spcBef>
+              <a:buFont typeface="Arial" panose="020B0604020202020204" pitchFamily="34" charset="0"/>
+              <a:buChar char="•"/>
+              <a:defRPr sz="1800" kern="1200">
+                <a:solidFill>
+                  <a:schemeClr val="tx1"/>
+                </a:solidFill>
+                <a:latin typeface="+mn-lt"/>
+                <a:ea typeface="+mn-ea"/>
+                <a:cs typeface="+mn-cs"/>
+              </a:defRPr>
+            </a:lvl5pPr>
+            <a:lvl6pPr marL="2514600" indent="-228600" algn="l" defTabSz="914400" rtl="0" eaLnBrk="1" latinLnBrk="0" hangingPunct="1">
+              <a:lnSpc>
+                <a:spcPct val="90000"/>
+              </a:lnSpc>
+              <a:spcBef>
+                <a:spcPts val="500"/>
+              </a:spcBef>
+              <a:buFont typeface="Arial" panose="020B0604020202020204" pitchFamily="34" charset="0"/>
+              <a:buChar char="•"/>
+              <a:defRPr sz="1800" kern="1200">
+                <a:solidFill>
+                  <a:schemeClr val="tx1"/>
+                </a:solidFill>
+                <a:latin typeface="+mn-lt"/>
+                <a:ea typeface="+mn-ea"/>
+                <a:cs typeface="+mn-cs"/>
+              </a:defRPr>
+            </a:lvl6pPr>
+            <a:lvl7pPr marL="2971800" indent="-228600" algn="l" defTabSz="914400" rtl="0" eaLnBrk="1" latinLnBrk="0" hangingPunct="1">
+              <a:lnSpc>
+                <a:spcPct val="90000"/>
+              </a:lnSpc>
+              <a:spcBef>
+                <a:spcPts val="500"/>
+              </a:spcBef>
+              <a:buFont typeface="Arial" panose="020B0604020202020204" pitchFamily="34" charset="0"/>
+              <a:buChar char="•"/>
+              <a:defRPr sz="1800" kern="1200">
+                <a:solidFill>
+                  <a:schemeClr val="tx1"/>
+                </a:solidFill>
+                <a:latin typeface="+mn-lt"/>
+                <a:ea typeface="+mn-ea"/>
+                <a:cs typeface="+mn-cs"/>
+              </a:defRPr>
+            </a:lvl7pPr>
+            <a:lvl8pPr marL="3429000" indent="-228600" algn="l" defTabSz="914400" rtl="0" eaLnBrk="1" latinLnBrk="0" hangingPunct="1">
+              <a:lnSpc>
+                <a:spcPct val="90000"/>
+              </a:lnSpc>
+              <a:spcBef>
+                <a:spcPts val="500"/>
+              </a:spcBef>
+              <a:buFont typeface="Arial" panose="020B0604020202020204" pitchFamily="34" charset="0"/>
+              <a:buChar char="•"/>
+              <a:defRPr sz="1800" kern="1200">
+                <a:solidFill>
+                  <a:schemeClr val="tx1"/>
+                </a:solidFill>
+                <a:latin typeface="+mn-lt"/>
+                <a:ea typeface="+mn-ea"/>
+                <a:cs typeface="+mn-cs"/>
+              </a:defRPr>
+            </a:lvl8pPr>
+            <a:lvl9pPr marL="3886200" indent="-228600" algn="l" defTabSz="914400" rtl="0" eaLnBrk="1" latinLnBrk="0" hangingPunct="1">
+              <a:lnSpc>
+                <a:spcPct val="90000"/>
+              </a:lnSpc>
+              <a:spcBef>
+                <a:spcPts val="500"/>
+              </a:spcBef>
+              <a:buFont typeface="Arial" panose="020B0604020202020204" pitchFamily="34" charset="0"/>
+              <a:buChar char="•"/>
+              <a:defRPr sz="1800" kern="1200">
+                <a:solidFill>
+                  <a:schemeClr val="tx1"/>
+                </a:solidFill>
+                <a:latin typeface="+mn-lt"/>
+                <a:ea typeface="+mn-ea"/>
+                <a:cs typeface="+mn-cs"/>
+              </a:defRPr>
+            </a:lvl9pPr>
+          </a:lstStyle>
+          <a:p>
+            <a:pPr marL="0" indent="0">
+              <a:buFont typeface="Arial" panose="020B0604020202020204" pitchFamily="34" charset="0"/>
+              <a:buNone/>
+            </a:pPr>
+            <a:r>
+              <a:rPr lang="en-US" sz="2000" b="1" dirty="0">
+                <a:solidFill>
+                  <a:srgbClr val="569CD6"/>
+                </a:solidFill>
+                <a:latin typeface="Consolas" panose="020B0609020204030204" pitchFamily="49" charset="0"/>
+              </a:rPr>
+              <a:t>function</a:t>
+            </a:r>
+            <a:r>
+              <a:rPr lang="en-US" sz="2000" b="1" dirty="0">
+                <a:solidFill>
+                  <a:srgbClr val="D4D4D4"/>
+                </a:solidFill>
+                <a:latin typeface="Consolas" panose="020B0609020204030204" pitchFamily="49" charset="0"/>
+              </a:rPr>
+              <a:t> </a:t>
+            </a:r>
+            <a:r>
+              <a:rPr lang="en-US" sz="2000" b="1" dirty="0" err="1">
+                <a:solidFill>
+                  <a:srgbClr val="DCDCAA"/>
+                </a:solidFill>
+                <a:latin typeface="Consolas" panose="020B0609020204030204" pitchFamily="49" charset="0"/>
+              </a:rPr>
+              <a:t>greetJs</a:t>
+            </a:r>
+            <a:r>
+              <a:rPr lang="en-US" sz="2000" b="1" dirty="0">
+                <a:solidFill>
+                  <a:srgbClr val="D4D4D4"/>
+                </a:solidFill>
+                <a:latin typeface="Consolas" panose="020B0609020204030204" pitchFamily="49" charset="0"/>
+              </a:rPr>
+              <a:t>(</a:t>
+            </a:r>
+            <a:r>
+              <a:rPr lang="en-US" sz="2000" b="1" dirty="0">
+                <a:solidFill>
+                  <a:srgbClr val="9CDCFE"/>
+                </a:solidFill>
+                <a:latin typeface="Consolas" panose="020B0609020204030204" pitchFamily="49" charset="0"/>
+              </a:rPr>
+              <a:t>greet</a:t>
+            </a:r>
+            <a:r>
+              <a:rPr lang="en-US" sz="2000" b="1" dirty="0">
+                <a:solidFill>
+                  <a:srgbClr val="D4D4D4"/>
+                </a:solidFill>
+                <a:latin typeface="Consolas" panose="020B0609020204030204" pitchFamily="49" charset="0"/>
+              </a:rPr>
+              <a:t>, </a:t>
+            </a:r>
+            <a:r>
+              <a:rPr lang="en-US" sz="2000" b="1" dirty="0">
+                <a:solidFill>
+                  <a:srgbClr val="9CDCFE"/>
+                </a:solidFill>
+                <a:latin typeface="Consolas" panose="020B0609020204030204" pitchFamily="49" charset="0"/>
+              </a:rPr>
+              <a:t>name</a:t>
+            </a:r>
+            <a:r>
+              <a:rPr lang="en-US" sz="2000" b="1" dirty="0">
+                <a:solidFill>
+                  <a:srgbClr val="D4D4D4"/>
+                </a:solidFill>
+                <a:latin typeface="Consolas" panose="020B0609020204030204" pitchFamily="49" charset="0"/>
+              </a:rPr>
+              <a:t>) {</a:t>
+            </a:r>
+          </a:p>
+          <a:p>
+            <a:pPr marL="0" indent="0">
+              <a:buFont typeface="Arial" panose="020B0604020202020204" pitchFamily="34" charset="0"/>
+              <a:buNone/>
+            </a:pPr>
+            <a:r>
+              <a:rPr lang="en-US" sz="2000" b="1" dirty="0">
+                <a:solidFill>
+                  <a:srgbClr val="D4D4D4"/>
+                </a:solidFill>
+                <a:latin typeface="Consolas" panose="020B0609020204030204" pitchFamily="49" charset="0"/>
+              </a:rPr>
+              <a:t>    </a:t>
+            </a:r>
+            <a:r>
+              <a:rPr lang="en-US" sz="2000" b="1" dirty="0">
+                <a:solidFill>
+                  <a:srgbClr val="C586C0"/>
+                </a:solidFill>
+                <a:latin typeface="Consolas" panose="020B0609020204030204" pitchFamily="49" charset="0"/>
+              </a:rPr>
+              <a:t>return</a:t>
+            </a:r>
+            <a:r>
+              <a:rPr lang="en-US" sz="2000" b="1" dirty="0">
+                <a:solidFill>
+                  <a:srgbClr val="D4D4D4"/>
+                </a:solidFill>
+                <a:latin typeface="Consolas" panose="020B0609020204030204" pitchFamily="49" charset="0"/>
+              </a:rPr>
+              <a:t> </a:t>
+            </a:r>
+            <a:r>
+              <a:rPr lang="en-US" sz="2000" b="1" dirty="0">
+                <a:solidFill>
+                  <a:srgbClr val="CE9178"/>
+                </a:solidFill>
+                <a:latin typeface="Consolas" panose="020B0609020204030204" pitchFamily="49" charset="0"/>
+              </a:rPr>
+              <a:t>`</a:t>
+            </a:r>
+            <a:r>
+              <a:rPr lang="en-US" sz="2000" b="1" dirty="0">
+                <a:solidFill>
+                  <a:srgbClr val="569CD6"/>
+                </a:solidFill>
+                <a:latin typeface="Consolas" panose="020B0609020204030204" pitchFamily="49" charset="0"/>
+              </a:rPr>
+              <a:t>${</a:t>
+            </a:r>
+            <a:r>
+              <a:rPr lang="en-US" sz="2000" b="1" dirty="0">
+                <a:solidFill>
+                  <a:srgbClr val="9CDCFE"/>
+                </a:solidFill>
+                <a:latin typeface="Consolas" panose="020B0609020204030204" pitchFamily="49" charset="0"/>
+              </a:rPr>
+              <a:t>greeting</a:t>
+            </a:r>
+            <a:r>
+              <a:rPr lang="en-US" sz="2000" b="1" dirty="0">
+                <a:solidFill>
+                  <a:srgbClr val="569CD6"/>
+                </a:solidFill>
+                <a:latin typeface="Consolas" panose="020B0609020204030204" pitchFamily="49" charset="0"/>
+              </a:rPr>
+              <a:t>}</a:t>
+            </a:r>
+            <a:r>
+              <a:rPr lang="en-US" sz="2000" b="1" dirty="0">
+                <a:solidFill>
+                  <a:srgbClr val="CE9178"/>
+                </a:solidFill>
+                <a:latin typeface="Consolas" panose="020B0609020204030204" pitchFamily="49" charset="0"/>
+              </a:rPr>
+              <a:t> </a:t>
+            </a:r>
+            <a:r>
+              <a:rPr lang="en-US" sz="2000" b="1" dirty="0">
+                <a:solidFill>
+                  <a:srgbClr val="569CD6"/>
+                </a:solidFill>
+                <a:latin typeface="Consolas" panose="020B0609020204030204" pitchFamily="49" charset="0"/>
+              </a:rPr>
+              <a:t>${</a:t>
+            </a:r>
+            <a:r>
+              <a:rPr lang="en-US" sz="2000" b="1" dirty="0">
+                <a:solidFill>
+                  <a:srgbClr val="9CDCFE"/>
+                </a:solidFill>
+                <a:latin typeface="Consolas" panose="020B0609020204030204" pitchFamily="49" charset="0"/>
+              </a:rPr>
+              <a:t>name</a:t>
+            </a:r>
+            <a:r>
+              <a:rPr lang="en-US" sz="2000" b="1" dirty="0">
+                <a:solidFill>
+                  <a:srgbClr val="569CD6"/>
+                </a:solidFill>
+                <a:latin typeface="Consolas" panose="020B0609020204030204" pitchFamily="49" charset="0"/>
+              </a:rPr>
+              <a:t>}</a:t>
+            </a:r>
+            <a:r>
+              <a:rPr lang="en-US" sz="2000" b="1" dirty="0">
+                <a:solidFill>
+                  <a:srgbClr val="CE9178"/>
+                </a:solidFill>
+                <a:latin typeface="Consolas" panose="020B0609020204030204" pitchFamily="49" charset="0"/>
+              </a:rPr>
+              <a:t>`</a:t>
+            </a:r>
+            <a:endParaRPr lang="en-US" sz="2000" b="1" dirty="0">
+              <a:solidFill>
+                <a:srgbClr val="D4D4D4"/>
+              </a:solidFill>
+              <a:latin typeface="Consolas" panose="020B0609020204030204" pitchFamily="49" charset="0"/>
+            </a:endParaRPr>
+          </a:p>
+          <a:p>
+            <a:pPr marL="0" indent="0">
+              <a:buFont typeface="Arial" panose="020B0604020202020204" pitchFamily="34" charset="0"/>
+              <a:buNone/>
+            </a:pPr>
+            <a:r>
+              <a:rPr lang="en-US" sz="2000" b="1" dirty="0">
+                <a:solidFill>
+                  <a:srgbClr val="D4D4D4"/>
+                </a:solidFill>
+                <a:latin typeface="Consolas" panose="020B0609020204030204" pitchFamily="49" charset="0"/>
+              </a:rPr>
+              <a:t>} </a:t>
+            </a:r>
+          </a:p>
+        </p:txBody>
+      </p:sp>
+      <p:sp>
+        <p:nvSpPr>
+          <p:cNvPr id="6" name="Text Placeholder 6">
+            <a:extLst>
+              <a:ext uri="{FF2B5EF4-FFF2-40B4-BE49-F238E27FC236}">
+                <a16:creationId xmlns:a16="http://schemas.microsoft.com/office/drawing/2014/main" id="{1CF891B9-F355-40AD-A4AA-0FBB22769E68}"/>
+              </a:ext>
+            </a:extLst>
+          </p:cNvPr>
+          <p:cNvSpPr txBox="1">
+            <a:spLocks/>
+          </p:cNvSpPr>
+          <p:nvPr/>
+        </p:nvSpPr>
+        <p:spPr>
+          <a:xfrm>
+            <a:off x="6172200" y="1681163"/>
+            <a:ext cx="5183188" cy="823912"/>
+          </a:xfrm>
+          <a:prstGeom prst="rect">
+            <a:avLst/>
+          </a:prstGeom>
+        </p:spPr>
+        <p:txBody>
+          <a:bodyPr/>
+          <a:lstStyle>
+            <a:lvl1pPr marL="228600" indent="-228600" algn="l" defTabSz="914400" rtl="0" eaLnBrk="1" latinLnBrk="0" hangingPunct="1">
+              <a:lnSpc>
+                <a:spcPct val="90000"/>
+              </a:lnSpc>
+              <a:spcBef>
+                <a:spcPts val="1000"/>
+              </a:spcBef>
+              <a:buFont typeface="Arial" panose="020B0604020202020204" pitchFamily="34" charset="0"/>
+              <a:buChar char="•"/>
+              <a:defRPr sz="2800" kern="1200">
+                <a:solidFill>
+                  <a:schemeClr val="tx1"/>
+                </a:solidFill>
+                <a:latin typeface="+mn-lt"/>
+                <a:ea typeface="+mn-ea"/>
+                <a:cs typeface="+mn-cs"/>
+              </a:defRPr>
+            </a:lvl1pPr>
+            <a:lvl2pPr marL="685800" indent="-228600" algn="l" defTabSz="914400" rtl="0" eaLnBrk="1" latinLnBrk="0" hangingPunct="1">
+              <a:lnSpc>
+                <a:spcPct val="90000"/>
+              </a:lnSpc>
+              <a:spcBef>
+                <a:spcPts val="500"/>
+              </a:spcBef>
+              <a:buFont typeface="Arial" panose="020B0604020202020204" pitchFamily="34" charset="0"/>
+              <a:buChar char="•"/>
+              <a:defRPr sz="2400" kern="1200">
+                <a:solidFill>
+                  <a:schemeClr val="tx1"/>
+                </a:solidFill>
+                <a:latin typeface="+mn-lt"/>
+                <a:ea typeface="+mn-ea"/>
+                <a:cs typeface="+mn-cs"/>
+              </a:defRPr>
+            </a:lvl2pPr>
+            <a:lvl3pPr marL="1143000" indent="-228600" algn="l" defTabSz="914400" rtl="0" eaLnBrk="1" latinLnBrk="0" hangingPunct="1">
+              <a:lnSpc>
+                <a:spcPct val="90000"/>
+              </a:lnSpc>
+              <a:spcBef>
+                <a:spcPts val="500"/>
+              </a:spcBef>
+              <a:buFont typeface="Arial" panose="020B0604020202020204" pitchFamily="34" charset="0"/>
+              <a:buChar char="•"/>
+              <a:defRPr sz="2000" kern="1200">
+                <a:solidFill>
+                  <a:schemeClr val="tx1"/>
+                </a:solidFill>
+                <a:latin typeface="+mn-lt"/>
+                <a:ea typeface="+mn-ea"/>
+                <a:cs typeface="+mn-cs"/>
+              </a:defRPr>
+            </a:lvl3pPr>
+            <a:lvl4pPr marL="1600200" indent="-228600" algn="l" defTabSz="914400" rtl="0" eaLnBrk="1" latinLnBrk="0" hangingPunct="1">
+              <a:lnSpc>
+                <a:spcPct val="90000"/>
+              </a:lnSpc>
+              <a:spcBef>
+                <a:spcPts val="500"/>
+              </a:spcBef>
+              <a:buFont typeface="Arial" panose="020B0604020202020204" pitchFamily="34" charset="0"/>
+              <a:buChar char="•"/>
+              <a:defRPr sz="1800" kern="1200">
+                <a:solidFill>
+                  <a:schemeClr val="tx1"/>
+                </a:solidFill>
+                <a:latin typeface="+mn-lt"/>
+                <a:ea typeface="+mn-ea"/>
+                <a:cs typeface="+mn-cs"/>
+              </a:defRPr>
+            </a:lvl4pPr>
+            <a:lvl5pPr marL="2057400" indent="-228600" algn="l" defTabSz="914400" rtl="0" eaLnBrk="1" latinLnBrk="0" hangingPunct="1">
+              <a:lnSpc>
+                <a:spcPct val="90000"/>
+              </a:lnSpc>
+              <a:spcBef>
+                <a:spcPts val="500"/>
+              </a:spcBef>
+              <a:buFont typeface="Arial" panose="020B0604020202020204" pitchFamily="34" charset="0"/>
+              <a:buChar char="•"/>
+              <a:defRPr sz="1800" kern="1200">
+                <a:solidFill>
+                  <a:schemeClr val="tx1"/>
+                </a:solidFill>
+                <a:latin typeface="+mn-lt"/>
+                <a:ea typeface="+mn-ea"/>
+                <a:cs typeface="+mn-cs"/>
+              </a:defRPr>
+            </a:lvl5pPr>
+            <a:lvl6pPr marL="2514600" indent="-228600" algn="l" defTabSz="914400" rtl="0" eaLnBrk="1" latinLnBrk="0" hangingPunct="1">
+              <a:lnSpc>
+                <a:spcPct val="90000"/>
+              </a:lnSpc>
+              <a:spcBef>
+                <a:spcPts val="500"/>
+              </a:spcBef>
+              <a:buFont typeface="Arial" panose="020B0604020202020204" pitchFamily="34" charset="0"/>
+              <a:buChar char="•"/>
+              <a:defRPr sz="1800" kern="1200">
+                <a:solidFill>
+                  <a:schemeClr val="tx1"/>
+                </a:solidFill>
+                <a:latin typeface="+mn-lt"/>
+                <a:ea typeface="+mn-ea"/>
+                <a:cs typeface="+mn-cs"/>
+              </a:defRPr>
+            </a:lvl6pPr>
+            <a:lvl7pPr marL="2971800" indent="-228600" algn="l" defTabSz="914400" rtl="0" eaLnBrk="1" latinLnBrk="0" hangingPunct="1">
+              <a:lnSpc>
+                <a:spcPct val="90000"/>
+              </a:lnSpc>
+              <a:spcBef>
+                <a:spcPts val="500"/>
+              </a:spcBef>
+              <a:buFont typeface="Arial" panose="020B0604020202020204" pitchFamily="34" charset="0"/>
+              <a:buChar char="•"/>
+              <a:defRPr sz="1800" kern="1200">
+                <a:solidFill>
+                  <a:schemeClr val="tx1"/>
+                </a:solidFill>
+                <a:latin typeface="+mn-lt"/>
+                <a:ea typeface="+mn-ea"/>
+                <a:cs typeface="+mn-cs"/>
+              </a:defRPr>
+            </a:lvl7pPr>
+            <a:lvl8pPr marL="3429000" indent="-228600" algn="l" defTabSz="914400" rtl="0" eaLnBrk="1" latinLnBrk="0" hangingPunct="1">
+              <a:lnSpc>
+                <a:spcPct val="90000"/>
+              </a:lnSpc>
+              <a:spcBef>
+                <a:spcPts val="500"/>
+              </a:spcBef>
+              <a:buFont typeface="Arial" panose="020B0604020202020204" pitchFamily="34" charset="0"/>
+              <a:buChar char="•"/>
+              <a:defRPr sz="1800" kern="1200">
+                <a:solidFill>
+                  <a:schemeClr val="tx1"/>
+                </a:solidFill>
+                <a:latin typeface="+mn-lt"/>
+                <a:ea typeface="+mn-ea"/>
+                <a:cs typeface="+mn-cs"/>
+              </a:defRPr>
+            </a:lvl8pPr>
+            <a:lvl9pPr marL="3886200" indent="-228600" algn="l" defTabSz="914400" rtl="0" eaLnBrk="1" latinLnBrk="0" hangingPunct="1">
+              <a:lnSpc>
+                <a:spcPct val="90000"/>
+              </a:lnSpc>
+              <a:spcBef>
+                <a:spcPts val="500"/>
+              </a:spcBef>
+              <a:buFont typeface="Arial" panose="020B0604020202020204" pitchFamily="34" charset="0"/>
+              <a:buChar char="•"/>
+              <a:defRPr sz="1800" kern="1200">
+                <a:solidFill>
+                  <a:schemeClr val="tx1"/>
+                </a:solidFill>
+                <a:latin typeface="+mn-lt"/>
+                <a:ea typeface="+mn-ea"/>
+                <a:cs typeface="+mn-cs"/>
+              </a:defRPr>
+            </a:lvl9pPr>
+          </a:lstStyle>
+          <a:p>
+            <a:r>
+              <a:rPr lang="en-US"/>
+              <a:t>Fun.TS</a:t>
+            </a:r>
+            <a:endParaRPr lang="en-US" dirty="0"/>
+          </a:p>
+        </p:txBody>
+      </p:sp>
+      <p:sp>
+        <p:nvSpPr>
+          <p:cNvPr id="7" name="Content Placeholder 7">
+            <a:extLst>
+              <a:ext uri="{FF2B5EF4-FFF2-40B4-BE49-F238E27FC236}">
+                <a16:creationId xmlns:a16="http://schemas.microsoft.com/office/drawing/2014/main" id="{74007E58-47A1-40A7-85D5-5C09E8C3A388}"/>
+              </a:ext>
+            </a:extLst>
+          </p:cNvPr>
+          <p:cNvSpPr txBox="1">
+            <a:spLocks/>
+          </p:cNvSpPr>
+          <p:nvPr/>
+        </p:nvSpPr>
+        <p:spPr>
+          <a:xfrm>
+            <a:off x="6172200" y="2505075"/>
+            <a:ext cx="5183188" cy="3684588"/>
+          </a:xfrm>
+          <a:prstGeom prst="rect">
+            <a:avLst/>
+          </a:prstGeom>
+        </p:spPr>
+        <p:txBody>
+          <a:bodyPr>
+            <a:normAutofit/>
+          </a:bodyPr>
+          <a:lstStyle>
+            <a:lvl1pPr marL="228600" indent="-228600" algn="l" defTabSz="914400" rtl="0" eaLnBrk="1" latinLnBrk="0" hangingPunct="1">
+              <a:lnSpc>
+                <a:spcPct val="90000"/>
+              </a:lnSpc>
+              <a:spcBef>
+                <a:spcPts val="1000"/>
+              </a:spcBef>
+              <a:buFont typeface="Arial" panose="020B0604020202020204" pitchFamily="34" charset="0"/>
+              <a:buChar char="•"/>
+              <a:defRPr sz="2800" kern="1200">
+                <a:solidFill>
+                  <a:schemeClr val="tx1"/>
+                </a:solidFill>
+                <a:latin typeface="+mn-lt"/>
+                <a:ea typeface="+mn-ea"/>
+                <a:cs typeface="+mn-cs"/>
+              </a:defRPr>
+            </a:lvl1pPr>
+            <a:lvl2pPr marL="685800" indent="-228600" algn="l" defTabSz="914400" rtl="0" eaLnBrk="1" latinLnBrk="0" hangingPunct="1">
+              <a:lnSpc>
+                <a:spcPct val="90000"/>
+              </a:lnSpc>
+              <a:spcBef>
+                <a:spcPts val="500"/>
+              </a:spcBef>
+              <a:buFont typeface="Arial" panose="020B0604020202020204" pitchFamily="34" charset="0"/>
+              <a:buChar char="•"/>
+              <a:defRPr sz="2400" kern="1200">
+                <a:solidFill>
+                  <a:schemeClr val="tx1"/>
+                </a:solidFill>
+                <a:latin typeface="+mn-lt"/>
+                <a:ea typeface="+mn-ea"/>
+                <a:cs typeface="+mn-cs"/>
+              </a:defRPr>
+            </a:lvl2pPr>
+            <a:lvl3pPr marL="1143000" indent="-228600" algn="l" defTabSz="914400" rtl="0" eaLnBrk="1" latinLnBrk="0" hangingPunct="1">
+              <a:lnSpc>
+                <a:spcPct val="90000"/>
+              </a:lnSpc>
+              <a:spcBef>
+                <a:spcPts val="500"/>
+              </a:spcBef>
+              <a:buFont typeface="Arial" panose="020B0604020202020204" pitchFamily="34" charset="0"/>
+              <a:buChar char="•"/>
+              <a:defRPr sz="2000" kern="1200">
+                <a:solidFill>
+                  <a:schemeClr val="tx1"/>
+                </a:solidFill>
+                <a:latin typeface="+mn-lt"/>
+                <a:ea typeface="+mn-ea"/>
+                <a:cs typeface="+mn-cs"/>
+              </a:defRPr>
+            </a:lvl3pPr>
+            <a:lvl4pPr marL="1600200" indent="-228600" algn="l" defTabSz="914400" rtl="0" eaLnBrk="1" latinLnBrk="0" hangingPunct="1">
+              <a:lnSpc>
+                <a:spcPct val="90000"/>
+              </a:lnSpc>
+              <a:spcBef>
+                <a:spcPts val="500"/>
+              </a:spcBef>
+              <a:buFont typeface="Arial" panose="020B0604020202020204" pitchFamily="34" charset="0"/>
+              <a:buChar char="•"/>
+              <a:defRPr sz="1800" kern="1200">
+                <a:solidFill>
+                  <a:schemeClr val="tx1"/>
+                </a:solidFill>
+                <a:latin typeface="+mn-lt"/>
+                <a:ea typeface="+mn-ea"/>
+                <a:cs typeface="+mn-cs"/>
+              </a:defRPr>
+            </a:lvl4pPr>
+            <a:lvl5pPr marL="2057400" indent="-228600" algn="l" defTabSz="914400" rtl="0" eaLnBrk="1" latinLnBrk="0" hangingPunct="1">
+              <a:lnSpc>
+                <a:spcPct val="90000"/>
+              </a:lnSpc>
+              <a:spcBef>
+                <a:spcPts val="500"/>
+              </a:spcBef>
+              <a:buFont typeface="Arial" panose="020B0604020202020204" pitchFamily="34" charset="0"/>
+              <a:buChar char="•"/>
+              <a:defRPr sz="1800" kern="1200">
+                <a:solidFill>
+                  <a:schemeClr val="tx1"/>
+                </a:solidFill>
+                <a:latin typeface="+mn-lt"/>
+                <a:ea typeface="+mn-ea"/>
+                <a:cs typeface="+mn-cs"/>
+              </a:defRPr>
+            </a:lvl5pPr>
+            <a:lvl6pPr marL="2514600" indent="-228600" algn="l" defTabSz="914400" rtl="0" eaLnBrk="1" latinLnBrk="0" hangingPunct="1">
+              <a:lnSpc>
+                <a:spcPct val="90000"/>
+              </a:lnSpc>
+              <a:spcBef>
+                <a:spcPts val="500"/>
+              </a:spcBef>
+              <a:buFont typeface="Arial" panose="020B0604020202020204" pitchFamily="34" charset="0"/>
+              <a:buChar char="•"/>
+              <a:defRPr sz="1800" kern="1200">
+                <a:solidFill>
+                  <a:schemeClr val="tx1"/>
+                </a:solidFill>
+                <a:latin typeface="+mn-lt"/>
+                <a:ea typeface="+mn-ea"/>
+                <a:cs typeface="+mn-cs"/>
+              </a:defRPr>
+            </a:lvl6pPr>
+            <a:lvl7pPr marL="2971800" indent="-228600" algn="l" defTabSz="914400" rtl="0" eaLnBrk="1" latinLnBrk="0" hangingPunct="1">
+              <a:lnSpc>
+                <a:spcPct val="90000"/>
+              </a:lnSpc>
+              <a:spcBef>
+                <a:spcPts val="500"/>
+              </a:spcBef>
+              <a:buFont typeface="Arial" panose="020B0604020202020204" pitchFamily="34" charset="0"/>
+              <a:buChar char="•"/>
+              <a:defRPr sz="1800" kern="1200">
+                <a:solidFill>
+                  <a:schemeClr val="tx1"/>
+                </a:solidFill>
+                <a:latin typeface="+mn-lt"/>
+                <a:ea typeface="+mn-ea"/>
+                <a:cs typeface="+mn-cs"/>
+              </a:defRPr>
+            </a:lvl7pPr>
+            <a:lvl8pPr marL="3429000" indent="-228600" algn="l" defTabSz="914400" rtl="0" eaLnBrk="1" latinLnBrk="0" hangingPunct="1">
+              <a:lnSpc>
+                <a:spcPct val="90000"/>
+              </a:lnSpc>
+              <a:spcBef>
+                <a:spcPts val="500"/>
+              </a:spcBef>
+              <a:buFont typeface="Arial" panose="020B0604020202020204" pitchFamily="34" charset="0"/>
+              <a:buChar char="•"/>
+              <a:defRPr sz="1800" kern="1200">
+                <a:solidFill>
+                  <a:schemeClr val="tx1"/>
+                </a:solidFill>
+                <a:latin typeface="+mn-lt"/>
+                <a:ea typeface="+mn-ea"/>
+                <a:cs typeface="+mn-cs"/>
+              </a:defRPr>
+            </a:lvl8pPr>
+            <a:lvl9pPr marL="3886200" indent="-228600" algn="l" defTabSz="914400" rtl="0" eaLnBrk="1" latinLnBrk="0" hangingPunct="1">
+              <a:lnSpc>
+                <a:spcPct val="90000"/>
+              </a:lnSpc>
+              <a:spcBef>
+                <a:spcPts val="500"/>
+              </a:spcBef>
+              <a:buFont typeface="Arial" panose="020B0604020202020204" pitchFamily="34" charset="0"/>
+              <a:buChar char="•"/>
+              <a:defRPr sz="1800" kern="1200">
+                <a:solidFill>
+                  <a:schemeClr val="tx1"/>
+                </a:solidFill>
+                <a:latin typeface="+mn-lt"/>
+                <a:ea typeface="+mn-ea"/>
+                <a:cs typeface="+mn-cs"/>
+              </a:defRPr>
+            </a:lvl9pPr>
+          </a:lstStyle>
+          <a:p>
+            <a:pPr marL="0" indent="0">
+              <a:buFont typeface="Arial" panose="020B0604020202020204" pitchFamily="34" charset="0"/>
+              <a:buNone/>
+            </a:pPr>
+            <a:r>
+              <a:rPr lang="en-US" sz="2000" b="1" dirty="0">
+                <a:solidFill>
+                  <a:srgbClr val="569CD6"/>
+                </a:solidFill>
+                <a:latin typeface="Consolas" panose="020B0609020204030204" pitchFamily="49" charset="0"/>
+              </a:rPr>
+              <a:t>const</a:t>
+            </a:r>
+            <a:r>
+              <a:rPr lang="en-US" sz="2000" b="1" dirty="0">
+                <a:solidFill>
+                  <a:srgbClr val="D4D4D4"/>
+                </a:solidFill>
+                <a:latin typeface="Consolas" panose="020B0609020204030204" pitchFamily="49" charset="0"/>
+              </a:rPr>
+              <a:t> </a:t>
+            </a:r>
+            <a:r>
+              <a:rPr lang="en-US" sz="2000" b="1" dirty="0" err="1">
+                <a:solidFill>
+                  <a:srgbClr val="9CDCFE"/>
+                </a:solidFill>
+                <a:latin typeface="Consolas" panose="020B0609020204030204" pitchFamily="49" charset="0"/>
+              </a:rPr>
+              <a:t>greetFunTs</a:t>
+            </a:r>
+            <a:r>
+              <a:rPr lang="en-US" sz="2000" b="1" dirty="0">
+                <a:solidFill>
+                  <a:srgbClr val="D4D4D4"/>
+                </a:solidFill>
+                <a:latin typeface="Consolas" panose="020B0609020204030204" pitchFamily="49" charset="0"/>
+              </a:rPr>
+              <a:t> = </a:t>
+            </a:r>
+            <a:r>
+              <a:rPr lang="en-US" sz="2000" b="1" dirty="0">
+                <a:solidFill>
+                  <a:srgbClr val="9CDCFE"/>
+                </a:solidFill>
+                <a:latin typeface="Consolas" panose="020B0609020204030204" pitchFamily="49" charset="0"/>
+              </a:rPr>
+              <a:t>greet</a:t>
+            </a:r>
+            <a:r>
+              <a:rPr lang="en-US" sz="2000" b="1" dirty="0">
+                <a:solidFill>
+                  <a:srgbClr val="D4D4D4"/>
+                </a:solidFill>
+                <a:latin typeface="Consolas" panose="020B0609020204030204" pitchFamily="49" charset="0"/>
+              </a:rPr>
+              <a:t> </a:t>
+            </a:r>
+            <a:r>
+              <a:rPr lang="en-US" sz="2000" b="1" dirty="0">
+                <a:solidFill>
+                  <a:srgbClr val="569CD6"/>
+                </a:solidFill>
+                <a:latin typeface="Consolas" panose="020B0609020204030204" pitchFamily="49" charset="0"/>
+              </a:rPr>
+              <a:t>=&gt;</a:t>
+            </a:r>
+            <a:r>
+              <a:rPr lang="en-US" sz="2000" b="1" dirty="0">
+                <a:solidFill>
+                  <a:srgbClr val="D4D4D4"/>
+                </a:solidFill>
+                <a:latin typeface="Consolas" panose="020B0609020204030204" pitchFamily="49" charset="0"/>
+              </a:rPr>
+              <a:t> </a:t>
+            </a:r>
+            <a:r>
+              <a:rPr lang="en-US" sz="2000" b="1" dirty="0">
+                <a:solidFill>
+                  <a:srgbClr val="9CDCFE"/>
+                </a:solidFill>
+                <a:latin typeface="Consolas" panose="020B0609020204030204" pitchFamily="49" charset="0"/>
+              </a:rPr>
+              <a:t>name</a:t>
+            </a:r>
+            <a:r>
+              <a:rPr lang="en-US" sz="2000" b="1" dirty="0">
+                <a:solidFill>
+                  <a:srgbClr val="D4D4D4"/>
+                </a:solidFill>
+                <a:latin typeface="Consolas" panose="020B0609020204030204" pitchFamily="49" charset="0"/>
+              </a:rPr>
+              <a:t> </a:t>
+            </a:r>
+            <a:r>
+              <a:rPr lang="en-US" sz="2000" b="1" dirty="0">
+                <a:solidFill>
+                  <a:srgbClr val="569CD6"/>
+                </a:solidFill>
+                <a:latin typeface="Consolas" panose="020B0609020204030204" pitchFamily="49" charset="0"/>
+              </a:rPr>
+              <a:t>=&gt;</a:t>
+            </a:r>
+            <a:endParaRPr lang="en-US" sz="2000" b="1" dirty="0">
+              <a:solidFill>
+                <a:srgbClr val="D4D4D4"/>
+              </a:solidFill>
+              <a:latin typeface="Consolas" panose="020B0609020204030204" pitchFamily="49" charset="0"/>
+            </a:endParaRPr>
+          </a:p>
+          <a:p>
+            <a:pPr marL="0" indent="0">
+              <a:buFont typeface="Arial" panose="020B0604020202020204" pitchFamily="34" charset="0"/>
+              <a:buNone/>
+            </a:pPr>
+            <a:r>
+              <a:rPr lang="en-US" sz="2000" b="1" dirty="0">
+                <a:solidFill>
+                  <a:srgbClr val="D4D4D4"/>
+                </a:solidFill>
+                <a:latin typeface="Consolas" panose="020B0609020204030204" pitchFamily="49" charset="0"/>
+              </a:rPr>
+              <a:t>	</a:t>
+            </a:r>
+            <a:r>
+              <a:rPr lang="en-US" sz="2000" b="1" dirty="0">
+                <a:solidFill>
+                  <a:srgbClr val="CE9178"/>
+                </a:solidFill>
+                <a:latin typeface="Consolas" panose="020B0609020204030204" pitchFamily="49" charset="0"/>
+              </a:rPr>
+              <a:t>`</a:t>
+            </a:r>
+            <a:r>
+              <a:rPr lang="en-US" sz="2000" b="1" dirty="0">
+                <a:solidFill>
+                  <a:srgbClr val="569CD6"/>
+                </a:solidFill>
+                <a:latin typeface="Consolas" panose="020B0609020204030204" pitchFamily="49" charset="0"/>
+              </a:rPr>
+              <a:t>${</a:t>
+            </a:r>
+            <a:r>
+              <a:rPr lang="en-US" sz="2000" b="1" dirty="0">
+                <a:solidFill>
+                  <a:srgbClr val="9CDCFE"/>
+                </a:solidFill>
+                <a:latin typeface="Consolas" panose="020B0609020204030204" pitchFamily="49" charset="0"/>
+              </a:rPr>
+              <a:t>greeting</a:t>
+            </a:r>
+            <a:r>
+              <a:rPr lang="en-US" sz="2000" b="1" dirty="0">
+                <a:solidFill>
+                  <a:srgbClr val="569CD6"/>
+                </a:solidFill>
+                <a:latin typeface="Consolas" panose="020B0609020204030204" pitchFamily="49" charset="0"/>
+              </a:rPr>
+              <a:t>}</a:t>
+            </a:r>
+            <a:r>
+              <a:rPr lang="en-US" sz="2000" b="1" dirty="0">
+                <a:solidFill>
+                  <a:srgbClr val="CE9178"/>
+                </a:solidFill>
+                <a:latin typeface="Consolas" panose="020B0609020204030204" pitchFamily="49" charset="0"/>
+              </a:rPr>
+              <a:t> </a:t>
+            </a:r>
+            <a:r>
+              <a:rPr lang="en-US" sz="2000" b="1" dirty="0">
+                <a:solidFill>
+                  <a:srgbClr val="569CD6"/>
+                </a:solidFill>
+                <a:latin typeface="Consolas" panose="020B0609020204030204" pitchFamily="49" charset="0"/>
+              </a:rPr>
+              <a:t>${</a:t>
+            </a:r>
+            <a:r>
+              <a:rPr lang="en-US" sz="2000" b="1" dirty="0">
+                <a:solidFill>
+                  <a:srgbClr val="9CDCFE"/>
+                </a:solidFill>
+                <a:latin typeface="Consolas" panose="020B0609020204030204" pitchFamily="49" charset="0"/>
+              </a:rPr>
+              <a:t>name</a:t>
+            </a:r>
+            <a:r>
+              <a:rPr lang="en-US" sz="2000" b="1" dirty="0">
+                <a:solidFill>
+                  <a:srgbClr val="569CD6"/>
+                </a:solidFill>
+                <a:latin typeface="Consolas" panose="020B0609020204030204" pitchFamily="49" charset="0"/>
+              </a:rPr>
+              <a:t>}</a:t>
+            </a:r>
+            <a:r>
+              <a:rPr lang="en-US" sz="2000" b="1" dirty="0">
+                <a:solidFill>
+                  <a:srgbClr val="CE9178"/>
+                </a:solidFill>
+                <a:latin typeface="Consolas" panose="020B0609020204030204" pitchFamily="49" charset="0"/>
+              </a:rPr>
+              <a:t>`</a:t>
+            </a:r>
+            <a:endParaRPr lang="en-US" sz="2000" b="1" dirty="0">
+              <a:solidFill>
+                <a:srgbClr val="D4D4D4"/>
+              </a:solidFill>
+              <a:latin typeface="Consolas" panose="020B0609020204030204" pitchFamily="49" charset="0"/>
+            </a:endParaRPr>
+          </a:p>
+        </p:txBody>
+      </p:sp>
+    </p:spTree>
+    <p:extLst>
+      <p:ext uri="{BB962C8B-B14F-4D97-AF65-F5344CB8AC3E}">
+        <p14:creationId xmlns:p14="http://schemas.microsoft.com/office/powerpoint/2010/main" val="3543109500"/>
+      </p:ext>
+    </p:extLst>
+  </p:cSld>
+  <p:clrMapOvr>
+    <a:masterClrMapping/>
+  </p:clrMapOvr>
+</p:sld>
+</file>
+
+<file path=ppt/slides/slide7.xml><?xml version="1.0" encoding="utf-8"?>
+<p:sld xmlns:a="http://schemas.openxmlformats.org/drawingml/2006/main" xmlns:r="http://schemas.openxmlformats.org/officeDocument/2006/relationships" xmlns:p="http://schemas.openxmlformats.org/presentationml/2006/main">
+  <p:cSld>
+    <p:spTree>
+      <p:nvGrpSpPr>
+        <p:cNvPr id="1" name=""/>
+        <p:cNvGrpSpPr/>
+        <p:nvPr/>
+      </p:nvGrpSpPr>
+      <p:grpSpPr>
+        <a:xfrm>
+          <a:off x="0" y="0"/>
+          <a:ext cx="0" cy="0"/>
+          <a:chOff x="0" y="0"/>
+          <a:chExt cx="0" cy="0"/>
+        </a:xfrm>
+      </p:grpSpPr>
+      <p:sp>
+        <p:nvSpPr>
+          <p:cNvPr id="2" name="Title 1">
+            <a:extLst>
+              <a:ext uri="{FF2B5EF4-FFF2-40B4-BE49-F238E27FC236}">
+                <a16:creationId xmlns:a16="http://schemas.microsoft.com/office/drawing/2014/main" id="{8888DBB9-1D29-4EA6-8365-3D14E48769B6}"/>
+              </a:ext>
+            </a:extLst>
+          </p:cNvPr>
+          <p:cNvSpPr>
+            <a:spLocks noGrp="1"/>
+          </p:cNvSpPr>
+          <p:nvPr>
+            <p:ph type="title"/>
+          </p:nvPr>
+        </p:nvSpPr>
+        <p:spPr>
+          <a:xfrm>
+            <a:off x="838199" y="365125"/>
+            <a:ext cx="11084961" cy="1325563"/>
+          </a:xfrm>
+        </p:spPr>
+        <p:txBody>
+          <a:bodyPr>
+            <a:normAutofit/>
+          </a:bodyPr>
+          <a:lstStyle/>
+          <a:p>
+            <a:r>
+              <a:rPr lang="en-US" dirty="0"/>
+              <a:t>Example: JS loop to join words with a separator</a:t>
+            </a:r>
+          </a:p>
+        </p:txBody>
+      </p:sp>
+      <p:sp>
+        <p:nvSpPr>
+          <p:cNvPr id="4" name="Content Placeholder 5">
+            <a:extLst>
+              <a:ext uri="{FF2B5EF4-FFF2-40B4-BE49-F238E27FC236}">
+                <a16:creationId xmlns:a16="http://schemas.microsoft.com/office/drawing/2014/main" id="{337E67E4-3434-415E-BC19-359C2A12B4C8}"/>
+              </a:ext>
+            </a:extLst>
+          </p:cNvPr>
+          <p:cNvSpPr txBox="1">
+            <a:spLocks/>
+          </p:cNvSpPr>
+          <p:nvPr/>
+        </p:nvSpPr>
+        <p:spPr>
+          <a:xfrm>
+            <a:off x="839788" y="1690688"/>
+            <a:ext cx="10512424" cy="4100512"/>
+          </a:xfrm>
+          <a:prstGeom prst="rect">
+            <a:avLst/>
+          </a:prstGeom>
+        </p:spPr>
+        <p:txBody>
+          <a:bodyPr>
+            <a:normAutofit/>
+          </a:bodyPr>
+          <a:lstStyle>
+            <a:lvl1pPr marL="228600" indent="-228600" algn="l" defTabSz="914400" rtl="0" eaLnBrk="1" latinLnBrk="0" hangingPunct="1">
+              <a:lnSpc>
+                <a:spcPct val="90000"/>
+              </a:lnSpc>
+              <a:spcBef>
+                <a:spcPts val="1000"/>
+              </a:spcBef>
+              <a:buFont typeface="Arial" panose="020B0604020202020204" pitchFamily="34" charset="0"/>
+              <a:buChar char="•"/>
+              <a:defRPr sz="2800" kern="1200">
+                <a:solidFill>
+                  <a:schemeClr val="tx1"/>
+                </a:solidFill>
+                <a:latin typeface="+mn-lt"/>
+                <a:ea typeface="+mn-ea"/>
+                <a:cs typeface="+mn-cs"/>
+              </a:defRPr>
+            </a:lvl1pPr>
+            <a:lvl2pPr marL="685800" indent="-228600" algn="l" defTabSz="914400" rtl="0" eaLnBrk="1" latinLnBrk="0" hangingPunct="1">
+              <a:lnSpc>
+                <a:spcPct val="90000"/>
+              </a:lnSpc>
+              <a:spcBef>
+                <a:spcPts val="500"/>
+              </a:spcBef>
+              <a:buFont typeface="Arial" panose="020B0604020202020204" pitchFamily="34" charset="0"/>
+              <a:buChar char="•"/>
+              <a:defRPr sz="2400" kern="1200">
+                <a:solidFill>
+                  <a:schemeClr val="tx1"/>
+                </a:solidFill>
+                <a:latin typeface="+mn-lt"/>
+                <a:ea typeface="+mn-ea"/>
+                <a:cs typeface="+mn-cs"/>
+              </a:defRPr>
+            </a:lvl2pPr>
+            <a:lvl3pPr marL="1143000" indent="-228600" algn="l" defTabSz="914400" rtl="0" eaLnBrk="1" latinLnBrk="0" hangingPunct="1">
+              <a:lnSpc>
+                <a:spcPct val="90000"/>
+              </a:lnSpc>
+              <a:spcBef>
+                <a:spcPts val="500"/>
+              </a:spcBef>
+              <a:buFont typeface="Arial" panose="020B0604020202020204" pitchFamily="34" charset="0"/>
+              <a:buChar char="•"/>
+              <a:defRPr sz="2000" kern="1200">
+                <a:solidFill>
+                  <a:schemeClr val="tx1"/>
+                </a:solidFill>
+                <a:latin typeface="+mn-lt"/>
+                <a:ea typeface="+mn-ea"/>
+                <a:cs typeface="+mn-cs"/>
+              </a:defRPr>
+            </a:lvl3pPr>
+            <a:lvl4pPr marL="1600200" indent="-228600" algn="l" defTabSz="914400" rtl="0" eaLnBrk="1" latinLnBrk="0" hangingPunct="1">
+              <a:lnSpc>
+                <a:spcPct val="90000"/>
+              </a:lnSpc>
+              <a:spcBef>
+                <a:spcPts val="500"/>
+              </a:spcBef>
+              <a:buFont typeface="Arial" panose="020B0604020202020204" pitchFamily="34" charset="0"/>
+              <a:buChar char="•"/>
+              <a:defRPr sz="1800" kern="1200">
+                <a:solidFill>
+                  <a:schemeClr val="tx1"/>
+                </a:solidFill>
+                <a:latin typeface="+mn-lt"/>
+                <a:ea typeface="+mn-ea"/>
+                <a:cs typeface="+mn-cs"/>
+              </a:defRPr>
+            </a:lvl4pPr>
+            <a:lvl5pPr marL="2057400" indent="-228600" algn="l" defTabSz="914400" rtl="0" eaLnBrk="1" latinLnBrk="0" hangingPunct="1">
+              <a:lnSpc>
+                <a:spcPct val="90000"/>
+              </a:lnSpc>
+              <a:spcBef>
+                <a:spcPts val="500"/>
+              </a:spcBef>
+              <a:buFont typeface="Arial" panose="020B0604020202020204" pitchFamily="34" charset="0"/>
+              <a:buChar char="•"/>
+              <a:defRPr sz="1800" kern="1200">
+                <a:solidFill>
+                  <a:schemeClr val="tx1"/>
+                </a:solidFill>
+                <a:latin typeface="+mn-lt"/>
+                <a:ea typeface="+mn-ea"/>
+                <a:cs typeface="+mn-cs"/>
+              </a:defRPr>
+            </a:lvl5pPr>
+            <a:lvl6pPr marL="2514600" indent="-228600" algn="l" defTabSz="914400" rtl="0" eaLnBrk="1" latinLnBrk="0" hangingPunct="1">
+              <a:lnSpc>
+                <a:spcPct val="90000"/>
+              </a:lnSpc>
+              <a:spcBef>
+                <a:spcPts val="500"/>
+              </a:spcBef>
+              <a:buFont typeface="Arial" panose="020B0604020202020204" pitchFamily="34" charset="0"/>
+              <a:buChar char="•"/>
+              <a:defRPr sz="1800" kern="1200">
+                <a:solidFill>
+                  <a:schemeClr val="tx1"/>
+                </a:solidFill>
+                <a:latin typeface="+mn-lt"/>
+                <a:ea typeface="+mn-ea"/>
+                <a:cs typeface="+mn-cs"/>
+              </a:defRPr>
+            </a:lvl6pPr>
+            <a:lvl7pPr marL="2971800" indent="-228600" algn="l" defTabSz="914400" rtl="0" eaLnBrk="1" latinLnBrk="0" hangingPunct="1">
+              <a:lnSpc>
+                <a:spcPct val="90000"/>
+              </a:lnSpc>
+              <a:spcBef>
+                <a:spcPts val="500"/>
+              </a:spcBef>
+              <a:buFont typeface="Arial" panose="020B0604020202020204" pitchFamily="34" charset="0"/>
+              <a:buChar char="•"/>
+              <a:defRPr sz="1800" kern="1200">
+                <a:solidFill>
+                  <a:schemeClr val="tx1"/>
+                </a:solidFill>
+                <a:latin typeface="+mn-lt"/>
+                <a:ea typeface="+mn-ea"/>
+                <a:cs typeface="+mn-cs"/>
+              </a:defRPr>
+            </a:lvl7pPr>
+            <a:lvl8pPr marL="3429000" indent="-228600" algn="l" defTabSz="914400" rtl="0" eaLnBrk="1" latinLnBrk="0" hangingPunct="1">
+              <a:lnSpc>
+                <a:spcPct val="90000"/>
+              </a:lnSpc>
+              <a:spcBef>
+                <a:spcPts val="500"/>
+              </a:spcBef>
+              <a:buFont typeface="Arial" panose="020B0604020202020204" pitchFamily="34" charset="0"/>
+              <a:buChar char="•"/>
+              <a:defRPr sz="1800" kern="1200">
+                <a:solidFill>
+                  <a:schemeClr val="tx1"/>
+                </a:solidFill>
+                <a:latin typeface="+mn-lt"/>
+                <a:ea typeface="+mn-ea"/>
+                <a:cs typeface="+mn-cs"/>
+              </a:defRPr>
+            </a:lvl8pPr>
+            <a:lvl9pPr marL="3886200" indent="-228600" algn="l" defTabSz="914400" rtl="0" eaLnBrk="1" latinLnBrk="0" hangingPunct="1">
+              <a:lnSpc>
+                <a:spcPct val="90000"/>
+              </a:lnSpc>
+              <a:spcBef>
+                <a:spcPts val="500"/>
+              </a:spcBef>
+              <a:buFont typeface="Arial" panose="020B0604020202020204" pitchFamily="34" charset="0"/>
+              <a:buChar char="•"/>
+              <a:defRPr sz="1800" kern="1200">
+                <a:solidFill>
+                  <a:schemeClr val="tx1"/>
+                </a:solidFill>
+                <a:latin typeface="+mn-lt"/>
+                <a:ea typeface="+mn-ea"/>
+                <a:cs typeface="+mn-cs"/>
+              </a:defRPr>
+            </a:lvl9pPr>
+          </a:lstStyle>
+          <a:p>
+            <a:pPr marL="0" indent="0">
+              <a:buFont typeface="Arial" panose="020B0604020202020204" pitchFamily="34" charset="0"/>
+              <a:buNone/>
+            </a:pPr>
+            <a:r>
+              <a:rPr lang="en-US" sz="2400" b="1" dirty="0">
+                <a:solidFill>
+                  <a:srgbClr val="569CD6"/>
+                </a:solidFill>
+                <a:latin typeface="Consolas" panose="020B0609020204030204" pitchFamily="49" charset="0"/>
+              </a:rPr>
+              <a:t>function</a:t>
+            </a:r>
+            <a:r>
+              <a:rPr lang="en-US" sz="2400" b="1" dirty="0">
+                <a:solidFill>
+                  <a:srgbClr val="D4D4D4"/>
+                </a:solidFill>
+                <a:latin typeface="Consolas" panose="020B0609020204030204" pitchFamily="49" charset="0"/>
+              </a:rPr>
+              <a:t> </a:t>
+            </a:r>
+            <a:r>
+              <a:rPr lang="en-US" sz="2400" b="1" dirty="0">
+                <a:solidFill>
+                  <a:srgbClr val="DCDCAA"/>
+                </a:solidFill>
+                <a:latin typeface="Consolas" panose="020B0609020204030204" pitchFamily="49" charset="0"/>
+              </a:rPr>
+              <a:t>join</a:t>
+            </a:r>
+            <a:r>
+              <a:rPr lang="en-US" sz="2400" b="1" dirty="0">
+                <a:solidFill>
+                  <a:srgbClr val="D4D4D4"/>
+                </a:solidFill>
+                <a:latin typeface="Consolas" panose="020B0609020204030204" pitchFamily="49" charset="0"/>
+              </a:rPr>
+              <a:t>(</a:t>
+            </a:r>
+            <a:r>
+              <a:rPr lang="en-US" sz="2400" b="1" dirty="0" err="1">
+                <a:solidFill>
+                  <a:srgbClr val="9CDCFE"/>
+                </a:solidFill>
+                <a:latin typeface="Consolas" panose="020B0609020204030204" pitchFamily="49" charset="0"/>
+              </a:rPr>
+              <a:t>arr</a:t>
+            </a:r>
+            <a:r>
+              <a:rPr lang="en-US" sz="2400" b="1" dirty="0">
+                <a:solidFill>
+                  <a:srgbClr val="D4D4D4"/>
+                </a:solidFill>
+                <a:latin typeface="Consolas" panose="020B0609020204030204" pitchFamily="49" charset="0"/>
+              </a:rPr>
+              <a:t>, </a:t>
+            </a:r>
+            <a:r>
+              <a:rPr lang="en-US" sz="2400" b="1" dirty="0" err="1">
+                <a:solidFill>
+                  <a:srgbClr val="9CDCFE"/>
+                </a:solidFill>
+                <a:latin typeface="Consolas" panose="020B0609020204030204" pitchFamily="49" charset="0"/>
+              </a:rPr>
+              <a:t>sep</a:t>
+            </a:r>
+            <a:r>
+              <a:rPr lang="en-US" sz="2400" b="1" dirty="0">
+                <a:solidFill>
+                  <a:srgbClr val="D4D4D4"/>
+                </a:solidFill>
+                <a:latin typeface="Consolas" panose="020B0609020204030204" pitchFamily="49" charset="0"/>
+              </a:rPr>
+              <a:t>) {</a:t>
+            </a:r>
+          </a:p>
+          <a:p>
+            <a:pPr marL="457200" lvl="1" indent="0">
+              <a:buFont typeface="Arial" panose="020B0604020202020204" pitchFamily="34" charset="0"/>
+              <a:buNone/>
+            </a:pPr>
+            <a:r>
+              <a:rPr lang="en-US" b="1" dirty="0">
+                <a:solidFill>
+                  <a:srgbClr val="C586C0"/>
+                </a:solidFill>
+                <a:latin typeface="Consolas" panose="020B0609020204030204" pitchFamily="49" charset="0"/>
+              </a:rPr>
+              <a:t>if</a:t>
+            </a:r>
+            <a:r>
+              <a:rPr lang="en-US" b="1" dirty="0">
+                <a:solidFill>
+                  <a:srgbClr val="D4D4D4"/>
+                </a:solidFill>
+                <a:latin typeface="Consolas" panose="020B0609020204030204" pitchFamily="49" charset="0"/>
+              </a:rPr>
+              <a:t> (</a:t>
+            </a:r>
+            <a:r>
+              <a:rPr lang="en-US" b="1" dirty="0" err="1">
+                <a:solidFill>
+                  <a:srgbClr val="9CDCFE"/>
+                </a:solidFill>
+                <a:latin typeface="Consolas" panose="020B0609020204030204" pitchFamily="49" charset="0"/>
+              </a:rPr>
+              <a:t>arr</a:t>
+            </a:r>
+            <a:r>
+              <a:rPr lang="en-US" b="1" dirty="0" err="1">
+                <a:solidFill>
+                  <a:srgbClr val="D4D4D4"/>
+                </a:solidFill>
+                <a:latin typeface="Consolas" panose="020B0609020204030204" pitchFamily="49" charset="0"/>
+              </a:rPr>
+              <a:t>.</a:t>
+            </a:r>
+            <a:r>
+              <a:rPr lang="en-US" b="1" dirty="0" err="1">
+                <a:solidFill>
+                  <a:srgbClr val="9CDCFE"/>
+                </a:solidFill>
+                <a:latin typeface="Consolas" panose="020B0609020204030204" pitchFamily="49" charset="0"/>
+              </a:rPr>
+              <a:t>length</a:t>
+            </a:r>
+            <a:r>
+              <a:rPr lang="en-US" b="1" dirty="0">
+                <a:solidFill>
+                  <a:srgbClr val="D4D4D4"/>
+                </a:solidFill>
+                <a:latin typeface="Consolas" panose="020B0609020204030204" pitchFamily="49" charset="0"/>
+              </a:rPr>
+              <a:t> &gt; </a:t>
+            </a:r>
+            <a:r>
+              <a:rPr lang="en-US" b="1" dirty="0">
+                <a:solidFill>
+                  <a:srgbClr val="B5CEA8"/>
+                </a:solidFill>
+                <a:latin typeface="Consolas" panose="020B0609020204030204" pitchFamily="49" charset="0"/>
+              </a:rPr>
+              <a:t>0</a:t>
+            </a:r>
+            <a:r>
+              <a:rPr lang="en-US" b="1" dirty="0">
+                <a:solidFill>
+                  <a:srgbClr val="D4D4D4"/>
+                </a:solidFill>
+                <a:latin typeface="Consolas" panose="020B0609020204030204" pitchFamily="49" charset="0"/>
+              </a:rPr>
+              <a:t>) {</a:t>
+            </a:r>
+          </a:p>
+          <a:p>
+            <a:pPr marL="914400" lvl="2" indent="0">
+              <a:buFont typeface="Arial" panose="020B0604020202020204" pitchFamily="34" charset="0"/>
+              <a:buNone/>
+            </a:pPr>
+            <a:r>
+              <a:rPr lang="en-US" sz="2400" b="1" dirty="0">
+                <a:solidFill>
+                  <a:srgbClr val="569CD6"/>
+                </a:solidFill>
+                <a:latin typeface="Consolas" panose="020B0609020204030204" pitchFamily="49" charset="0"/>
+              </a:rPr>
+              <a:t>let</a:t>
+            </a:r>
+            <a:r>
+              <a:rPr lang="en-US" sz="2400" b="1" dirty="0">
+                <a:solidFill>
+                  <a:srgbClr val="D4D4D4"/>
+                </a:solidFill>
+                <a:latin typeface="Consolas" panose="020B0609020204030204" pitchFamily="49" charset="0"/>
+              </a:rPr>
+              <a:t> </a:t>
+            </a:r>
+            <a:r>
+              <a:rPr lang="en-US" sz="2400" b="1" dirty="0">
+                <a:solidFill>
+                  <a:srgbClr val="9CDCFE"/>
+                </a:solidFill>
+                <a:latin typeface="Consolas" panose="020B0609020204030204" pitchFamily="49" charset="0"/>
+              </a:rPr>
+              <a:t>value</a:t>
+            </a:r>
+            <a:r>
+              <a:rPr lang="en-US" sz="2400" b="1" dirty="0">
+                <a:solidFill>
+                  <a:srgbClr val="D4D4D4"/>
+                </a:solidFill>
+                <a:latin typeface="Consolas" panose="020B0609020204030204" pitchFamily="49" charset="0"/>
+              </a:rPr>
+              <a:t> = </a:t>
+            </a:r>
+            <a:r>
+              <a:rPr lang="en-US" sz="2400" b="1" dirty="0" err="1">
+                <a:solidFill>
+                  <a:srgbClr val="9CDCFE"/>
+                </a:solidFill>
+                <a:latin typeface="Consolas" panose="020B0609020204030204" pitchFamily="49" charset="0"/>
+              </a:rPr>
+              <a:t>arr</a:t>
+            </a:r>
+            <a:r>
+              <a:rPr lang="en-US" sz="2400" b="1" dirty="0">
+                <a:solidFill>
+                  <a:srgbClr val="D4D4D4"/>
+                </a:solidFill>
+                <a:latin typeface="Consolas" panose="020B0609020204030204" pitchFamily="49" charset="0"/>
+              </a:rPr>
+              <a:t>[</a:t>
+            </a:r>
+            <a:r>
+              <a:rPr lang="en-US" sz="2400" b="1" dirty="0">
+                <a:solidFill>
+                  <a:srgbClr val="B5CEA8"/>
+                </a:solidFill>
+                <a:latin typeface="Consolas" panose="020B0609020204030204" pitchFamily="49" charset="0"/>
+              </a:rPr>
+              <a:t>0</a:t>
+            </a:r>
+            <a:r>
+              <a:rPr lang="en-US" sz="2400" b="1" dirty="0">
+                <a:solidFill>
+                  <a:srgbClr val="D4D4D4"/>
+                </a:solidFill>
+                <a:latin typeface="Consolas" panose="020B0609020204030204" pitchFamily="49" charset="0"/>
+              </a:rPr>
+              <a:t>]</a:t>
+            </a:r>
+          </a:p>
+          <a:p>
+            <a:pPr marL="914400" lvl="2" indent="0">
+              <a:buFont typeface="Arial" panose="020B0604020202020204" pitchFamily="34" charset="0"/>
+              <a:buNone/>
+            </a:pPr>
+            <a:r>
+              <a:rPr lang="en-US" sz="2400" b="1" dirty="0">
+                <a:solidFill>
+                  <a:srgbClr val="C586C0"/>
+                </a:solidFill>
+                <a:latin typeface="Consolas" panose="020B0609020204030204" pitchFamily="49" charset="0"/>
+              </a:rPr>
+              <a:t>for</a:t>
+            </a:r>
+            <a:r>
+              <a:rPr lang="en-US" sz="2400" b="1" dirty="0">
+                <a:solidFill>
+                  <a:srgbClr val="D4D4D4"/>
+                </a:solidFill>
+                <a:latin typeface="Consolas" panose="020B0609020204030204" pitchFamily="49" charset="0"/>
+              </a:rPr>
+              <a:t> (</a:t>
+            </a:r>
+            <a:r>
+              <a:rPr lang="en-US" sz="2400" b="1" dirty="0">
+                <a:solidFill>
+                  <a:srgbClr val="569CD6"/>
+                </a:solidFill>
+                <a:latin typeface="Consolas" panose="020B0609020204030204" pitchFamily="49" charset="0"/>
+              </a:rPr>
+              <a:t>let</a:t>
+            </a:r>
+            <a:r>
+              <a:rPr lang="en-US" sz="2400" b="1" dirty="0">
+                <a:solidFill>
+                  <a:srgbClr val="D4D4D4"/>
+                </a:solidFill>
+                <a:latin typeface="Consolas" panose="020B0609020204030204" pitchFamily="49" charset="0"/>
+              </a:rPr>
+              <a:t> </a:t>
+            </a:r>
+            <a:r>
+              <a:rPr lang="en-US" sz="2400" b="1" dirty="0" err="1">
+                <a:solidFill>
+                  <a:srgbClr val="9CDCFE"/>
+                </a:solidFill>
+                <a:latin typeface="Consolas" panose="020B0609020204030204" pitchFamily="49" charset="0"/>
+              </a:rPr>
+              <a:t>i</a:t>
+            </a:r>
+            <a:r>
+              <a:rPr lang="en-US" sz="2400" b="1" dirty="0">
+                <a:solidFill>
+                  <a:srgbClr val="D4D4D4"/>
+                </a:solidFill>
+                <a:latin typeface="Consolas" panose="020B0609020204030204" pitchFamily="49" charset="0"/>
+              </a:rPr>
+              <a:t> = </a:t>
+            </a:r>
+            <a:r>
+              <a:rPr lang="en-US" sz="2400" b="1" dirty="0">
+                <a:solidFill>
+                  <a:srgbClr val="B5CEA8"/>
+                </a:solidFill>
+                <a:latin typeface="Consolas" panose="020B0609020204030204" pitchFamily="49" charset="0"/>
+              </a:rPr>
+              <a:t>1</a:t>
+            </a:r>
+            <a:r>
+              <a:rPr lang="en-US" sz="2400" b="1" dirty="0">
+                <a:solidFill>
+                  <a:srgbClr val="D4D4D4"/>
+                </a:solidFill>
+                <a:latin typeface="Consolas" panose="020B0609020204030204" pitchFamily="49" charset="0"/>
+              </a:rPr>
+              <a:t>; </a:t>
+            </a:r>
+            <a:r>
+              <a:rPr lang="en-US" sz="2400" b="1" dirty="0" err="1">
+                <a:solidFill>
+                  <a:srgbClr val="9CDCFE"/>
+                </a:solidFill>
+                <a:latin typeface="Consolas" panose="020B0609020204030204" pitchFamily="49" charset="0"/>
+              </a:rPr>
+              <a:t>i</a:t>
+            </a:r>
+            <a:r>
+              <a:rPr lang="en-US" sz="2400" b="1" dirty="0">
+                <a:solidFill>
+                  <a:srgbClr val="D4D4D4"/>
+                </a:solidFill>
+                <a:latin typeface="Consolas" panose="020B0609020204030204" pitchFamily="49" charset="0"/>
+              </a:rPr>
+              <a:t> &lt; </a:t>
+            </a:r>
+            <a:r>
+              <a:rPr lang="en-US" sz="2400" b="1" dirty="0" err="1">
+                <a:solidFill>
+                  <a:srgbClr val="9CDCFE"/>
+                </a:solidFill>
+                <a:latin typeface="Consolas" panose="020B0609020204030204" pitchFamily="49" charset="0"/>
+              </a:rPr>
+              <a:t>arr</a:t>
+            </a:r>
+            <a:r>
+              <a:rPr lang="en-US" sz="2400" b="1" dirty="0" err="1">
+                <a:solidFill>
+                  <a:srgbClr val="D4D4D4"/>
+                </a:solidFill>
+                <a:latin typeface="Consolas" panose="020B0609020204030204" pitchFamily="49" charset="0"/>
+              </a:rPr>
+              <a:t>.</a:t>
+            </a:r>
+            <a:r>
+              <a:rPr lang="en-US" sz="2400" b="1" dirty="0" err="1">
+                <a:solidFill>
+                  <a:srgbClr val="9CDCFE"/>
+                </a:solidFill>
+                <a:latin typeface="Consolas" panose="020B0609020204030204" pitchFamily="49" charset="0"/>
+              </a:rPr>
+              <a:t>length</a:t>
+            </a:r>
+            <a:r>
+              <a:rPr lang="en-US" sz="2400" b="1" dirty="0">
+                <a:solidFill>
+                  <a:srgbClr val="D4D4D4"/>
+                </a:solidFill>
+                <a:latin typeface="Consolas" panose="020B0609020204030204" pitchFamily="49" charset="0"/>
+              </a:rPr>
+              <a:t>; </a:t>
+            </a:r>
+            <a:r>
+              <a:rPr lang="en-US" sz="2400" b="1" dirty="0" err="1">
+                <a:solidFill>
+                  <a:srgbClr val="9CDCFE"/>
+                </a:solidFill>
+                <a:latin typeface="Consolas" panose="020B0609020204030204" pitchFamily="49" charset="0"/>
+              </a:rPr>
+              <a:t>i</a:t>
+            </a:r>
+            <a:r>
+              <a:rPr lang="en-US" sz="2400" b="1" dirty="0">
+                <a:solidFill>
+                  <a:srgbClr val="D4D4D4"/>
+                </a:solidFill>
+                <a:latin typeface="Consolas" panose="020B0609020204030204" pitchFamily="49" charset="0"/>
+              </a:rPr>
+              <a:t>++) {</a:t>
+            </a:r>
+          </a:p>
+          <a:p>
+            <a:pPr marL="914400" lvl="2" indent="0">
+              <a:buFont typeface="Arial" panose="020B0604020202020204" pitchFamily="34" charset="0"/>
+              <a:buNone/>
+            </a:pPr>
+            <a:r>
+              <a:rPr lang="en-US" sz="2400" b="1" dirty="0">
+                <a:solidFill>
+                  <a:srgbClr val="9CDCFE"/>
+                </a:solidFill>
+                <a:latin typeface="Consolas" panose="020B0609020204030204" pitchFamily="49" charset="0"/>
+              </a:rPr>
+              <a:t>	value</a:t>
+            </a:r>
+            <a:r>
+              <a:rPr lang="en-US" sz="2400" b="1" dirty="0">
+                <a:solidFill>
+                  <a:srgbClr val="D4D4D4"/>
+                </a:solidFill>
+                <a:latin typeface="Consolas" panose="020B0609020204030204" pitchFamily="49" charset="0"/>
+              </a:rPr>
+              <a:t> = </a:t>
+            </a:r>
+            <a:r>
+              <a:rPr lang="en-US" sz="2400" b="1" dirty="0">
+                <a:solidFill>
+                  <a:srgbClr val="CE9178"/>
+                </a:solidFill>
+                <a:latin typeface="Consolas" panose="020B0609020204030204" pitchFamily="49" charset="0"/>
+              </a:rPr>
+              <a:t>`</a:t>
+            </a:r>
+            <a:r>
+              <a:rPr lang="en-US" sz="2400" b="1" dirty="0">
+                <a:solidFill>
+                  <a:srgbClr val="569CD6"/>
+                </a:solidFill>
+                <a:latin typeface="Consolas" panose="020B0609020204030204" pitchFamily="49" charset="0"/>
+              </a:rPr>
+              <a:t>${</a:t>
+            </a:r>
+            <a:r>
+              <a:rPr lang="en-US" sz="2400" b="1" dirty="0">
+                <a:solidFill>
+                  <a:srgbClr val="9CDCFE"/>
+                </a:solidFill>
+                <a:latin typeface="Consolas" panose="020B0609020204030204" pitchFamily="49" charset="0"/>
+              </a:rPr>
+              <a:t>value</a:t>
+            </a:r>
+            <a:r>
+              <a:rPr lang="en-US" sz="2400" b="1" dirty="0">
+                <a:solidFill>
+                  <a:srgbClr val="569CD6"/>
+                </a:solidFill>
+                <a:latin typeface="Consolas" panose="020B0609020204030204" pitchFamily="49" charset="0"/>
+              </a:rPr>
+              <a:t>}${</a:t>
+            </a:r>
+            <a:r>
+              <a:rPr lang="en-US" sz="2400" b="1" dirty="0" err="1">
+                <a:solidFill>
+                  <a:srgbClr val="9CDCFE"/>
+                </a:solidFill>
+                <a:latin typeface="Consolas" panose="020B0609020204030204" pitchFamily="49" charset="0"/>
+              </a:rPr>
+              <a:t>sep</a:t>
+            </a:r>
+            <a:r>
+              <a:rPr lang="en-US" sz="2400" b="1" dirty="0">
+                <a:solidFill>
+                  <a:srgbClr val="569CD6"/>
+                </a:solidFill>
+                <a:latin typeface="Consolas" panose="020B0609020204030204" pitchFamily="49" charset="0"/>
+              </a:rPr>
+              <a:t>}${</a:t>
+            </a:r>
+            <a:r>
+              <a:rPr lang="en-US" sz="2400" b="1" dirty="0" err="1">
+                <a:solidFill>
+                  <a:srgbClr val="9CDCFE"/>
+                </a:solidFill>
+                <a:latin typeface="Consolas" panose="020B0609020204030204" pitchFamily="49" charset="0"/>
+              </a:rPr>
+              <a:t>arr</a:t>
+            </a:r>
+            <a:r>
+              <a:rPr lang="en-US" sz="2400" b="1" dirty="0">
+                <a:solidFill>
+                  <a:srgbClr val="D4D4D4"/>
+                </a:solidFill>
+                <a:latin typeface="Consolas" panose="020B0609020204030204" pitchFamily="49" charset="0"/>
+              </a:rPr>
+              <a:t>[</a:t>
+            </a:r>
+            <a:r>
+              <a:rPr lang="en-US" sz="2400" b="1" dirty="0" err="1">
+                <a:solidFill>
+                  <a:srgbClr val="9CDCFE"/>
+                </a:solidFill>
+                <a:latin typeface="Consolas" panose="020B0609020204030204" pitchFamily="49" charset="0"/>
+              </a:rPr>
+              <a:t>i</a:t>
+            </a:r>
+            <a:r>
+              <a:rPr lang="en-US" sz="2400" b="1" dirty="0">
+                <a:solidFill>
+                  <a:srgbClr val="D4D4D4"/>
+                </a:solidFill>
+                <a:latin typeface="Consolas" panose="020B0609020204030204" pitchFamily="49" charset="0"/>
+              </a:rPr>
+              <a:t>]</a:t>
+            </a:r>
+            <a:r>
+              <a:rPr lang="en-US" sz="2400" b="1" dirty="0">
+                <a:solidFill>
+                  <a:srgbClr val="569CD6"/>
+                </a:solidFill>
+                <a:latin typeface="Consolas" panose="020B0609020204030204" pitchFamily="49" charset="0"/>
+              </a:rPr>
+              <a:t>}</a:t>
+            </a:r>
+            <a:r>
+              <a:rPr lang="en-US" sz="2400" b="1" dirty="0">
+                <a:solidFill>
+                  <a:srgbClr val="CE9178"/>
+                </a:solidFill>
+                <a:latin typeface="Consolas" panose="020B0609020204030204" pitchFamily="49" charset="0"/>
+              </a:rPr>
+              <a:t>`</a:t>
+            </a:r>
+            <a:endParaRPr lang="en-US" sz="2400" b="1" dirty="0">
+              <a:solidFill>
+                <a:srgbClr val="D4D4D4"/>
+              </a:solidFill>
+              <a:latin typeface="Consolas" panose="020B0609020204030204" pitchFamily="49" charset="0"/>
+            </a:endParaRPr>
+          </a:p>
+          <a:p>
+            <a:pPr marL="914400" lvl="2" indent="0">
+              <a:buFont typeface="Arial" panose="020B0604020202020204" pitchFamily="34" charset="0"/>
+              <a:buNone/>
+            </a:pPr>
+            <a:r>
+              <a:rPr lang="en-US" sz="2400" b="1" dirty="0">
+                <a:solidFill>
+                  <a:srgbClr val="D4D4D4"/>
+                </a:solidFill>
+                <a:latin typeface="Consolas" panose="020B0609020204030204" pitchFamily="49" charset="0"/>
+              </a:rPr>
+              <a:t>}</a:t>
+            </a:r>
+          </a:p>
+          <a:p>
+            <a:pPr marL="914400" lvl="2" indent="0">
+              <a:buFont typeface="Arial" panose="020B0604020202020204" pitchFamily="34" charset="0"/>
+              <a:buNone/>
+            </a:pPr>
+            <a:r>
+              <a:rPr lang="en-US" sz="2400" b="1" dirty="0">
+                <a:solidFill>
+                  <a:srgbClr val="C586C0"/>
+                </a:solidFill>
+                <a:latin typeface="Consolas" panose="020B0609020204030204" pitchFamily="49" charset="0"/>
+              </a:rPr>
+              <a:t>return</a:t>
+            </a:r>
+            <a:r>
+              <a:rPr lang="en-US" sz="2400" b="1" dirty="0">
+                <a:solidFill>
+                  <a:srgbClr val="D4D4D4"/>
+                </a:solidFill>
+                <a:latin typeface="Consolas" panose="020B0609020204030204" pitchFamily="49" charset="0"/>
+              </a:rPr>
+              <a:t> </a:t>
+            </a:r>
+            <a:r>
+              <a:rPr lang="en-US" sz="2400" b="1" dirty="0">
+                <a:solidFill>
+                  <a:srgbClr val="9CDCFE"/>
+                </a:solidFill>
+                <a:latin typeface="Consolas" panose="020B0609020204030204" pitchFamily="49" charset="0"/>
+              </a:rPr>
+              <a:t>value</a:t>
+            </a:r>
+            <a:endParaRPr lang="en-US" sz="2400" b="1" dirty="0">
+              <a:solidFill>
+                <a:srgbClr val="D4D4D4"/>
+              </a:solidFill>
+              <a:latin typeface="Consolas" panose="020B0609020204030204" pitchFamily="49" charset="0"/>
+            </a:endParaRPr>
+          </a:p>
+          <a:p>
+            <a:pPr marL="457200" lvl="1" indent="0">
+              <a:buFont typeface="Arial" panose="020B0604020202020204" pitchFamily="34" charset="0"/>
+              <a:buNone/>
+            </a:pPr>
+            <a:r>
+              <a:rPr lang="en-US" b="1" dirty="0">
+                <a:solidFill>
+                  <a:srgbClr val="D4D4D4"/>
+                </a:solidFill>
+                <a:latin typeface="Consolas" panose="020B0609020204030204" pitchFamily="49" charset="0"/>
+              </a:rPr>
+              <a:t>}</a:t>
+            </a:r>
+          </a:p>
+          <a:p>
+            <a:pPr marL="457200" lvl="1" indent="0">
+              <a:buFont typeface="Arial" panose="020B0604020202020204" pitchFamily="34" charset="0"/>
+              <a:buNone/>
+            </a:pPr>
+            <a:r>
+              <a:rPr lang="en-US" b="1" dirty="0">
+                <a:solidFill>
+                  <a:srgbClr val="C586C0"/>
+                </a:solidFill>
+                <a:latin typeface="Consolas" panose="020B0609020204030204" pitchFamily="49" charset="0"/>
+              </a:rPr>
+              <a:t>return</a:t>
+            </a:r>
+            <a:r>
+              <a:rPr lang="en-US" b="1" dirty="0">
+                <a:solidFill>
+                  <a:srgbClr val="D4D4D4"/>
+                </a:solidFill>
+                <a:latin typeface="Consolas" panose="020B0609020204030204" pitchFamily="49" charset="0"/>
+              </a:rPr>
+              <a:t> </a:t>
+            </a:r>
+            <a:r>
+              <a:rPr lang="en-US" b="1" dirty="0">
+                <a:solidFill>
+                  <a:srgbClr val="CE9178"/>
+                </a:solidFill>
+                <a:latin typeface="Consolas" panose="020B0609020204030204" pitchFamily="49" charset="0"/>
+              </a:rPr>
+              <a:t>''</a:t>
+            </a:r>
+            <a:endParaRPr lang="en-US" b="1" dirty="0">
+              <a:solidFill>
+                <a:srgbClr val="D4D4D4"/>
+              </a:solidFill>
+              <a:latin typeface="Consolas" panose="020B0609020204030204" pitchFamily="49" charset="0"/>
+            </a:endParaRPr>
+          </a:p>
+          <a:p>
+            <a:pPr marL="0" indent="0">
+              <a:buFont typeface="Arial" panose="020B0604020202020204" pitchFamily="34" charset="0"/>
+              <a:buNone/>
+            </a:pPr>
+            <a:r>
+              <a:rPr lang="en-US" sz="2400" b="1" dirty="0">
+                <a:solidFill>
+                  <a:srgbClr val="D4D4D4"/>
+                </a:solidFill>
+                <a:latin typeface="Consolas" panose="020B0609020204030204" pitchFamily="49" charset="0"/>
+              </a:rPr>
+              <a:t>}</a:t>
+            </a:r>
+          </a:p>
+          <a:p>
+            <a:pPr marL="0" indent="0">
+              <a:buFont typeface="Arial" panose="020B0604020202020204" pitchFamily="34" charset="0"/>
+              <a:buNone/>
+            </a:pPr>
+            <a:endParaRPr lang="en-US" sz="2400" b="1" dirty="0">
+              <a:solidFill>
+                <a:srgbClr val="D4D4D4"/>
+              </a:solidFill>
+              <a:latin typeface="Consolas" panose="020B0609020204030204" pitchFamily="49" charset="0"/>
+            </a:endParaRPr>
+          </a:p>
+        </p:txBody>
+      </p:sp>
+    </p:spTree>
+    <p:extLst>
+      <p:ext uri="{BB962C8B-B14F-4D97-AF65-F5344CB8AC3E}">
+        <p14:creationId xmlns:p14="http://schemas.microsoft.com/office/powerpoint/2010/main" val="4021813410"/>
+      </p:ext>
+    </p:extLst>
+  </p:cSld>
+  <p:clrMapOvr>
+    <a:masterClrMapping/>
+  </p:clrMapOvr>
+</p:sld>
+</file>
+
+<file path=ppt/slides/slide8.xml><?xml version="1.0" encoding="utf-8"?>
+<p:sld xmlns:a="http://schemas.openxmlformats.org/drawingml/2006/main" xmlns:r="http://schemas.openxmlformats.org/officeDocument/2006/relationships" xmlns:p="http://schemas.openxmlformats.org/presentationml/2006/main">
+  <p:cSld>
+    <p:spTree>
+      <p:nvGrpSpPr>
+        <p:cNvPr id="1" name=""/>
+        <p:cNvGrpSpPr/>
+        <p:nvPr/>
+      </p:nvGrpSpPr>
+      <p:grpSpPr>
+        <a:xfrm>
+          <a:off x="0" y="0"/>
+          <a:ext cx="0" cy="0"/>
+          <a:chOff x="0" y="0"/>
+          <a:chExt cx="0" cy="0"/>
+        </a:xfrm>
+      </p:grpSpPr>
+      <p:sp>
+        <p:nvSpPr>
+          <p:cNvPr id="2" name="Title 1">
+            <a:extLst>
+              <a:ext uri="{FF2B5EF4-FFF2-40B4-BE49-F238E27FC236}">
+                <a16:creationId xmlns:a16="http://schemas.microsoft.com/office/drawing/2014/main" id="{6C54719C-55E4-4D32-B623-A8A75455E18C}"/>
+              </a:ext>
+            </a:extLst>
+          </p:cNvPr>
+          <p:cNvSpPr>
+            <a:spLocks noGrp="1"/>
+          </p:cNvSpPr>
+          <p:nvPr>
+            <p:ph type="title"/>
+          </p:nvPr>
+        </p:nvSpPr>
+        <p:spPr/>
+        <p:txBody>
+          <a:bodyPr/>
+          <a:lstStyle/>
+          <a:p>
+            <a:r>
+              <a:rPr lang="en-US" dirty="0"/>
+              <a:t>Example: same function, written using </a:t>
+            </a:r>
+            <a:r>
+              <a:rPr lang="en-US" dirty="0" err="1">
+                <a:solidFill>
+                  <a:schemeClr val="accent2">
+                    <a:lumMod val="60000"/>
+                    <a:lumOff val="40000"/>
+                  </a:schemeClr>
+                </a:solidFill>
+              </a:rPr>
+              <a:t>fun.ts</a:t>
+            </a:r>
+            <a:endParaRPr lang="en-US" dirty="0">
+              <a:solidFill>
+                <a:schemeClr val="accent2">
+                  <a:lumMod val="60000"/>
+                  <a:lumOff val="40000"/>
+                </a:schemeClr>
+              </a:solidFill>
+            </a:endParaRPr>
+          </a:p>
+        </p:txBody>
+      </p:sp>
+      <p:sp>
+        <p:nvSpPr>
+          <p:cNvPr id="4" name="Content Placeholder 7">
+            <a:extLst>
+              <a:ext uri="{FF2B5EF4-FFF2-40B4-BE49-F238E27FC236}">
+                <a16:creationId xmlns:a16="http://schemas.microsoft.com/office/drawing/2014/main" id="{2608E53E-7BCF-417C-B7C4-DA8F7F49ED3D}"/>
+              </a:ext>
+            </a:extLst>
+          </p:cNvPr>
+          <p:cNvSpPr txBox="1">
+            <a:spLocks/>
+          </p:cNvSpPr>
+          <p:nvPr/>
+        </p:nvSpPr>
+        <p:spPr>
+          <a:xfrm>
+            <a:off x="838200" y="1690688"/>
+            <a:ext cx="10515600" cy="4498975"/>
+          </a:xfrm>
+          <a:prstGeom prst="rect">
+            <a:avLst/>
+          </a:prstGeom>
+        </p:spPr>
+        <p:txBody>
+          <a:bodyPr>
+            <a:normAutofit/>
+          </a:bodyPr>
+          <a:lstStyle>
+            <a:lvl1pPr marL="228600" indent="-228600" algn="l" defTabSz="914400" rtl="0" eaLnBrk="1" latinLnBrk="0" hangingPunct="1">
+              <a:lnSpc>
+                <a:spcPct val="90000"/>
+              </a:lnSpc>
+              <a:spcBef>
+                <a:spcPts val="1000"/>
+              </a:spcBef>
+              <a:buFont typeface="Arial" panose="020B0604020202020204" pitchFamily="34" charset="0"/>
+              <a:buChar char="•"/>
+              <a:defRPr sz="2800" kern="1200">
+                <a:solidFill>
+                  <a:schemeClr val="tx1"/>
+                </a:solidFill>
+                <a:latin typeface="+mn-lt"/>
+                <a:ea typeface="+mn-ea"/>
+                <a:cs typeface="+mn-cs"/>
+              </a:defRPr>
+            </a:lvl1pPr>
+            <a:lvl2pPr marL="685800" indent="-228600" algn="l" defTabSz="914400" rtl="0" eaLnBrk="1" latinLnBrk="0" hangingPunct="1">
+              <a:lnSpc>
+                <a:spcPct val="90000"/>
+              </a:lnSpc>
+              <a:spcBef>
+                <a:spcPts val="500"/>
+              </a:spcBef>
+              <a:buFont typeface="Arial" panose="020B0604020202020204" pitchFamily="34" charset="0"/>
+              <a:buChar char="•"/>
+              <a:defRPr sz="2400" kern="1200">
+                <a:solidFill>
+                  <a:schemeClr val="tx1"/>
+                </a:solidFill>
+                <a:latin typeface="+mn-lt"/>
+                <a:ea typeface="+mn-ea"/>
+                <a:cs typeface="+mn-cs"/>
+              </a:defRPr>
+            </a:lvl2pPr>
+            <a:lvl3pPr marL="1143000" indent="-228600" algn="l" defTabSz="914400" rtl="0" eaLnBrk="1" latinLnBrk="0" hangingPunct="1">
+              <a:lnSpc>
+                <a:spcPct val="90000"/>
+              </a:lnSpc>
+              <a:spcBef>
+                <a:spcPts val="500"/>
+              </a:spcBef>
+              <a:buFont typeface="Arial" panose="020B0604020202020204" pitchFamily="34" charset="0"/>
+              <a:buChar char="•"/>
+              <a:defRPr sz="2000" kern="1200">
+                <a:solidFill>
+                  <a:schemeClr val="tx1"/>
+                </a:solidFill>
+                <a:latin typeface="+mn-lt"/>
+                <a:ea typeface="+mn-ea"/>
+                <a:cs typeface="+mn-cs"/>
+              </a:defRPr>
+            </a:lvl3pPr>
+            <a:lvl4pPr marL="1600200" indent="-228600" algn="l" defTabSz="914400" rtl="0" eaLnBrk="1" latinLnBrk="0" hangingPunct="1">
+              <a:lnSpc>
+                <a:spcPct val="90000"/>
+              </a:lnSpc>
+              <a:spcBef>
+                <a:spcPts val="500"/>
+              </a:spcBef>
+              <a:buFont typeface="Arial" panose="020B0604020202020204" pitchFamily="34" charset="0"/>
+              <a:buChar char="•"/>
+              <a:defRPr sz="1800" kern="1200">
+                <a:solidFill>
+                  <a:schemeClr val="tx1"/>
+                </a:solidFill>
+                <a:latin typeface="+mn-lt"/>
+                <a:ea typeface="+mn-ea"/>
+                <a:cs typeface="+mn-cs"/>
+              </a:defRPr>
+            </a:lvl4pPr>
+            <a:lvl5pPr marL="2057400" indent="-228600" algn="l" defTabSz="914400" rtl="0" eaLnBrk="1" latinLnBrk="0" hangingPunct="1">
+              <a:lnSpc>
+                <a:spcPct val="90000"/>
+              </a:lnSpc>
+              <a:spcBef>
+                <a:spcPts val="500"/>
+              </a:spcBef>
+              <a:buFont typeface="Arial" panose="020B0604020202020204" pitchFamily="34" charset="0"/>
+              <a:buChar char="•"/>
+              <a:defRPr sz="1800" kern="1200">
+                <a:solidFill>
+                  <a:schemeClr val="tx1"/>
+                </a:solidFill>
+                <a:latin typeface="+mn-lt"/>
+                <a:ea typeface="+mn-ea"/>
+                <a:cs typeface="+mn-cs"/>
+              </a:defRPr>
+            </a:lvl5pPr>
+            <a:lvl6pPr marL="2514600" indent="-228600" algn="l" defTabSz="914400" rtl="0" eaLnBrk="1" latinLnBrk="0" hangingPunct="1">
+              <a:lnSpc>
+                <a:spcPct val="90000"/>
+              </a:lnSpc>
+              <a:spcBef>
+                <a:spcPts val="500"/>
+              </a:spcBef>
+              <a:buFont typeface="Arial" panose="020B0604020202020204" pitchFamily="34" charset="0"/>
+              <a:buChar char="•"/>
+              <a:defRPr sz="1800" kern="1200">
+                <a:solidFill>
+                  <a:schemeClr val="tx1"/>
+                </a:solidFill>
+                <a:latin typeface="+mn-lt"/>
+                <a:ea typeface="+mn-ea"/>
+                <a:cs typeface="+mn-cs"/>
+              </a:defRPr>
+            </a:lvl6pPr>
+            <a:lvl7pPr marL="2971800" indent="-228600" algn="l" defTabSz="914400" rtl="0" eaLnBrk="1" latinLnBrk="0" hangingPunct="1">
+              <a:lnSpc>
+                <a:spcPct val="90000"/>
+              </a:lnSpc>
+              <a:spcBef>
+                <a:spcPts val="500"/>
+              </a:spcBef>
+              <a:buFont typeface="Arial" panose="020B0604020202020204" pitchFamily="34" charset="0"/>
+              <a:buChar char="•"/>
+              <a:defRPr sz="1800" kern="1200">
+                <a:solidFill>
+                  <a:schemeClr val="tx1"/>
+                </a:solidFill>
+                <a:latin typeface="+mn-lt"/>
+                <a:ea typeface="+mn-ea"/>
+                <a:cs typeface="+mn-cs"/>
+              </a:defRPr>
+            </a:lvl7pPr>
+            <a:lvl8pPr marL="3429000" indent="-228600" algn="l" defTabSz="914400" rtl="0" eaLnBrk="1" latinLnBrk="0" hangingPunct="1">
+              <a:lnSpc>
+                <a:spcPct val="90000"/>
+              </a:lnSpc>
+              <a:spcBef>
+                <a:spcPts val="500"/>
+              </a:spcBef>
+              <a:buFont typeface="Arial" panose="020B0604020202020204" pitchFamily="34" charset="0"/>
+              <a:buChar char="•"/>
+              <a:defRPr sz="1800" kern="1200">
+                <a:solidFill>
+                  <a:schemeClr val="tx1"/>
+                </a:solidFill>
+                <a:latin typeface="+mn-lt"/>
+                <a:ea typeface="+mn-ea"/>
+                <a:cs typeface="+mn-cs"/>
+              </a:defRPr>
+            </a:lvl8pPr>
+            <a:lvl9pPr marL="3886200" indent="-228600" algn="l" defTabSz="914400" rtl="0" eaLnBrk="1" latinLnBrk="0" hangingPunct="1">
+              <a:lnSpc>
+                <a:spcPct val="90000"/>
+              </a:lnSpc>
+              <a:spcBef>
+                <a:spcPts val="500"/>
+              </a:spcBef>
+              <a:buFont typeface="Arial" panose="020B0604020202020204" pitchFamily="34" charset="0"/>
+              <a:buChar char="•"/>
+              <a:defRPr sz="1800" kern="1200">
+                <a:solidFill>
+                  <a:schemeClr val="tx1"/>
+                </a:solidFill>
+                <a:latin typeface="+mn-lt"/>
+                <a:ea typeface="+mn-ea"/>
+                <a:cs typeface="+mn-cs"/>
+              </a:defRPr>
+            </a:lvl9pPr>
+          </a:lstStyle>
+          <a:p>
+            <a:pPr marL="0" indent="0" defTabSz="457200">
+              <a:buFont typeface="Arial" panose="020B0604020202020204" pitchFamily="34" charset="0"/>
+              <a:buNone/>
+            </a:pPr>
+            <a:r>
+              <a:rPr lang="en-US" sz="2400" b="1" dirty="0">
+                <a:solidFill>
+                  <a:srgbClr val="569CD6"/>
+                </a:solidFill>
+                <a:latin typeface="Consolas" panose="020B0609020204030204" pitchFamily="49" charset="0"/>
+              </a:rPr>
+              <a:t>const</a:t>
+            </a:r>
+            <a:r>
+              <a:rPr lang="en-US" sz="2400" b="1" dirty="0">
+                <a:solidFill>
+                  <a:srgbClr val="D4D4D4"/>
+                </a:solidFill>
+                <a:latin typeface="Consolas" panose="020B0609020204030204" pitchFamily="49" charset="0"/>
+              </a:rPr>
+              <a:t> </a:t>
+            </a:r>
+            <a:r>
+              <a:rPr lang="en-US" sz="2400" b="1" dirty="0" err="1">
+                <a:solidFill>
+                  <a:srgbClr val="DCDCAA"/>
+                </a:solidFill>
+                <a:latin typeface="Consolas" panose="020B0609020204030204" pitchFamily="49" charset="0"/>
+              </a:rPr>
+              <a:t>joinPrivate</a:t>
+            </a:r>
+            <a:r>
+              <a:rPr lang="en-US" sz="2400" b="1" dirty="0">
+                <a:solidFill>
+                  <a:srgbClr val="D4D4D4"/>
+                </a:solidFill>
+                <a:latin typeface="Consolas" panose="020B0609020204030204" pitchFamily="49" charset="0"/>
+              </a:rPr>
+              <a:t> = </a:t>
+            </a:r>
+            <a:r>
+              <a:rPr lang="en-US" sz="2400" b="1" dirty="0" err="1">
+                <a:solidFill>
+                  <a:srgbClr val="9CDCFE"/>
+                </a:solidFill>
+                <a:latin typeface="Consolas" panose="020B0609020204030204" pitchFamily="49" charset="0"/>
+              </a:rPr>
+              <a:t>i</a:t>
+            </a:r>
+            <a:r>
+              <a:rPr lang="en-US" sz="2400" b="1" dirty="0">
+                <a:solidFill>
+                  <a:srgbClr val="D4D4D4"/>
+                </a:solidFill>
+                <a:latin typeface="Consolas" panose="020B0609020204030204" pitchFamily="49" charset="0"/>
+              </a:rPr>
+              <a:t> </a:t>
+            </a:r>
+            <a:r>
+              <a:rPr lang="en-US" sz="2400" b="1" dirty="0">
+                <a:solidFill>
+                  <a:srgbClr val="569CD6"/>
+                </a:solidFill>
+                <a:latin typeface="Consolas" panose="020B0609020204030204" pitchFamily="49" charset="0"/>
+              </a:rPr>
+              <a:t>=&gt;</a:t>
+            </a:r>
+            <a:r>
+              <a:rPr lang="en-US" sz="2400" b="1" dirty="0">
+                <a:solidFill>
+                  <a:srgbClr val="D4D4D4"/>
+                </a:solidFill>
+                <a:latin typeface="Consolas" panose="020B0609020204030204" pitchFamily="49" charset="0"/>
+              </a:rPr>
+              <a:t> </a:t>
+            </a:r>
+            <a:r>
+              <a:rPr lang="en-US" sz="2400" b="1" dirty="0" err="1">
+                <a:solidFill>
+                  <a:srgbClr val="9CDCFE"/>
+                </a:solidFill>
+                <a:latin typeface="Consolas" panose="020B0609020204030204" pitchFamily="49" charset="0"/>
+              </a:rPr>
+              <a:t>sep</a:t>
+            </a:r>
+            <a:r>
+              <a:rPr lang="en-US" sz="2400" b="1" dirty="0">
+                <a:solidFill>
+                  <a:srgbClr val="D4D4D4"/>
+                </a:solidFill>
+                <a:latin typeface="Consolas" panose="020B0609020204030204" pitchFamily="49" charset="0"/>
+              </a:rPr>
+              <a:t> </a:t>
+            </a:r>
+            <a:r>
+              <a:rPr lang="en-US" sz="2400" b="1" dirty="0">
+                <a:solidFill>
+                  <a:srgbClr val="569CD6"/>
+                </a:solidFill>
+                <a:latin typeface="Consolas" panose="020B0609020204030204" pitchFamily="49" charset="0"/>
+              </a:rPr>
+              <a:t>=&gt;</a:t>
+            </a:r>
+            <a:r>
+              <a:rPr lang="en-US" sz="2400" b="1" dirty="0">
+                <a:solidFill>
+                  <a:srgbClr val="D4D4D4"/>
+                </a:solidFill>
+                <a:latin typeface="Consolas" panose="020B0609020204030204" pitchFamily="49" charset="0"/>
+              </a:rPr>
+              <a:t> </a:t>
+            </a:r>
+            <a:r>
+              <a:rPr lang="en-US" sz="2400" b="1" dirty="0" err="1">
+                <a:solidFill>
+                  <a:srgbClr val="9CDCFE"/>
+                </a:solidFill>
+                <a:latin typeface="Consolas" panose="020B0609020204030204" pitchFamily="49" charset="0"/>
+              </a:rPr>
+              <a:t>arr</a:t>
+            </a:r>
+            <a:r>
+              <a:rPr lang="en-US" sz="2400" b="1" dirty="0">
+                <a:solidFill>
+                  <a:srgbClr val="D4D4D4"/>
+                </a:solidFill>
+                <a:latin typeface="Consolas" panose="020B0609020204030204" pitchFamily="49" charset="0"/>
+              </a:rPr>
+              <a:t> </a:t>
+            </a:r>
+            <a:r>
+              <a:rPr lang="en-US" sz="2400" b="1" dirty="0">
+                <a:solidFill>
+                  <a:srgbClr val="569CD6"/>
+                </a:solidFill>
+                <a:latin typeface="Consolas" panose="020B0609020204030204" pitchFamily="49" charset="0"/>
+              </a:rPr>
+              <a:t>=&gt;</a:t>
+            </a:r>
+            <a:endParaRPr lang="en-US" sz="2400" b="1" dirty="0">
+              <a:solidFill>
+                <a:srgbClr val="D4D4D4"/>
+              </a:solidFill>
+              <a:latin typeface="Consolas" panose="020B0609020204030204" pitchFamily="49" charset="0"/>
+            </a:endParaRPr>
+          </a:p>
+          <a:p>
+            <a:pPr marL="457200" lvl="1" indent="0" defTabSz="457200">
+              <a:buFont typeface="Arial" panose="020B0604020202020204" pitchFamily="34" charset="0"/>
+              <a:buNone/>
+            </a:pPr>
+            <a:r>
+              <a:rPr lang="en-US" b="1" dirty="0" err="1">
+                <a:solidFill>
+                  <a:srgbClr val="9CDCFE"/>
+                </a:solidFill>
+                <a:latin typeface="Consolas" panose="020B0609020204030204" pitchFamily="49" charset="0"/>
+              </a:rPr>
+              <a:t>i</a:t>
+            </a:r>
+            <a:r>
+              <a:rPr lang="en-US" b="1" dirty="0">
+                <a:solidFill>
+                  <a:srgbClr val="D4D4D4"/>
+                </a:solidFill>
+                <a:latin typeface="Consolas" panose="020B0609020204030204" pitchFamily="49" charset="0"/>
+              </a:rPr>
+              <a:t> &lt; (</a:t>
+            </a:r>
+            <a:r>
+              <a:rPr lang="en-US" b="1" dirty="0" err="1">
+                <a:solidFill>
+                  <a:srgbClr val="9CDCFE"/>
+                </a:solidFill>
+                <a:latin typeface="Consolas" panose="020B0609020204030204" pitchFamily="49" charset="0"/>
+              </a:rPr>
+              <a:t>arr</a:t>
+            </a:r>
+            <a:r>
+              <a:rPr lang="en-US" b="1" dirty="0" err="1">
+                <a:solidFill>
+                  <a:srgbClr val="D4D4D4"/>
+                </a:solidFill>
+                <a:latin typeface="Consolas" panose="020B0609020204030204" pitchFamily="49" charset="0"/>
+              </a:rPr>
+              <a:t>.</a:t>
+            </a:r>
+            <a:r>
+              <a:rPr lang="en-US" b="1" dirty="0" err="1">
+                <a:solidFill>
+                  <a:srgbClr val="9CDCFE"/>
+                </a:solidFill>
+                <a:latin typeface="Consolas" panose="020B0609020204030204" pitchFamily="49" charset="0"/>
+              </a:rPr>
+              <a:t>length</a:t>
+            </a:r>
+            <a:r>
+              <a:rPr lang="en-US" b="1" dirty="0">
+                <a:solidFill>
+                  <a:srgbClr val="D4D4D4"/>
+                </a:solidFill>
+                <a:latin typeface="Consolas" panose="020B0609020204030204" pitchFamily="49" charset="0"/>
+              </a:rPr>
+              <a:t> - </a:t>
+            </a:r>
+            <a:r>
+              <a:rPr lang="en-US" b="1" dirty="0">
+                <a:solidFill>
+                  <a:srgbClr val="B5CEA8"/>
+                </a:solidFill>
+                <a:latin typeface="Consolas" panose="020B0609020204030204" pitchFamily="49" charset="0"/>
+              </a:rPr>
+              <a:t>1</a:t>
+            </a:r>
+            <a:r>
+              <a:rPr lang="en-US" b="1" dirty="0">
+                <a:solidFill>
+                  <a:srgbClr val="D4D4D4"/>
+                </a:solidFill>
+                <a:latin typeface="Consolas" panose="020B0609020204030204" pitchFamily="49" charset="0"/>
+              </a:rPr>
+              <a:t>) ? </a:t>
+            </a:r>
+          </a:p>
+          <a:p>
+            <a:pPr marL="0" indent="0">
+              <a:buFont typeface="Arial" panose="020B0604020202020204" pitchFamily="34" charset="0"/>
+              <a:buNone/>
+            </a:pPr>
+            <a:r>
+              <a:rPr lang="en-US" sz="2400" b="1" dirty="0">
+                <a:solidFill>
+                  <a:srgbClr val="CE9178"/>
+                </a:solidFill>
+                <a:latin typeface="Consolas" panose="020B0609020204030204" pitchFamily="49" charset="0"/>
+              </a:rPr>
+              <a:t>	`</a:t>
+            </a:r>
+            <a:r>
+              <a:rPr lang="en-US" sz="2400" b="1" dirty="0">
+                <a:solidFill>
+                  <a:srgbClr val="569CD6"/>
+                </a:solidFill>
+                <a:latin typeface="Consolas" panose="020B0609020204030204" pitchFamily="49" charset="0"/>
+              </a:rPr>
+              <a:t>${</a:t>
+            </a:r>
+            <a:r>
+              <a:rPr lang="en-US" sz="2400" b="1" dirty="0" err="1">
+                <a:solidFill>
+                  <a:srgbClr val="9CDCFE"/>
+                </a:solidFill>
+                <a:latin typeface="Consolas" panose="020B0609020204030204" pitchFamily="49" charset="0"/>
+              </a:rPr>
+              <a:t>arr</a:t>
+            </a:r>
+            <a:r>
+              <a:rPr lang="en-US" sz="2400" b="1" dirty="0">
+                <a:solidFill>
+                  <a:srgbClr val="D4D4D4"/>
+                </a:solidFill>
+                <a:latin typeface="Consolas" panose="020B0609020204030204" pitchFamily="49" charset="0"/>
+              </a:rPr>
+              <a:t>[</a:t>
+            </a:r>
+            <a:r>
+              <a:rPr lang="en-US" sz="2400" b="1" dirty="0" err="1">
+                <a:solidFill>
+                  <a:srgbClr val="9CDCFE"/>
+                </a:solidFill>
+                <a:latin typeface="Consolas" panose="020B0609020204030204" pitchFamily="49" charset="0"/>
+              </a:rPr>
+              <a:t>i</a:t>
+            </a:r>
+            <a:r>
+              <a:rPr lang="en-US" sz="2400" b="1" dirty="0">
+                <a:solidFill>
+                  <a:srgbClr val="D4D4D4"/>
+                </a:solidFill>
+                <a:latin typeface="Consolas" panose="020B0609020204030204" pitchFamily="49" charset="0"/>
+              </a:rPr>
+              <a:t>]</a:t>
+            </a:r>
+            <a:r>
+              <a:rPr lang="en-US" sz="2400" b="1" dirty="0">
+                <a:solidFill>
+                  <a:srgbClr val="569CD6"/>
+                </a:solidFill>
+                <a:latin typeface="Consolas" panose="020B0609020204030204" pitchFamily="49" charset="0"/>
+              </a:rPr>
+              <a:t>}${</a:t>
+            </a:r>
+            <a:r>
+              <a:rPr lang="en-US" sz="2400" b="1" dirty="0" err="1">
+                <a:solidFill>
+                  <a:srgbClr val="9CDCFE"/>
+                </a:solidFill>
+                <a:latin typeface="Consolas" panose="020B0609020204030204" pitchFamily="49" charset="0"/>
+              </a:rPr>
+              <a:t>sep</a:t>
+            </a:r>
+            <a:r>
+              <a:rPr lang="en-US" sz="2400" b="1" dirty="0">
+                <a:solidFill>
+                  <a:srgbClr val="569CD6"/>
+                </a:solidFill>
+                <a:latin typeface="Consolas" panose="020B0609020204030204" pitchFamily="49" charset="0"/>
+              </a:rPr>
+              <a:t>}${</a:t>
+            </a:r>
+            <a:r>
+              <a:rPr lang="en-US" sz="2400" b="1" dirty="0" err="1">
+                <a:solidFill>
+                  <a:srgbClr val="DCDCAA"/>
+                </a:solidFill>
+                <a:latin typeface="Consolas" panose="020B0609020204030204" pitchFamily="49" charset="0"/>
+              </a:rPr>
+              <a:t>joinPrivate</a:t>
+            </a:r>
+            <a:r>
+              <a:rPr lang="en-US" sz="2400" b="1" dirty="0">
+                <a:solidFill>
+                  <a:srgbClr val="D4D4D4"/>
+                </a:solidFill>
+                <a:latin typeface="Consolas" panose="020B0609020204030204" pitchFamily="49" charset="0"/>
+              </a:rPr>
+              <a:t>(</a:t>
+            </a:r>
+            <a:r>
+              <a:rPr lang="en-US" sz="2400" b="1" dirty="0" err="1">
+                <a:solidFill>
+                  <a:srgbClr val="9CDCFE"/>
+                </a:solidFill>
+                <a:latin typeface="Consolas" panose="020B0609020204030204" pitchFamily="49" charset="0"/>
+              </a:rPr>
+              <a:t>i</a:t>
+            </a:r>
+            <a:r>
+              <a:rPr lang="en-US" sz="2400" b="1" dirty="0">
+                <a:solidFill>
+                  <a:srgbClr val="D4D4D4"/>
+                </a:solidFill>
+                <a:latin typeface="Consolas" panose="020B0609020204030204" pitchFamily="49" charset="0"/>
+              </a:rPr>
+              <a:t> + </a:t>
+            </a:r>
+            <a:r>
+              <a:rPr lang="en-US" sz="2400" b="1" dirty="0">
+                <a:solidFill>
+                  <a:srgbClr val="B5CEA8"/>
+                </a:solidFill>
+                <a:latin typeface="Consolas" panose="020B0609020204030204" pitchFamily="49" charset="0"/>
+              </a:rPr>
+              <a:t>1</a:t>
+            </a:r>
+            <a:r>
+              <a:rPr lang="en-US" sz="2400" b="1" dirty="0">
+                <a:solidFill>
+                  <a:srgbClr val="D4D4D4"/>
+                </a:solidFill>
+                <a:latin typeface="Consolas" panose="020B0609020204030204" pitchFamily="49" charset="0"/>
+              </a:rPr>
+              <a:t>)(</a:t>
+            </a:r>
+            <a:r>
+              <a:rPr lang="en-US" sz="2400" b="1" dirty="0" err="1">
+                <a:solidFill>
+                  <a:srgbClr val="9CDCFE"/>
+                </a:solidFill>
+                <a:latin typeface="Consolas" panose="020B0609020204030204" pitchFamily="49" charset="0"/>
+              </a:rPr>
+              <a:t>sep</a:t>
+            </a:r>
+            <a:r>
+              <a:rPr lang="en-US" sz="2400" b="1" dirty="0">
+                <a:solidFill>
+                  <a:srgbClr val="D4D4D4"/>
+                </a:solidFill>
+                <a:latin typeface="Consolas" panose="020B0609020204030204" pitchFamily="49" charset="0"/>
+              </a:rPr>
+              <a:t>)(</a:t>
+            </a:r>
+            <a:r>
+              <a:rPr lang="en-US" sz="2400" b="1" dirty="0" err="1">
+                <a:solidFill>
+                  <a:srgbClr val="9CDCFE"/>
+                </a:solidFill>
+                <a:latin typeface="Consolas" panose="020B0609020204030204" pitchFamily="49" charset="0"/>
+              </a:rPr>
+              <a:t>arr</a:t>
+            </a:r>
+            <a:r>
+              <a:rPr lang="en-US" sz="2400" b="1" dirty="0">
+                <a:solidFill>
+                  <a:srgbClr val="D4D4D4"/>
+                </a:solidFill>
+                <a:latin typeface="Consolas" panose="020B0609020204030204" pitchFamily="49" charset="0"/>
+              </a:rPr>
+              <a:t>)</a:t>
+            </a:r>
+            <a:r>
+              <a:rPr lang="en-US" sz="2400" b="1" dirty="0">
+                <a:solidFill>
+                  <a:srgbClr val="569CD6"/>
+                </a:solidFill>
+                <a:latin typeface="Consolas" panose="020B0609020204030204" pitchFamily="49" charset="0"/>
+              </a:rPr>
+              <a:t>}</a:t>
+            </a:r>
+            <a:r>
+              <a:rPr lang="en-US" sz="2400" b="1" dirty="0">
+                <a:solidFill>
+                  <a:srgbClr val="CE9178"/>
+                </a:solidFill>
+                <a:latin typeface="Consolas" panose="020B0609020204030204" pitchFamily="49" charset="0"/>
+              </a:rPr>
+              <a:t>`</a:t>
+            </a:r>
+            <a:r>
+              <a:rPr lang="en-US" sz="2400" b="1" dirty="0">
+                <a:solidFill>
+                  <a:srgbClr val="D4D4D4"/>
+                </a:solidFill>
+                <a:latin typeface="Consolas" panose="020B0609020204030204" pitchFamily="49" charset="0"/>
+              </a:rPr>
+              <a:t> :</a:t>
+            </a:r>
+          </a:p>
+          <a:p>
+            <a:pPr marL="914400" lvl="2" indent="0" defTabSz="457200">
+              <a:buFont typeface="Arial" panose="020B0604020202020204" pitchFamily="34" charset="0"/>
+              <a:buNone/>
+            </a:pPr>
+            <a:r>
+              <a:rPr lang="en-US" sz="2400" b="1" dirty="0" err="1">
+                <a:solidFill>
+                  <a:srgbClr val="9CDCFE"/>
+                </a:solidFill>
+                <a:latin typeface="Consolas" panose="020B0609020204030204" pitchFamily="49" charset="0"/>
+              </a:rPr>
+              <a:t>arr</a:t>
+            </a:r>
+            <a:r>
+              <a:rPr lang="en-US" sz="2400" b="1" dirty="0">
+                <a:solidFill>
+                  <a:srgbClr val="D4D4D4"/>
+                </a:solidFill>
+                <a:latin typeface="Consolas" panose="020B0609020204030204" pitchFamily="49" charset="0"/>
+              </a:rPr>
+              <a:t>[</a:t>
+            </a:r>
+            <a:r>
+              <a:rPr lang="en-US" sz="2400" b="1" dirty="0" err="1">
+                <a:solidFill>
+                  <a:srgbClr val="9CDCFE"/>
+                </a:solidFill>
+                <a:latin typeface="Consolas" panose="020B0609020204030204" pitchFamily="49" charset="0"/>
+              </a:rPr>
+              <a:t>i</a:t>
+            </a:r>
+            <a:r>
+              <a:rPr lang="en-US" sz="2400" b="1" dirty="0">
+                <a:solidFill>
+                  <a:srgbClr val="D4D4D4"/>
+                </a:solidFill>
+                <a:latin typeface="Consolas" panose="020B0609020204030204" pitchFamily="49" charset="0"/>
+              </a:rPr>
+              <a:t>]</a:t>
+            </a:r>
+          </a:p>
+          <a:p>
+            <a:pPr marL="0" indent="0" defTabSz="457200">
+              <a:buFont typeface="Arial" panose="020B0604020202020204" pitchFamily="34" charset="0"/>
+              <a:buNone/>
+            </a:pPr>
+            <a:br>
+              <a:rPr lang="en-US" sz="2400" b="1" dirty="0">
+                <a:solidFill>
+                  <a:srgbClr val="D4D4D4"/>
+                </a:solidFill>
+                <a:latin typeface="Consolas" panose="020B0609020204030204" pitchFamily="49" charset="0"/>
+              </a:rPr>
+            </a:br>
+            <a:r>
+              <a:rPr lang="en-US" sz="2400" b="1" dirty="0">
+                <a:solidFill>
+                  <a:srgbClr val="569CD6"/>
+                </a:solidFill>
+                <a:latin typeface="Consolas" panose="020B0609020204030204" pitchFamily="49" charset="0"/>
+              </a:rPr>
+              <a:t>const</a:t>
+            </a:r>
+            <a:r>
+              <a:rPr lang="en-US" sz="2400" b="1" dirty="0">
+                <a:solidFill>
+                  <a:srgbClr val="D4D4D4"/>
+                </a:solidFill>
+                <a:latin typeface="Consolas" panose="020B0609020204030204" pitchFamily="49" charset="0"/>
+              </a:rPr>
+              <a:t> </a:t>
+            </a:r>
+            <a:r>
+              <a:rPr lang="en-US" sz="2400" b="1" dirty="0">
+                <a:solidFill>
+                  <a:srgbClr val="DCDCAA"/>
+                </a:solidFill>
+                <a:latin typeface="Consolas" panose="020B0609020204030204" pitchFamily="49" charset="0"/>
+              </a:rPr>
+              <a:t>join</a:t>
+            </a:r>
+            <a:r>
+              <a:rPr lang="en-US" sz="2400" b="1" dirty="0">
+                <a:solidFill>
+                  <a:srgbClr val="D4D4D4"/>
+                </a:solidFill>
+                <a:latin typeface="Consolas" panose="020B0609020204030204" pitchFamily="49" charset="0"/>
+              </a:rPr>
+              <a:t> = </a:t>
+            </a:r>
+            <a:r>
+              <a:rPr lang="en-US" sz="2400" b="1" dirty="0" err="1">
+                <a:solidFill>
+                  <a:srgbClr val="9CDCFE"/>
+                </a:solidFill>
+                <a:latin typeface="Consolas" panose="020B0609020204030204" pitchFamily="49" charset="0"/>
+              </a:rPr>
+              <a:t>sep</a:t>
+            </a:r>
+            <a:r>
+              <a:rPr lang="en-US" sz="2400" b="1" dirty="0">
+                <a:solidFill>
+                  <a:srgbClr val="D4D4D4"/>
+                </a:solidFill>
+                <a:latin typeface="Consolas" panose="020B0609020204030204" pitchFamily="49" charset="0"/>
+              </a:rPr>
+              <a:t> </a:t>
+            </a:r>
+            <a:r>
+              <a:rPr lang="en-US" sz="2400" b="1" dirty="0">
+                <a:solidFill>
+                  <a:srgbClr val="569CD6"/>
+                </a:solidFill>
+                <a:latin typeface="Consolas" panose="020B0609020204030204" pitchFamily="49" charset="0"/>
+              </a:rPr>
+              <a:t>=&gt;</a:t>
+            </a:r>
+            <a:r>
+              <a:rPr lang="en-US" sz="2400" b="1" dirty="0">
+                <a:solidFill>
+                  <a:srgbClr val="D4D4D4"/>
+                </a:solidFill>
+                <a:latin typeface="Consolas" panose="020B0609020204030204" pitchFamily="49" charset="0"/>
+              </a:rPr>
+              <a:t> </a:t>
+            </a:r>
+            <a:r>
+              <a:rPr lang="en-US" sz="2400" b="1" dirty="0" err="1">
+                <a:solidFill>
+                  <a:srgbClr val="9CDCFE"/>
+                </a:solidFill>
+                <a:latin typeface="Consolas" panose="020B0609020204030204" pitchFamily="49" charset="0"/>
+              </a:rPr>
+              <a:t>arr</a:t>
+            </a:r>
+            <a:r>
+              <a:rPr lang="en-US" sz="2400" b="1" dirty="0">
+                <a:solidFill>
+                  <a:srgbClr val="D4D4D4"/>
+                </a:solidFill>
+                <a:latin typeface="Consolas" panose="020B0609020204030204" pitchFamily="49" charset="0"/>
+              </a:rPr>
+              <a:t> </a:t>
+            </a:r>
+            <a:r>
+              <a:rPr lang="en-US" sz="2400" b="1" dirty="0">
+                <a:solidFill>
+                  <a:srgbClr val="569CD6"/>
+                </a:solidFill>
+                <a:latin typeface="Consolas" panose="020B0609020204030204" pitchFamily="49" charset="0"/>
+              </a:rPr>
+              <a:t>=&gt;</a:t>
+            </a:r>
+            <a:endParaRPr lang="en-US" sz="2400" b="1" dirty="0">
+              <a:solidFill>
+                <a:srgbClr val="D4D4D4"/>
+              </a:solidFill>
+              <a:latin typeface="Consolas" panose="020B0609020204030204" pitchFamily="49" charset="0"/>
+            </a:endParaRPr>
+          </a:p>
+          <a:p>
+            <a:pPr marL="457200" lvl="1" indent="0" defTabSz="457200">
+              <a:buNone/>
+            </a:pPr>
+            <a:r>
+              <a:rPr lang="en-US" b="1" dirty="0" err="1">
+                <a:solidFill>
+                  <a:srgbClr val="9CDCFE"/>
+                </a:solidFill>
+                <a:latin typeface="Consolas" panose="020B0609020204030204" pitchFamily="49" charset="0"/>
+              </a:rPr>
+              <a:t>arr</a:t>
+            </a:r>
+            <a:r>
+              <a:rPr lang="en-US" b="1" dirty="0" err="1">
+                <a:solidFill>
+                  <a:srgbClr val="D4D4D4"/>
+                </a:solidFill>
+                <a:latin typeface="Consolas" panose="020B0609020204030204" pitchFamily="49" charset="0"/>
+              </a:rPr>
+              <a:t>.</a:t>
+            </a:r>
+            <a:r>
+              <a:rPr lang="en-US" b="1" dirty="0" err="1">
+                <a:solidFill>
+                  <a:srgbClr val="9CDCFE"/>
+                </a:solidFill>
+                <a:latin typeface="Consolas" panose="020B0609020204030204" pitchFamily="49" charset="0"/>
+              </a:rPr>
+              <a:t>length</a:t>
+            </a:r>
+            <a:r>
+              <a:rPr lang="en-US" b="1" dirty="0">
+                <a:solidFill>
+                  <a:srgbClr val="D4D4D4"/>
+                </a:solidFill>
+                <a:latin typeface="Consolas" panose="020B0609020204030204" pitchFamily="49" charset="0"/>
+              </a:rPr>
+              <a:t> === </a:t>
+            </a:r>
+            <a:r>
+              <a:rPr lang="en-US" b="1" dirty="0">
+                <a:solidFill>
+                  <a:srgbClr val="B5CEA8"/>
+                </a:solidFill>
+                <a:latin typeface="Consolas" panose="020B0609020204030204" pitchFamily="49" charset="0"/>
+              </a:rPr>
+              <a:t>0</a:t>
+            </a:r>
+            <a:r>
+              <a:rPr lang="en-US" b="1" dirty="0">
+                <a:solidFill>
+                  <a:srgbClr val="D4D4D4"/>
+                </a:solidFill>
+                <a:latin typeface="Consolas" panose="020B0609020204030204" pitchFamily="49" charset="0"/>
+              </a:rPr>
+              <a:t> ? </a:t>
+            </a:r>
+            <a:r>
+              <a:rPr lang="en-US" b="1" dirty="0">
+                <a:solidFill>
+                  <a:srgbClr val="CE9178"/>
+                </a:solidFill>
+                <a:latin typeface="Consolas" panose="020B0609020204030204" pitchFamily="49" charset="0"/>
+              </a:rPr>
+              <a:t>''</a:t>
+            </a:r>
+            <a:r>
+              <a:rPr lang="en-US" b="1" dirty="0">
+                <a:solidFill>
+                  <a:srgbClr val="D4D4D4"/>
+                </a:solidFill>
+                <a:latin typeface="Consolas" panose="020B0609020204030204" pitchFamily="49" charset="0"/>
+              </a:rPr>
+              <a:t> : </a:t>
+            </a:r>
+          </a:p>
+          <a:p>
+            <a:pPr marL="457200" lvl="1" indent="0" defTabSz="457200">
+              <a:buFont typeface="Arial" panose="020B0604020202020204" pitchFamily="34" charset="0"/>
+              <a:buNone/>
+            </a:pPr>
+            <a:r>
+              <a:rPr lang="en-US" b="1" dirty="0" err="1">
+                <a:solidFill>
+                  <a:srgbClr val="9CDCFE"/>
+                </a:solidFill>
+                <a:latin typeface="Consolas" panose="020B0609020204030204" pitchFamily="49" charset="0"/>
+              </a:rPr>
+              <a:t>arr</a:t>
+            </a:r>
+            <a:r>
+              <a:rPr lang="en-US" b="1" dirty="0" err="1">
+                <a:solidFill>
+                  <a:srgbClr val="D4D4D4"/>
+                </a:solidFill>
+                <a:latin typeface="Consolas" panose="020B0609020204030204" pitchFamily="49" charset="0"/>
+              </a:rPr>
+              <a:t>.</a:t>
+            </a:r>
+            <a:r>
+              <a:rPr lang="en-US" b="1" dirty="0" err="1">
+                <a:solidFill>
+                  <a:srgbClr val="9CDCFE"/>
+                </a:solidFill>
+                <a:latin typeface="Consolas" panose="020B0609020204030204" pitchFamily="49" charset="0"/>
+              </a:rPr>
+              <a:t>length</a:t>
+            </a:r>
+            <a:r>
+              <a:rPr lang="en-US" b="1" dirty="0">
+                <a:solidFill>
+                  <a:srgbClr val="D4D4D4"/>
+                </a:solidFill>
+                <a:latin typeface="Consolas" panose="020B0609020204030204" pitchFamily="49" charset="0"/>
+              </a:rPr>
+              <a:t> === </a:t>
+            </a:r>
+            <a:r>
+              <a:rPr lang="en-US" b="1" dirty="0">
+                <a:solidFill>
+                  <a:srgbClr val="B5CEA8"/>
+                </a:solidFill>
+                <a:latin typeface="Consolas" panose="020B0609020204030204" pitchFamily="49" charset="0"/>
+              </a:rPr>
+              <a:t>1</a:t>
+            </a:r>
+            <a:r>
+              <a:rPr lang="en-US" b="1" dirty="0">
+                <a:solidFill>
+                  <a:srgbClr val="D4D4D4"/>
+                </a:solidFill>
+                <a:latin typeface="Consolas" panose="020B0609020204030204" pitchFamily="49" charset="0"/>
+              </a:rPr>
+              <a:t> ? </a:t>
+            </a:r>
+            <a:r>
+              <a:rPr lang="en-US" b="1" dirty="0" err="1">
+                <a:solidFill>
+                  <a:srgbClr val="9CDCFE"/>
+                </a:solidFill>
+                <a:latin typeface="Consolas" panose="020B0609020204030204" pitchFamily="49" charset="0"/>
+              </a:rPr>
+              <a:t>arr</a:t>
+            </a:r>
+            <a:r>
+              <a:rPr lang="en-US" b="1" dirty="0">
+                <a:solidFill>
+                  <a:srgbClr val="D4D4D4"/>
+                </a:solidFill>
+                <a:latin typeface="Consolas" panose="020B0609020204030204" pitchFamily="49" charset="0"/>
+              </a:rPr>
+              <a:t>[</a:t>
+            </a:r>
+            <a:r>
+              <a:rPr lang="en-US" b="1" dirty="0">
+                <a:solidFill>
+                  <a:srgbClr val="B5CEA8"/>
+                </a:solidFill>
+                <a:latin typeface="Consolas" panose="020B0609020204030204" pitchFamily="49" charset="0"/>
+              </a:rPr>
+              <a:t>0</a:t>
+            </a:r>
+            <a:r>
+              <a:rPr lang="en-US" b="1" dirty="0">
+                <a:solidFill>
+                  <a:srgbClr val="D4D4D4"/>
+                </a:solidFill>
+                <a:latin typeface="Consolas" panose="020B0609020204030204" pitchFamily="49" charset="0"/>
+              </a:rPr>
+              <a:t>] : </a:t>
+            </a:r>
+            <a:r>
+              <a:rPr lang="en-US" b="1" dirty="0" err="1">
+                <a:solidFill>
+                  <a:srgbClr val="DCDCAA"/>
+                </a:solidFill>
+                <a:latin typeface="Consolas" panose="020B0609020204030204" pitchFamily="49" charset="0"/>
+              </a:rPr>
+              <a:t>joinPrivate</a:t>
+            </a:r>
+            <a:r>
+              <a:rPr lang="en-US" b="1" dirty="0">
+                <a:solidFill>
+                  <a:srgbClr val="D4D4D4"/>
+                </a:solidFill>
+                <a:latin typeface="Consolas" panose="020B0609020204030204" pitchFamily="49" charset="0"/>
+              </a:rPr>
+              <a:t>(</a:t>
+            </a:r>
+            <a:r>
+              <a:rPr lang="en-US" b="1" dirty="0">
+                <a:solidFill>
+                  <a:srgbClr val="B5CEA8"/>
+                </a:solidFill>
+                <a:latin typeface="Consolas" panose="020B0609020204030204" pitchFamily="49" charset="0"/>
+              </a:rPr>
+              <a:t>0</a:t>
+            </a:r>
+            <a:r>
+              <a:rPr lang="en-US" b="1" dirty="0">
+                <a:solidFill>
+                  <a:srgbClr val="D4D4D4"/>
+                </a:solidFill>
+                <a:latin typeface="Consolas" panose="020B0609020204030204" pitchFamily="49" charset="0"/>
+              </a:rPr>
+              <a:t>)(</a:t>
+            </a:r>
+            <a:r>
+              <a:rPr lang="en-US" b="1" dirty="0" err="1">
+                <a:solidFill>
+                  <a:srgbClr val="9CDCFE"/>
+                </a:solidFill>
+                <a:latin typeface="Consolas" panose="020B0609020204030204" pitchFamily="49" charset="0"/>
+              </a:rPr>
+              <a:t>sep</a:t>
+            </a:r>
+            <a:r>
+              <a:rPr lang="en-US" b="1" dirty="0">
+                <a:solidFill>
+                  <a:srgbClr val="D4D4D4"/>
+                </a:solidFill>
+                <a:latin typeface="Consolas" panose="020B0609020204030204" pitchFamily="49" charset="0"/>
+              </a:rPr>
+              <a:t>)(</a:t>
+            </a:r>
+            <a:r>
+              <a:rPr lang="en-US" b="1" dirty="0" err="1">
+                <a:solidFill>
+                  <a:srgbClr val="9CDCFE"/>
+                </a:solidFill>
+                <a:latin typeface="Consolas" panose="020B0609020204030204" pitchFamily="49" charset="0"/>
+              </a:rPr>
+              <a:t>arr</a:t>
+            </a:r>
+            <a:r>
+              <a:rPr lang="en-US" b="1" dirty="0">
+                <a:solidFill>
+                  <a:srgbClr val="D4D4D4"/>
+                </a:solidFill>
+                <a:latin typeface="Consolas" panose="020B0609020204030204" pitchFamily="49" charset="0"/>
+              </a:rPr>
+              <a:t>)</a:t>
+            </a:r>
+          </a:p>
+        </p:txBody>
+      </p:sp>
+    </p:spTree>
+    <p:extLst>
+      <p:ext uri="{BB962C8B-B14F-4D97-AF65-F5344CB8AC3E}">
+        <p14:creationId xmlns:p14="http://schemas.microsoft.com/office/powerpoint/2010/main" val="1365637455"/>
+      </p:ext>
+    </p:extLst>
+  </p:cSld>
+  <p:clrMapOvr>
+    <a:masterClrMapping/>
+  </p:clrMapOvr>
+</p:sld>
+</file>
+
+<file path=ppt/slides/slide9.xml><?xml version="1.0" encoding="utf-8"?>
+<p:sld xmlns:a="http://schemas.openxmlformats.org/drawingml/2006/main" xmlns:r="http://schemas.openxmlformats.org/officeDocument/2006/relationships" xmlns:p="http://schemas.openxmlformats.org/presentationml/2006/main">
+  <p:cSld>
+    <p:spTree>
+      <p:nvGrpSpPr>
+        <p:cNvPr id="1" name=""/>
+        <p:cNvGrpSpPr/>
+        <p:nvPr/>
+      </p:nvGrpSpPr>
+      <p:grpSpPr>
+        <a:xfrm>
+          <a:off x="0" y="0"/>
+          <a:ext cx="0" cy="0"/>
+          <a:chOff x="0" y="0"/>
+          <a:chExt cx="0" cy="0"/>
+        </a:xfrm>
+      </p:grpSpPr>
+      <p:sp>
+        <p:nvSpPr>
+          <p:cNvPr id="2" name="Title 1">
+            <a:extLst>
+              <a:ext uri="{FF2B5EF4-FFF2-40B4-BE49-F238E27FC236}">
+                <a16:creationId xmlns:a16="http://schemas.microsoft.com/office/drawing/2014/main" id="{A435E35F-697C-4A60-B372-307172EABA82}"/>
+              </a:ext>
+            </a:extLst>
+          </p:cNvPr>
+          <p:cNvSpPr>
+            <a:spLocks noGrp="1"/>
+          </p:cNvSpPr>
+          <p:nvPr>
+            <p:ph type="title"/>
+          </p:nvPr>
+        </p:nvSpPr>
+        <p:spPr/>
+        <p:txBody>
+          <a:bodyPr/>
+          <a:lstStyle/>
+          <a:p>
+            <a:r>
+              <a:rPr lang="en-US" dirty="0"/>
               <a:t>Roadmap</a:t>
             </a:r>
           </a:p>
@@ -3923,60 +7888,84 @@
         </p:nvSpPr>
         <p:spPr/>
         <p:txBody>
-          <a:bodyPr/>
+          <a:bodyPr>
+            <a:normAutofit/>
+          </a:bodyPr>
           <a:lstStyle/>
           <a:p>
             <a:r>
-              <a:rPr lang="en-US" dirty="0"/>
+              <a:rPr lang="en-US" sz="3200" b="1" dirty="0"/>
               <a:t>Stage Zero</a:t>
             </a:r>
+            <a:r>
+              <a:rPr lang="en-US" sz="3200" dirty="0"/>
+              <a:t> (worked on during the Hackathon 2019)</a:t>
+            </a:r>
           </a:p>
           <a:p>
             <a:pPr lvl="1"/>
             <a:r>
-              <a:rPr lang="en-US" dirty="0"/>
-              <a:t>Implement a parser for </a:t>
-            </a:r>
-            <a:r>
-              <a:rPr lang="en-US" dirty="0" err="1"/>
+              <a:rPr lang="en-US" sz="2800" dirty="0"/>
+              <a:t>Implement a </a:t>
+            </a:r>
+            <a:r>
+              <a:rPr lang="en-US" sz="2800" b="1" dirty="0">
+                <a:solidFill>
+                  <a:schemeClr val="accent2">
+                    <a:lumMod val="60000"/>
+                    <a:lumOff val="40000"/>
+                  </a:schemeClr>
+                </a:solidFill>
+              </a:rPr>
+              <a:t>parser for </a:t>
+            </a:r>
+            <a:r>
+              <a:rPr lang="en-US" sz="2800" b="1" dirty="0" err="1">
+                <a:solidFill>
+                  <a:schemeClr val="accent2">
+                    <a:lumMod val="60000"/>
+                    <a:lumOff val="40000"/>
+                  </a:schemeClr>
+                </a:solidFill>
+              </a:rPr>
               <a:t>fun.ts</a:t>
             </a:r>
             <a:r>
-              <a:rPr lang="en-US" dirty="0"/>
+              <a:rPr lang="en-US" sz="2800" dirty="0"/>
               <a:t>, but without validating types</a:t>
             </a:r>
           </a:p>
           <a:p>
             <a:pPr lvl="1"/>
-            <a:endParaRPr lang="en-US" dirty="0"/>
-          </a:p>
-          <a:p>
-            <a:r>
-              <a:rPr lang="en-US" dirty="0"/>
+            <a:endParaRPr lang="en-US" sz="2800" dirty="0"/>
+          </a:p>
+          <a:p>
+            <a:r>
+              <a:rPr lang="en-US" sz="3200" b="1" dirty="0"/>
               <a:t>Stage One</a:t>
             </a:r>
           </a:p>
           <a:p>
             <a:pPr lvl="1"/>
             <a:r>
-              <a:rPr lang="en-US" dirty="0"/>
+              <a:rPr lang="en-US" sz="2800" dirty="0"/>
               <a:t>Implement a validator that parses types and validates their correctness</a:t>
             </a:r>
           </a:p>
           <a:p>
             <a:pPr lvl="1"/>
-            <a:endParaRPr lang="en-US" dirty="0"/>
-          </a:p>
-          <a:p>
-            <a:r>
-              <a:rPr lang="en-US" dirty="0"/>
+            <a:endParaRPr lang="en-US" sz="2800" dirty="0"/>
+          </a:p>
+          <a:p>
+            <a:r>
+              <a:rPr lang="en-US" sz="3200" b="1" dirty="0"/>
               <a:t>Stage Two</a:t>
             </a:r>
           </a:p>
           <a:p>
             <a:pPr lvl="1"/>
             <a:r>
-              <a:rPr lang="en-US" dirty="0"/>
+              <a:rPr lang="en-US" sz="2800" dirty="0"/>
               <a:t>Type inference</a:t>
             </a:r>
           </a:p>
@@ -4288,4 +8277,299 @@
     </a:ext>
   </a:extLst>
 </a:theme>
+</file>
+
+<file path=ppt/theme/theme2.xml><?xml version="1.0" encoding="utf-8"?>
+<a:theme xmlns:a="http://schemas.openxmlformats.org/drawingml/2006/main" name="Office Theme">
+  <a:themeElements>
+    <a:clrScheme name="Office">
+      <a:dk1>
+        <a:sysClr val="windowText" lastClr="000000"/>
+      </a:dk1>
+      <a:lt1>
+        <a:sysClr val="window" lastClr="FFFFFF"/>
+      </a:lt1>
+      <a:dk2>
+        <a:srgbClr val="44546A"/>
+      </a:dk2>
+      <a:lt2>
+        <a:srgbClr val="E7E6E6"/>
+      </a:lt2>
+      <a:accent1>
+        <a:srgbClr val="4472C4"/>
+      </a:accent1>
+      <a:accent2>
+        <a:srgbClr val="ED7D31"/>
+      </a:accent2>
+      <a:accent3>
+        <a:srgbClr val="A5A5A5"/>
+      </a:accent3>
+      <a:accent4>
+        <a:srgbClr val="FFC000"/>
+      </a:accent4>
+      <a:accent5>
+        <a:srgbClr val="5B9BD5"/>
+      </a:accent5>
+      <a:accent6>
+        <a:srgbClr val="70AD47"/>
+      </a:accent6>
+      <a:hlink>
+        <a:srgbClr val="0563C1"/>
+      </a:hlink>
+      <a:folHlink>
+        <a:srgbClr val="954F72"/>
+      </a:folHlink>
+    </a:clrScheme>
+    <a:fontScheme name="Office">
+      <a:majorFont>
+        <a:latin typeface="Calibri Light" panose="020F0302020204030204"/>
+        <a:ea typeface=""/>
+        <a:cs typeface=""/>
+        <a:font script="Jpan" typeface="游ゴシック Light"/>
+        <a:font script="Hang" typeface="맑은 고딕"/>
+        <a:font script="Hans" typeface="等线 Light"/>
+        <a:font script="Hant" typeface="新細明體"/>
+        <a:font script="Arab" typeface="Times New Roman"/>
+        <a:font script="Hebr" typeface="Times New Roman"/>
+        <a:font script="Thai" typeface="Angsana New"/>
+        <a:font script="Ethi" typeface="Nyala"/>
+        <a:font script="Beng" typeface="Vrinda"/>
+        <a:font script="Gujr" typeface="Shruti"/>
+        <a:font script="Khmr" typeface="MoolBoran"/>
+        <a:font script="Knda" typeface="Tunga"/>
+        <a:font script="Guru" typeface="Raavi"/>
+        <a:font script="Cans" typeface="Euphemia"/>
+        <a:font script="Cher" typeface="Plantagenet Cherokee"/>
+        <a:font script="Yiii" typeface="Microsoft Yi Baiti"/>
+        <a:font script="Tibt" typeface="Microsoft Himalaya"/>
+        <a:font script="Thaa" typeface="MV Boli"/>
+        <a:font script="Deva" typeface="Mangal"/>
+        <a:font script="Telu" typeface="Gautami"/>
+        <a:font script="Taml" typeface="Latha"/>
+        <a:font script="Syrc" typeface="Estrangelo Edessa"/>
+        <a:font script="Orya" typeface="Kalinga"/>
+        <a:font script="Mlym" typeface="Kartika"/>
+        <a:font script="Laoo" typeface="DokChampa"/>
+        <a:font script="Sinh" typeface="Iskoola Pota"/>
+        <a:font script="Mong" typeface="Mongolian Baiti"/>
+        <a:font script="Viet" typeface="Times New Roman"/>
+        <a:font script="Uigh" typeface="Microsoft Uighur"/>
+        <a:font script="Geor" typeface="Sylfaen"/>
+        <a:font script="Armn" typeface="Arial"/>
+        <a:font script="Bugi" typeface="Leelawadee UI"/>
+        <a:font script="Bopo" typeface="Microsoft JhengHei"/>
+        <a:font script="Java" typeface="Javanese Text"/>
+        <a:font script="Lisu" typeface="Segoe UI"/>
+        <a:font script="Mymr" typeface="Myanmar Text"/>
+        <a:font script="Nkoo" typeface="Ebrima"/>
+        <a:font script="Olck" typeface="Nirmala UI"/>
+        <a:font script="Osma" typeface="Ebrima"/>
+        <a:font script="Phag" typeface="Phagspa"/>
+        <a:font script="Syrn" typeface="Estrangelo Edessa"/>
+        <a:font script="Syrj" typeface="Estrangelo Edessa"/>
+        <a:font script="Syre" typeface="Estrangelo Edessa"/>
+        <a:font script="Sora" typeface="Nirmala UI"/>
+        <a:font script="Tale" typeface="Microsoft Tai Le"/>
+        <a:font script="Talu" typeface="Microsoft New Tai Lue"/>
+        <a:font script="Tfng" typeface="Ebrima"/>
+      </a:majorFont>
+      <a:minorFont>
+        <a:latin typeface="Calibri" panose="020F0502020204030204"/>
+        <a:ea typeface=""/>
+        <a:cs typeface=""/>
+        <a:font script="Jpan" typeface="游ゴシック"/>
+        <a:font script="Hang" typeface="맑은 고딕"/>
+        <a:font script="Hans" typeface="等线"/>
+        <a:font script="Hant" typeface="新細明體"/>
+        <a:font script="Arab" typeface="Arial"/>
+        <a:font script="Hebr" typeface="Arial"/>
+        <a:font script="Thai" typeface="Cordia New"/>
+        <a:font script="Ethi" typeface="Nyala"/>
+        <a:font script="Beng" typeface="Vrinda"/>
+        <a:font script="Gujr" typeface="Shruti"/>
+        <a:font script="Khmr" typeface="DaunPenh"/>
+        <a:font script="Knda" typeface="Tunga"/>
+        <a:font script="Guru" typeface="Raavi"/>
+        <a:font script="Cans" typeface="Euphemia"/>
+        <a:font script="Cher" typeface="Plantagenet Cherokee"/>
+        <a:font script="Yiii" typeface="Microsoft Yi Baiti"/>
+        <a:font script="Tibt" typeface="Microsoft Himalaya"/>
+        <a:font script="Thaa" typeface="MV Boli"/>
+        <a:font script="Deva" typeface="Mangal"/>
+        <a:font script="Telu" typeface="Gautami"/>
+        <a:font script="Taml" typeface="Latha"/>
+        <a:font script="Syrc" typeface="Estrangelo Edessa"/>
+        <a:font script="Orya" typeface="Kalinga"/>
+        <a:font script="Mlym" typeface="Kartika"/>
+        <a:font script="Laoo" typeface="DokChampa"/>
+        <a:font script="Sinh" typeface="Iskoola Pota"/>
+        <a:font script="Mong" typeface="Mongolian Baiti"/>
+        <a:font script="Viet" typeface="Arial"/>
+        <a:font script="Uigh" typeface="Microsoft Uighur"/>
+        <a:font script="Geor" typeface="Sylfaen"/>
+        <a:font script="Armn" typeface="Arial"/>
+        <a:font script="Bugi" typeface="Leelawadee UI"/>
+        <a:font script="Bopo" typeface="Microsoft JhengHei"/>
+        <a:font script="Java" typeface="Javanese Text"/>
+        <a:font script="Lisu" typeface="Segoe UI"/>
+        <a:font script="Mymr" typeface="Myanmar Text"/>
+        <a:font script="Nkoo" typeface="Ebrima"/>
+        <a:font script="Olck" typeface="Nirmala UI"/>
+        <a:font script="Osma" typeface="Ebrima"/>
+        <a:font script="Phag" typeface="Phagspa"/>
+        <a:font script="Syrn" typeface="Estrangelo Edessa"/>
+        <a:font script="Syrj" typeface="Estrangelo Edessa"/>
+        <a:font script="Syre" typeface="Estrangelo Edessa"/>
+        <a:font script="Sora" typeface="Nirmala UI"/>
+        <a:font script="Tale" typeface="Microsoft Tai Le"/>
+        <a:font script="Talu" typeface="Microsoft New Tai Lue"/>
+        <a:font script="Tfng" typeface="Ebrima"/>
+      </a:minorFont>
+    </a:fontScheme>
+    <a:fmtScheme name="Office">
+      <a:fillStyleLst>
+        <a:solidFill>
+          <a:schemeClr val="phClr"/>
+        </a:solidFill>
+        <a:gradFill rotWithShape="1">
+          <a:gsLst>
+            <a:gs pos="0">
+              <a:schemeClr val="phClr">
+                <a:lumMod val="110000"/>
+                <a:satMod val="105000"/>
+                <a:tint val="67000"/>
+              </a:schemeClr>
+            </a:gs>
+            <a:gs pos="50000">
+              <a:schemeClr val="phClr">
+                <a:lumMod val="105000"/>
+                <a:satMod val="103000"/>
+                <a:tint val="73000"/>
+              </a:schemeClr>
+            </a:gs>
+            <a:gs pos="100000">
+              <a:schemeClr val="phClr">
+                <a:lumMod val="105000"/>
+                <a:satMod val="109000"/>
+                <a:tint val="81000"/>
+              </a:schemeClr>
+            </a:gs>
+          </a:gsLst>
+          <a:lin ang="5400000" scaled="0"/>
+        </a:gradFill>
+        <a:gradFill rotWithShape="1">
+          <a:gsLst>
+            <a:gs pos="0">
+              <a:schemeClr val="phClr">
+                <a:satMod val="103000"/>
+                <a:lumMod val="102000"/>
+                <a:tint val="94000"/>
+              </a:schemeClr>
+            </a:gs>
+            <a:gs pos="50000">
+              <a:schemeClr val="phClr">
+                <a:satMod val="110000"/>
+                <a:lumMod val="100000"/>
+                <a:shade val="100000"/>
+              </a:schemeClr>
+            </a:gs>
+            <a:gs pos="100000">
+              <a:schemeClr val="phClr">
+                <a:lumMod val="99000"/>
+                <a:satMod val="120000"/>
+                <a:shade val="78000"/>
+              </a:schemeClr>
+            </a:gs>
+          </a:gsLst>
+          <a:lin ang="5400000" scaled="0"/>
+        </a:gradFill>
+      </a:fillStyleLst>
+      <a:lnStyleLst>
+        <a:ln w="6350" cap="flat" cmpd="sng" algn="ctr">
+          <a:solidFill>
+            <a:schemeClr val="phClr"/>
+          </a:solidFill>
+          <a:prstDash val="solid"/>
+          <a:miter lim="800000"/>
+        </a:ln>
+        <a:ln w="12700" cap="flat" cmpd="sng" algn="ctr">
+          <a:solidFill>
+            <a:schemeClr val="phClr"/>
+          </a:solidFill>
+          <a:prstDash val="solid"/>
+          <a:miter lim="800000"/>
+        </a:ln>
+        <a:ln w="19050" cap="flat" cmpd="sng" algn="ctr">
+          <a:solidFill>
+            <a:schemeClr val="phClr"/>
+          </a:solidFill>
+          <a:prstDash val="solid"/>
+          <a:miter lim="800000"/>
+        </a:ln>
+      </a:lnStyleLst>
+      <a:effectStyleLst>
+        <a:effectStyle>
+          <a:effectLst/>
+        </a:effectStyle>
+        <a:effectStyle>
+          <a:effectLst/>
+        </a:effectStyle>
+        <a:effectStyle>
+          <a:effectLst>
+            <a:outerShdw blurRad="57150" dist="19050" dir="5400000" algn="ctr" rotWithShape="0">
+              <a:srgbClr val="000000">
+                <a:alpha val="63000"/>
+              </a:srgbClr>
+            </a:outerShdw>
+          </a:effectLst>
+        </a:effectStyle>
+      </a:effectStyleLst>
+      <a:bgFillStyleLst>
+        <a:solidFill>
+          <a:schemeClr val="phClr"/>
+        </a:solidFill>
+        <a:solidFill>
+          <a:schemeClr val="phClr">
+            <a:tint val="95000"/>
+            <a:satMod val="170000"/>
+          </a:schemeClr>
+        </a:solidFill>
+        <a:gradFill rotWithShape="1">
+          <a:gsLst>
+            <a:gs pos="0">
+              <a:schemeClr val="phClr">
+                <a:tint val="93000"/>
+                <a:satMod val="150000"/>
+                <a:shade val="98000"/>
+                <a:lumMod val="102000"/>
+              </a:schemeClr>
+            </a:gs>
+            <a:gs pos="50000">
+              <a:schemeClr val="phClr">
+                <a:tint val="98000"/>
+                <a:satMod val="130000"/>
+                <a:shade val="90000"/>
+                <a:lumMod val="103000"/>
+              </a:schemeClr>
+            </a:gs>
+            <a:gs pos="100000">
+              <a:schemeClr val="phClr">
+                <a:shade val="63000"/>
+                <a:satMod val="120000"/>
+              </a:schemeClr>
+            </a:gs>
+          </a:gsLst>
+          <a:lin ang="5400000" scaled="0"/>
+        </a:gradFill>
+      </a:bgFillStyleLst>
+    </a:fmtScheme>
+  </a:themeElements>
+  <a:objectDefaults/>
+  <a:extraClrSchemeLst/>
+  <a:extLst>
+    <a:ext uri="{05A4C25C-085E-4340-85A3-A5531E510DB2}">
+      <thm15:themeFamily xmlns:thm15="http://schemas.microsoft.com/office/thememl/2012/main" name="Office Theme" id="{62F939B6-93AF-4DB8-9C6B-D6C7DFDC589F}" vid="{4A3C46E8-61CC-4603-A589-7422A47A8E4A}"/>
+    </a:ext>
+  </a:extLst>
+</a:theme>
 </file>